--- a/ゼミ発表.pptx
+++ b/ゼミ発表.pptx
@@ -265,7 +265,7 @@
       <p15:sldGuideLst xmlns:p15="http://schemas.microsoft.com/office/powerpoint/2012/main"/>
     </p:ext>
     <p:ext uri="http://customooxmlschemas.google.com/">
-      <go:slidesCustomData xmlns:go="http://customooxmlschemas.google.com/" xmlns:ahyp="http://schemas.microsoft.com/office/drawing/2018/hyperlinkcolor" xmlns:p15="http://schemas.microsoft.com/office/powerpoint/2012/main" xmlns:p14="http://schemas.microsoft.com/office/powerpoint/2010/main" xmlns:com="http://schemas.openxmlformats.org/drawingml/2006/compatibility" xmlns:pvml="urn:schemas-microsoft-com:office:powerpoint" xmlns:v="urn:schemas-microsoft-com:vml" xmlns:o="urn:schemas-microsoft-com:office:office" xmlns:dgm="http://schemas.openxmlformats.org/drawingml/2006/diagram" xmlns:c="http://schemas.openxmlformats.org/drawingml/2006/chart" xmlns:mv="urn:schemas-microsoft-com:mac:vml" xmlns:mc="http://schemas.openxmlformats.org/markup-compatibility/2006" xmlns="" r:id="rId31" roundtripDataSignature="AMtx7mguBhfU2ewNmlOFpwLF0OdWMRVZPA=="/>
+      <go:slidesCustomData xmlns="" xmlns:mc="http://schemas.openxmlformats.org/markup-compatibility/2006" xmlns:mv="urn:schemas-microsoft-com:mac:vml" xmlns:c="http://schemas.openxmlformats.org/drawingml/2006/chart" xmlns:dgm="http://schemas.openxmlformats.org/drawingml/2006/diagram" xmlns:o="urn:schemas-microsoft-com:office:office" xmlns:v="urn:schemas-microsoft-com:vml" xmlns:pvml="urn:schemas-microsoft-com:office:powerpoint" xmlns:com="http://schemas.openxmlformats.org/drawingml/2006/compatibility" xmlns:p14="http://schemas.microsoft.com/office/powerpoint/2010/main" xmlns:p15="http://schemas.microsoft.com/office/powerpoint/2012/main" xmlns:ahyp="http://schemas.microsoft.com/office/drawing/2018/hyperlinkcolor" xmlns:go="http://customooxmlschemas.google.com/" r:id="rId31" roundtripDataSignature="AMtx7mguBhfU2ewNmlOFpwLF0OdWMRVZPA=="/>
     </p:ext>
   </p:extLst>
 </p:presentation>
@@ -274,7 +274,7 @@
 <file path=ppt/revisionInfo.xml><?xml version="1.0" encoding="utf-8"?>
 <p1510:revInfo xmlns:a="http://schemas.openxmlformats.org/drawingml/2006/main" xmlns:r="http://schemas.openxmlformats.org/officeDocument/2006/relationships" xmlns:p1510="http://schemas.microsoft.com/office/powerpoint/2015/10/main">
   <p1510:revLst>
-    <p1510:client id="{FBD45495-7995-42B9-AAFE-5F99C96B0D1E}" v="282" dt="2022-10-05T10:52:40.593"/>
+    <p1510:client id="{A2EBAACC-D2A4-43C9-BAD8-3FF7B22E147D}" v="1" dt="2022-11-28T11:22:28.646"/>
   </p1510:revLst>
 </p1510:revInfo>
 </file>
@@ -282,26 +282,1837 @@
 <file path=ppt/changesInfos/changesInfo1.xml><?xml version="1.0" encoding="utf-8"?>
 <pc:chgInfo xmlns:a="http://schemas.openxmlformats.org/drawingml/2006/main" xmlns:r="http://schemas.openxmlformats.org/officeDocument/2006/relationships" xmlns:ac="http://schemas.microsoft.com/office/drawing/2013/main/command" xmlns:pc="http://schemas.microsoft.com/office/powerpoint/2013/main/command">
   <pc:docChgLst>
-    <pc:chgData name="劉　冠廷" userId="157cb8b2-10c8-4c98-be2a-24a6fef27960" providerId="ADAL" clId="{BB371BA9-58B2-4CA2-B3E7-84C0A53D4005}"/>
-    <pc:docChg chg="modSld">
-      <pc:chgData name="劉　冠廷" userId="157cb8b2-10c8-4c98-be2a-24a6fef27960" providerId="ADAL" clId="{BB371BA9-58B2-4CA2-B3E7-84C0A53D4005}" dt="2021-12-18T03:57:15.381" v="9" actId="20577"/>
+    <pc:chgData name="劉　冠廷" userId="157cb8b2-10c8-4c98-be2a-24a6fef27960" providerId="ADAL" clId="{6622E921-AE26-46C1-AE4E-15D7C32E5AB6}"/>
+    <pc:docChg chg="undo redo custSel addSld delSld modSld sldOrd">
+      <pc:chgData name="劉　冠廷" userId="157cb8b2-10c8-4c98-be2a-24a6fef27960" providerId="ADAL" clId="{6622E921-AE26-46C1-AE4E-15D7C32E5AB6}" dt="2022-06-27T10:20:31.653" v="11100" actId="20577"/>
       <pc:docMkLst>
         <pc:docMk/>
       </pc:docMkLst>
-      <pc:sldChg chg="modSp mod">
-        <pc:chgData name="劉　冠廷" userId="157cb8b2-10c8-4c98-be2a-24a6fef27960" providerId="ADAL" clId="{BB371BA9-58B2-4CA2-B3E7-84C0A53D4005}" dt="2021-12-18T03:57:15.381" v="9" actId="20577"/>
+      <pc:sldChg chg="del">
+        <pc:chgData name="劉　冠廷" userId="157cb8b2-10c8-4c98-be2a-24a6fef27960" providerId="ADAL" clId="{6622E921-AE26-46C1-AE4E-15D7C32E5AB6}" dt="2022-06-06T07:07:37.208" v="4" actId="2696"/>
         <pc:sldMkLst>
           <pc:docMk/>
-          <pc:sldMk cId="0" sldId="271"/>
+          <pc:sldMk cId="0" sldId="258"/>
+        </pc:sldMkLst>
+      </pc:sldChg>
+      <pc:sldChg chg="addSp delSp modSp add del mod ord modAnim">
+        <pc:chgData name="劉　冠廷" userId="157cb8b2-10c8-4c98-be2a-24a6fef27960" providerId="ADAL" clId="{6622E921-AE26-46C1-AE4E-15D7C32E5AB6}" dt="2022-06-21T04:40:12.569" v="8797" actId="2696"/>
+        <pc:sldMkLst>
+          <pc:docMk/>
+          <pc:sldMk cId="0" sldId="259"/>
+        </pc:sldMkLst>
+        <pc:spChg chg="add del mod">
+          <ac:chgData name="劉　冠廷" userId="157cb8b2-10c8-4c98-be2a-24a6fef27960" providerId="ADAL" clId="{6622E921-AE26-46C1-AE4E-15D7C32E5AB6}" dt="2022-06-14T03:43:48.327" v="3405"/>
+          <ac:spMkLst>
+            <pc:docMk/>
+            <pc:sldMk cId="0" sldId="259"/>
+            <ac:spMk id="7" creationId="{BB226F0D-6D9F-F9B6-75F2-2CC85483A277}"/>
+          </ac:spMkLst>
+        </pc:spChg>
+        <pc:spChg chg="mod">
+          <ac:chgData name="劉　冠廷" userId="157cb8b2-10c8-4c98-be2a-24a6fef27960" providerId="ADAL" clId="{6622E921-AE26-46C1-AE4E-15D7C32E5AB6}" dt="2022-06-20T05:51:15.805" v="4603"/>
+          <ac:spMkLst>
+            <pc:docMk/>
+            <pc:sldMk cId="0" sldId="259"/>
+            <ac:spMk id="8" creationId="{ED5F66FB-B68D-758D-A7FE-4A8861A9082B}"/>
+          </ac:spMkLst>
+        </pc:spChg>
+        <pc:spChg chg="del">
+          <ac:chgData name="劉　冠廷" userId="157cb8b2-10c8-4c98-be2a-24a6fef27960" providerId="ADAL" clId="{6622E921-AE26-46C1-AE4E-15D7C32E5AB6}" dt="2022-06-11T04:57:23.233" v="968" actId="478"/>
+          <ac:spMkLst>
+            <pc:docMk/>
+            <pc:sldMk cId="0" sldId="259"/>
+            <ac:spMk id="9" creationId="{948218A8-4E27-5C54-CC6E-FF9EC2E80F05}"/>
+          </ac:spMkLst>
+        </pc:spChg>
+        <pc:spChg chg="mod">
+          <ac:chgData name="劉　冠廷" userId="157cb8b2-10c8-4c98-be2a-24a6fef27960" providerId="ADAL" clId="{6622E921-AE26-46C1-AE4E-15D7C32E5AB6}" dt="2022-06-20T05:51:15.805" v="4603"/>
+          <ac:spMkLst>
+            <pc:docMk/>
+            <pc:sldMk cId="0" sldId="259"/>
+            <ac:spMk id="9" creationId="{EC661128-2A75-6814-123F-5EAB6C18FA58}"/>
+          </ac:spMkLst>
+        </pc:spChg>
+        <pc:spChg chg="mod">
+          <ac:chgData name="劉　冠廷" userId="157cb8b2-10c8-4c98-be2a-24a6fef27960" providerId="ADAL" clId="{6622E921-AE26-46C1-AE4E-15D7C32E5AB6}" dt="2022-06-20T05:51:15.805" v="4603"/>
+          <ac:spMkLst>
+            <pc:docMk/>
+            <pc:sldMk cId="0" sldId="259"/>
+            <ac:spMk id="10" creationId="{6ECC0CD6-03A4-4668-D86D-233046130A3C}"/>
+          </ac:spMkLst>
+        </pc:spChg>
+        <pc:spChg chg="mod">
+          <ac:chgData name="劉　冠廷" userId="157cb8b2-10c8-4c98-be2a-24a6fef27960" providerId="ADAL" clId="{6622E921-AE26-46C1-AE4E-15D7C32E5AB6}" dt="2022-06-14T00:47:17.914" v="3344" actId="20577"/>
+          <ac:spMkLst>
+            <pc:docMk/>
+            <pc:sldMk cId="0" sldId="259"/>
+            <ac:spMk id="110" creationId="{00000000-0000-0000-0000-000000000000}"/>
+          </ac:spMkLst>
+        </pc:spChg>
+        <pc:spChg chg="mod">
+          <ac:chgData name="劉　冠廷" userId="157cb8b2-10c8-4c98-be2a-24a6fef27960" providerId="ADAL" clId="{6622E921-AE26-46C1-AE4E-15D7C32E5AB6}" dt="2022-06-14T03:46:45.560" v="3531" actId="20577"/>
+          <ac:spMkLst>
+            <pc:docMk/>
+            <pc:sldMk cId="0" sldId="259"/>
+            <ac:spMk id="111" creationId="{00000000-0000-0000-0000-000000000000}"/>
+          </ac:spMkLst>
+        </pc:spChg>
+        <pc:grpChg chg="add del mod">
+          <ac:chgData name="劉　冠廷" userId="157cb8b2-10c8-4c98-be2a-24a6fef27960" providerId="ADAL" clId="{6622E921-AE26-46C1-AE4E-15D7C32E5AB6}" dt="2022-06-20T05:52:41.752" v="4624" actId="478"/>
+          <ac:grpSpMkLst>
+            <pc:docMk/>
+            <pc:sldMk cId="0" sldId="259"/>
+            <ac:grpSpMk id="6" creationId="{C98E1534-4A06-A2B3-7D16-0053F18D2104}"/>
+          </ac:grpSpMkLst>
+        </pc:grpChg>
+        <pc:grpChg chg="mod">
+          <ac:chgData name="劉　冠廷" userId="157cb8b2-10c8-4c98-be2a-24a6fef27960" providerId="ADAL" clId="{6622E921-AE26-46C1-AE4E-15D7C32E5AB6}" dt="2022-06-20T05:51:15.805" v="4603"/>
+          <ac:grpSpMkLst>
+            <pc:docMk/>
+            <pc:sldMk cId="0" sldId="259"/>
+            <ac:grpSpMk id="7" creationId="{39A108E1-4C91-9C3B-1F07-FB02F0739C36}"/>
+          </ac:grpSpMkLst>
+        </pc:grpChg>
+        <pc:picChg chg="del">
+          <ac:chgData name="劉　冠廷" userId="157cb8b2-10c8-4c98-be2a-24a6fef27960" providerId="ADAL" clId="{6622E921-AE26-46C1-AE4E-15D7C32E5AB6}" dt="2022-06-14T00:47:19.760" v="3345" actId="478"/>
+          <ac:picMkLst>
+            <pc:docMk/>
+            <pc:sldMk cId="0" sldId="259"/>
+            <ac:picMk id="5" creationId="{2F0F60C2-AF6C-FD47-CEA2-8F5724577698}"/>
+          </ac:picMkLst>
+        </pc:picChg>
+      </pc:sldChg>
+      <pc:sldChg chg="add del">
+        <pc:chgData name="劉　冠廷" userId="157cb8b2-10c8-4c98-be2a-24a6fef27960" providerId="ADAL" clId="{6622E921-AE26-46C1-AE4E-15D7C32E5AB6}" dt="2022-06-06T07:06:18.140" v="2" actId="2696"/>
+        <pc:sldMkLst>
+          <pc:docMk/>
+          <pc:sldMk cId="1890377942" sldId="282"/>
+        </pc:sldMkLst>
+      </pc:sldChg>
+      <pc:sldChg chg="add del">
+        <pc:chgData name="劉　冠廷" userId="157cb8b2-10c8-4c98-be2a-24a6fef27960" providerId="ADAL" clId="{6622E921-AE26-46C1-AE4E-15D7C32E5AB6}" dt="2022-06-06T07:06:18.140" v="2" actId="2696"/>
+        <pc:sldMkLst>
+          <pc:docMk/>
+          <pc:sldMk cId="3949656781" sldId="283"/>
+        </pc:sldMkLst>
+      </pc:sldChg>
+      <pc:sldChg chg="add del">
+        <pc:chgData name="劉　冠廷" userId="157cb8b2-10c8-4c98-be2a-24a6fef27960" providerId="ADAL" clId="{6622E921-AE26-46C1-AE4E-15D7C32E5AB6}" dt="2022-06-06T07:06:18.140" v="2" actId="2696"/>
+        <pc:sldMkLst>
+          <pc:docMk/>
+          <pc:sldMk cId="45206685" sldId="284"/>
+        </pc:sldMkLst>
+      </pc:sldChg>
+      <pc:sldChg chg="add del">
+        <pc:chgData name="劉　冠廷" userId="157cb8b2-10c8-4c98-be2a-24a6fef27960" providerId="ADAL" clId="{6622E921-AE26-46C1-AE4E-15D7C32E5AB6}" dt="2022-06-06T07:06:18.140" v="2" actId="2696"/>
+        <pc:sldMkLst>
+          <pc:docMk/>
+          <pc:sldMk cId="3736855782" sldId="285"/>
+        </pc:sldMkLst>
+      </pc:sldChg>
+      <pc:sldChg chg="add del">
+        <pc:chgData name="劉　冠廷" userId="157cb8b2-10c8-4c98-be2a-24a6fef27960" providerId="ADAL" clId="{6622E921-AE26-46C1-AE4E-15D7C32E5AB6}" dt="2022-06-06T07:20:34.556" v="438" actId="2696"/>
+        <pc:sldMkLst>
+          <pc:docMk/>
+          <pc:sldMk cId="3280963881" sldId="286"/>
+        </pc:sldMkLst>
+      </pc:sldChg>
+      <pc:sldChg chg="addSp delSp modSp new mod ord modAnim">
+        <pc:chgData name="劉　冠廷" userId="157cb8b2-10c8-4c98-be2a-24a6fef27960" providerId="ADAL" clId="{6622E921-AE26-46C1-AE4E-15D7C32E5AB6}" dt="2022-06-18T01:31:04.932" v="3741" actId="20577"/>
+        <pc:sldMkLst>
+          <pc:docMk/>
+          <pc:sldMk cId="2726167223" sldId="287"/>
+        </pc:sldMkLst>
+        <pc:spChg chg="del">
+          <ac:chgData name="劉　冠廷" userId="157cb8b2-10c8-4c98-be2a-24a6fef27960" providerId="ADAL" clId="{6622E921-AE26-46C1-AE4E-15D7C32E5AB6}" dt="2022-06-06T07:07:55.983" v="9" actId="478"/>
+          <ac:spMkLst>
+            <pc:docMk/>
+            <pc:sldMk cId="2726167223" sldId="287"/>
+            <ac:spMk id="2" creationId="{50C19F49-A77B-7D06-1B86-4E09BACE9420}"/>
+          </ac:spMkLst>
+        </pc:spChg>
+        <pc:spChg chg="del">
+          <ac:chgData name="劉　冠廷" userId="157cb8b2-10c8-4c98-be2a-24a6fef27960" providerId="ADAL" clId="{6622E921-AE26-46C1-AE4E-15D7C32E5AB6}" dt="2022-06-06T07:07:57.628" v="10" actId="478"/>
+          <ac:spMkLst>
+            <pc:docMk/>
+            <pc:sldMk cId="2726167223" sldId="287"/>
+            <ac:spMk id="3" creationId="{8DE273E5-90F5-519F-B0E2-ADDB7F5D44CF}"/>
+          </ac:spMkLst>
+        </pc:spChg>
+        <pc:spChg chg="add mod">
+          <ac:chgData name="劉　冠廷" userId="157cb8b2-10c8-4c98-be2a-24a6fef27960" providerId="ADAL" clId="{6622E921-AE26-46C1-AE4E-15D7C32E5AB6}" dt="2022-06-18T01:31:04.932" v="3741" actId="20577"/>
+          <ac:spMkLst>
+            <pc:docMk/>
+            <pc:sldMk cId="2726167223" sldId="287"/>
+            <ac:spMk id="4" creationId="{BB41B11D-8A7B-ED04-0DA5-F6E11042C02C}"/>
+          </ac:spMkLst>
+        </pc:spChg>
+        <pc:spChg chg="add mod">
+          <ac:chgData name="劉　冠廷" userId="157cb8b2-10c8-4c98-be2a-24a6fef27960" providerId="ADAL" clId="{6622E921-AE26-46C1-AE4E-15D7C32E5AB6}" dt="2022-06-11T05:14:00.651" v="1120" actId="207"/>
+          <ac:spMkLst>
+            <pc:docMk/>
+            <pc:sldMk cId="2726167223" sldId="287"/>
+            <ac:spMk id="5" creationId="{931F4166-E2B8-CC38-0C1A-A068FD2A1D58}"/>
+          </ac:spMkLst>
+        </pc:spChg>
+        <pc:spChg chg="add mod">
+          <ac:chgData name="劉　冠廷" userId="157cb8b2-10c8-4c98-be2a-24a6fef27960" providerId="ADAL" clId="{6622E921-AE26-46C1-AE4E-15D7C32E5AB6}" dt="2022-06-11T05:14:19.977" v="1122" actId="207"/>
+          <ac:spMkLst>
+            <pc:docMk/>
+            <pc:sldMk cId="2726167223" sldId="287"/>
+            <ac:spMk id="9" creationId="{CA3ED756-8E31-9890-0ACA-16D11762FF34}"/>
+          </ac:spMkLst>
+        </pc:spChg>
+        <pc:cxnChg chg="add mod">
+          <ac:chgData name="劉　冠廷" userId="157cb8b2-10c8-4c98-be2a-24a6fef27960" providerId="ADAL" clId="{6622E921-AE26-46C1-AE4E-15D7C32E5AB6}" dt="2022-06-06T07:42:40.007" v="738" actId="1076"/>
+          <ac:cxnSpMkLst>
+            <pc:docMk/>
+            <pc:sldMk cId="2726167223" sldId="287"/>
+            <ac:cxnSpMk id="7" creationId="{BCFB6E4E-C7A8-BFB3-FC99-8F1E84541D2E}"/>
+          </ac:cxnSpMkLst>
+        </pc:cxnChg>
+      </pc:sldChg>
+      <pc:sldChg chg="addSp delSp modSp add mod ord modShow">
+        <pc:chgData name="劉　冠廷" userId="157cb8b2-10c8-4c98-be2a-24a6fef27960" providerId="ADAL" clId="{6622E921-AE26-46C1-AE4E-15D7C32E5AB6}" dt="2022-06-14T04:46:37.976" v="3732" actId="729"/>
+        <pc:sldMkLst>
+          <pc:docMk/>
+          <pc:sldMk cId="4032392650" sldId="288"/>
+        </pc:sldMkLst>
+        <pc:spChg chg="add del">
+          <ac:chgData name="劉　冠廷" userId="157cb8b2-10c8-4c98-be2a-24a6fef27960" providerId="ADAL" clId="{6622E921-AE26-46C1-AE4E-15D7C32E5AB6}" dt="2022-06-06T07:22:27.136" v="476" actId="478"/>
+          <ac:spMkLst>
+            <pc:docMk/>
+            <pc:sldMk cId="4032392650" sldId="288"/>
+            <ac:spMk id="9" creationId="{948218A8-4E27-5C54-CC6E-FF9EC2E80F05}"/>
+          </ac:spMkLst>
+        </pc:spChg>
+        <pc:spChg chg="mod">
+          <ac:chgData name="劉　冠廷" userId="157cb8b2-10c8-4c98-be2a-24a6fef27960" providerId="ADAL" clId="{6622E921-AE26-46C1-AE4E-15D7C32E5AB6}" dt="2022-06-14T04:46:03.375" v="3727" actId="20577"/>
+          <ac:spMkLst>
+            <pc:docMk/>
+            <pc:sldMk cId="4032392650" sldId="288"/>
+            <ac:spMk id="110" creationId="{00000000-0000-0000-0000-000000000000}"/>
+          </ac:spMkLst>
+        </pc:spChg>
+        <pc:spChg chg="mod">
+          <ac:chgData name="劉　冠廷" userId="157cb8b2-10c8-4c98-be2a-24a6fef27960" providerId="ADAL" clId="{6622E921-AE26-46C1-AE4E-15D7C32E5AB6}" dt="2022-06-14T04:45:33.664" v="3725" actId="20577"/>
+          <ac:spMkLst>
+            <pc:docMk/>
+            <pc:sldMk cId="4032392650" sldId="288"/>
+            <ac:spMk id="111" creationId="{00000000-0000-0000-0000-000000000000}"/>
+          </ac:spMkLst>
+        </pc:spChg>
+        <pc:picChg chg="del mod">
+          <ac:chgData name="劉　冠廷" userId="157cb8b2-10c8-4c98-be2a-24a6fef27960" providerId="ADAL" clId="{6622E921-AE26-46C1-AE4E-15D7C32E5AB6}" dt="2022-06-06T07:22:24.970" v="475" actId="478"/>
+          <ac:picMkLst>
+            <pc:docMk/>
+            <pc:sldMk cId="4032392650" sldId="288"/>
+            <ac:picMk id="5" creationId="{2F0F60C2-AF6C-FD47-CEA2-8F5724577698}"/>
+          </ac:picMkLst>
+        </pc:picChg>
+      </pc:sldChg>
+      <pc:sldChg chg="addSp delSp modSp add mod addAnim delAnim modAnim">
+        <pc:chgData name="劉　冠廷" userId="157cb8b2-10c8-4c98-be2a-24a6fef27960" providerId="ADAL" clId="{6622E921-AE26-46C1-AE4E-15D7C32E5AB6}" dt="2022-06-27T06:34:32.889" v="10902" actId="1076"/>
+        <pc:sldMkLst>
+          <pc:docMk/>
+          <pc:sldMk cId="3602405841" sldId="289"/>
+        </pc:sldMkLst>
+        <pc:spChg chg="add del mod ord topLvl">
+          <ac:chgData name="劉　冠廷" userId="157cb8b2-10c8-4c98-be2a-24a6fef27960" providerId="ADAL" clId="{6622E921-AE26-46C1-AE4E-15D7C32E5AB6}" dt="2022-06-11T05:16:22.391" v="1138" actId="478"/>
+          <ac:spMkLst>
+            <pc:docMk/>
+            <pc:sldMk cId="3602405841" sldId="289"/>
+            <ac:spMk id="3" creationId="{B9FED372-E01E-3137-C883-66DCB0709493}"/>
+          </ac:spMkLst>
+        </pc:spChg>
+        <pc:spChg chg="add del mod topLvl">
+          <ac:chgData name="劉　冠廷" userId="157cb8b2-10c8-4c98-be2a-24a6fef27960" providerId="ADAL" clId="{6622E921-AE26-46C1-AE4E-15D7C32E5AB6}" dt="2022-06-11T06:22:28.404" v="1711" actId="1076"/>
+          <ac:spMkLst>
+            <pc:docMk/>
+            <pc:sldMk cId="3602405841" sldId="289"/>
+            <ac:spMk id="4" creationId="{49F70D5E-9B45-EAAE-2F55-7DF164016490}"/>
+          </ac:spMkLst>
+        </pc:spChg>
+        <pc:spChg chg="add del">
+          <ac:chgData name="劉　冠廷" userId="157cb8b2-10c8-4c98-be2a-24a6fef27960" providerId="ADAL" clId="{6622E921-AE26-46C1-AE4E-15D7C32E5AB6}" dt="2022-06-21T03:59:34.312" v="8220" actId="478"/>
+          <ac:spMkLst>
+            <pc:docMk/>
+            <pc:sldMk cId="3602405841" sldId="289"/>
+            <ac:spMk id="6" creationId="{1072D838-1340-9A4A-178A-9E3724C5287B}"/>
+          </ac:spMkLst>
+        </pc:spChg>
+        <pc:spChg chg="add mod ord">
+          <ac:chgData name="劉　冠廷" userId="157cb8b2-10c8-4c98-be2a-24a6fef27960" providerId="ADAL" clId="{6622E921-AE26-46C1-AE4E-15D7C32E5AB6}" dt="2022-06-11T05:16:58.736" v="1153" actId="164"/>
+          <ac:spMkLst>
+            <pc:docMk/>
+            <pc:sldMk cId="3602405841" sldId="289"/>
+            <ac:spMk id="6" creationId="{E709673C-02A3-3250-17B6-43631D7F63D2}"/>
+          </ac:spMkLst>
+        </pc:spChg>
+        <pc:spChg chg="mod">
+          <ac:chgData name="劉　冠廷" userId="157cb8b2-10c8-4c98-be2a-24a6fef27960" providerId="ADAL" clId="{6622E921-AE26-46C1-AE4E-15D7C32E5AB6}" dt="2022-06-11T14:15:14.585" v="1839" actId="20577"/>
+          <ac:spMkLst>
+            <pc:docMk/>
+            <pc:sldMk cId="3602405841" sldId="289"/>
+            <ac:spMk id="14" creationId="{B17168A2-D93C-84FF-2CBF-8A868BBA1CBE}"/>
+          </ac:spMkLst>
+        </pc:spChg>
+        <pc:spChg chg="mod">
+          <ac:chgData name="劉　冠廷" userId="157cb8b2-10c8-4c98-be2a-24a6fef27960" providerId="ADAL" clId="{6622E921-AE26-46C1-AE4E-15D7C32E5AB6}" dt="2022-06-11T14:15:14.585" v="1839" actId="20577"/>
+          <ac:spMkLst>
+            <pc:docMk/>
+            <pc:sldMk cId="3602405841" sldId="289"/>
+            <ac:spMk id="15" creationId="{7F8C7691-C29C-CDA0-A0D6-4A34DED8643B}"/>
+          </ac:spMkLst>
+        </pc:spChg>
+        <pc:spChg chg="add del mod">
+          <ac:chgData name="劉　冠廷" userId="157cb8b2-10c8-4c98-be2a-24a6fef27960" providerId="ADAL" clId="{6622E921-AE26-46C1-AE4E-15D7C32E5AB6}" dt="2022-06-11T14:15:14.585" v="1839" actId="20577"/>
+          <ac:spMkLst>
+            <pc:docMk/>
+            <pc:sldMk cId="3602405841" sldId="289"/>
+            <ac:spMk id="16" creationId="{0C7793C7-FEBB-934C-A652-E862F093A0D0}"/>
+          </ac:spMkLst>
+        </pc:spChg>
+        <pc:spChg chg="add del mod">
+          <ac:chgData name="劉　冠廷" userId="157cb8b2-10c8-4c98-be2a-24a6fef27960" providerId="ADAL" clId="{6622E921-AE26-46C1-AE4E-15D7C32E5AB6}" dt="2022-06-13T23:42:47.595" v="1910" actId="478"/>
+          <ac:spMkLst>
+            <pc:docMk/>
+            <pc:sldMk cId="3602405841" sldId="289"/>
+            <ac:spMk id="19" creationId="{BBD1CAC7-CC03-AAFB-2FB3-4E83CAC42FD9}"/>
+          </ac:spMkLst>
+        </pc:spChg>
+        <pc:spChg chg="mod">
+          <ac:chgData name="劉　冠廷" userId="157cb8b2-10c8-4c98-be2a-24a6fef27960" providerId="ADAL" clId="{6622E921-AE26-46C1-AE4E-15D7C32E5AB6}" dt="2022-06-14T04:46:55.873" v="3739" actId="20577"/>
+          <ac:spMkLst>
+            <pc:docMk/>
+            <pc:sldMk cId="3602405841" sldId="289"/>
+            <ac:spMk id="110" creationId="{00000000-0000-0000-0000-000000000000}"/>
+          </ac:spMkLst>
+        </pc:spChg>
+        <pc:spChg chg="add del mod topLvl">
+          <ac:chgData name="劉　冠廷" userId="157cb8b2-10c8-4c98-be2a-24a6fef27960" providerId="ADAL" clId="{6622E921-AE26-46C1-AE4E-15D7C32E5AB6}" dt="2022-06-13T23:42:48.682" v="1911" actId="478"/>
+          <ac:spMkLst>
+            <pc:docMk/>
+            <pc:sldMk cId="3602405841" sldId="289"/>
+            <ac:spMk id="111" creationId="{00000000-0000-0000-0000-000000000000}"/>
+          </ac:spMkLst>
+        </pc:spChg>
+        <pc:grpChg chg="add del mod ord">
+          <ac:chgData name="劉　冠廷" userId="157cb8b2-10c8-4c98-be2a-24a6fef27960" providerId="ADAL" clId="{6622E921-AE26-46C1-AE4E-15D7C32E5AB6}" dt="2022-06-11T05:14:49.997" v="1125" actId="165"/>
+          <ac:grpSpMkLst>
+            <pc:docMk/>
+            <pc:sldMk cId="3602405841" sldId="289"/>
+            <ac:grpSpMk id="5" creationId="{0398115F-A412-2660-921A-7C30A6933336}"/>
+          </ac:grpSpMkLst>
+        </pc:grpChg>
+        <pc:grpChg chg="add del mod topLvl">
+          <ac:chgData name="劉　冠廷" userId="157cb8b2-10c8-4c98-be2a-24a6fef27960" providerId="ADAL" clId="{6622E921-AE26-46C1-AE4E-15D7C32E5AB6}" dt="2022-06-13T23:42:49.493" v="1912" actId="478"/>
+          <ac:grpSpMkLst>
+            <pc:docMk/>
+            <pc:sldMk cId="3602405841" sldId="289"/>
+            <ac:grpSpMk id="7" creationId="{0D67423B-6491-6D91-88ED-375EE86585DF}"/>
+          </ac:grpSpMkLst>
+        </pc:grpChg>
+        <pc:grpChg chg="add del mod">
+          <ac:chgData name="劉　冠廷" userId="157cb8b2-10c8-4c98-be2a-24a6fef27960" providerId="ADAL" clId="{6622E921-AE26-46C1-AE4E-15D7C32E5AB6}" dt="2022-06-13T23:42:48.682" v="1911" actId="478"/>
+          <ac:grpSpMkLst>
+            <pc:docMk/>
+            <pc:sldMk cId="3602405841" sldId="289"/>
+            <ac:grpSpMk id="10" creationId="{5ACC5C0B-49E0-3459-9161-2591228F0573}"/>
+          </ac:grpSpMkLst>
+        </pc:grpChg>
+        <pc:grpChg chg="add del mod">
+          <ac:chgData name="劉　冠廷" userId="157cb8b2-10c8-4c98-be2a-24a6fef27960" providerId="ADAL" clId="{6622E921-AE26-46C1-AE4E-15D7C32E5AB6}" dt="2022-06-13T23:42:51.230" v="1913" actId="478"/>
+          <ac:grpSpMkLst>
+            <pc:docMk/>
+            <pc:sldMk cId="3602405841" sldId="289"/>
+            <ac:grpSpMk id="11" creationId="{AB8464BD-BD07-66FB-4284-2F662E046089}"/>
+          </ac:grpSpMkLst>
+        </pc:grpChg>
+        <pc:grpChg chg="add del mod">
+          <ac:chgData name="劉　冠廷" userId="157cb8b2-10c8-4c98-be2a-24a6fef27960" providerId="ADAL" clId="{6622E921-AE26-46C1-AE4E-15D7C32E5AB6}" dt="2022-06-11T14:15:14.585" v="1839" actId="20577"/>
+          <ac:grpSpMkLst>
+            <pc:docMk/>
+            <pc:sldMk cId="3602405841" sldId="289"/>
+            <ac:grpSpMk id="13" creationId="{1DAB8E0F-1F89-562A-1BC0-A38736CFD036}"/>
+          </ac:grpSpMkLst>
+        </pc:grpChg>
+        <pc:picChg chg="add del mod">
+          <ac:chgData name="劉　冠廷" userId="157cb8b2-10c8-4c98-be2a-24a6fef27960" providerId="ADAL" clId="{6622E921-AE26-46C1-AE4E-15D7C32E5AB6}" dt="2022-06-27T06:27:35.402" v="10872" actId="478"/>
+          <ac:picMkLst>
+            <pc:docMk/>
+            <pc:sldMk cId="3602405841" sldId="289"/>
+            <ac:picMk id="4" creationId="{10206195-5FEB-BCE3-0E11-0918CBD77CB0}"/>
+          </ac:picMkLst>
+        </pc:picChg>
+        <pc:picChg chg="add del mod">
+          <ac:chgData name="劉　冠廷" userId="157cb8b2-10c8-4c98-be2a-24a6fef27960" providerId="ADAL" clId="{6622E921-AE26-46C1-AE4E-15D7C32E5AB6}" dt="2022-06-14T01:53:01.216" v="3385" actId="478"/>
+          <ac:picMkLst>
+            <pc:docMk/>
+            <pc:sldMk cId="3602405841" sldId="289"/>
+            <ac:picMk id="5" creationId="{3BCEA18D-FD95-CA1F-7CF4-6989692480A6}"/>
+          </ac:picMkLst>
+        </pc:picChg>
+        <pc:picChg chg="add mod">
+          <ac:chgData name="劉　冠廷" userId="157cb8b2-10c8-4c98-be2a-24a6fef27960" providerId="ADAL" clId="{6622E921-AE26-46C1-AE4E-15D7C32E5AB6}" dt="2022-06-27T06:30:45.813" v="10895" actId="1076"/>
+          <ac:picMkLst>
+            <pc:docMk/>
+            <pc:sldMk cId="3602405841" sldId="289"/>
+            <ac:picMk id="5" creationId="{65BBF683-5A4C-D25A-4BBB-1FC5FD7665E9}"/>
+          </ac:picMkLst>
+        </pc:picChg>
+        <pc:picChg chg="add del mod">
+          <ac:chgData name="劉　冠廷" userId="157cb8b2-10c8-4c98-be2a-24a6fef27960" providerId="ADAL" clId="{6622E921-AE26-46C1-AE4E-15D7C32E5AB6}" dt="2022-06-27T06:28:48.727" v="10883" actId="478"/>
+          <ac:picMkLst>
+            <pc:docMk/>
+            <pc:sldMk cId="3602405841" sldId="289"/>
+            <ac:picMk id="7" creationId="{D85D1826-A46E-702E-CC89-4C132C6C0F62}"/>
+          </ac:picMkLst>
+        </pc:picChg>
+        <pc:picChg chg="add del mod">
+          <ac:chgData name="劉　冠廷" userId="157cb8b2-10c8-4c98-be2a-24a6fef27960" providerId="ADAL" clId="{6622E921-AE26-46C1-AE4E-15D7C32E5AB6}" dt="2022-06-13T23:42:52.169" v="1914" actId="478"/>
+          <ac:picMkLst>
+            <pc:docMk/>
+            <pc:sldMk cId="3602405841" sldId="289"/>
+            <ac:picMk id="9" creationId="{4859A1A4-3B1A-8BE6-22DE-C4023F1FF771}"/>
+          </ac:picMkLst>
+        </pc:picChg>
+        <pc:picChg chg="add mod">
+          <ac:chgData name="劉　冠廷" userId="157cb8b2-10c8-4c98-be2a-24a6fef27960" providerId="ADAL" clId="{6622E921-AE26-46C1-AE4E-15D7C32E5AB6}" dt="2022-06-27T06:34:29.276" v="10899" actId="1076"/>
+          <ac:picMkLst>
+            <pc:docMk/>
+            <pc:sldMk cId="3602405841" sldId="289"/>
+            <ac:picMk id="9" creationId="{6A507045-551A-FD89-ADC7-73067464F41C}"/>
+          </ac:picMkLst>
+        </pc:picChg>
+        <pc:picChg chg="add mod">
+          <ac:chgData name="劉　冠廷" userId="157cb8b2-10c8-4c98-be2a-24a6fef27960" providerId="ADAL" clId="{6622E921-AE26-46C1-AE4E-15D7C32E5AB6}" dt="2022-06-27T06:34:32.889" v="10902" actId="1076"/>
+          <ac:picMkLst>
+            <pc:docMk/>
+            <pc:sldMk cId="3602405841" sldId="289"/>
+            <ac:picMk id="10" creationId="{9183E3D0-BD1D-7715-6187-314236600D30}"/>
+          </ac:picMkLst>
+        </pc:picChg>
+        <pc:picChg chg="add del mod">
+          <ac:chgData name="劉　冠廷" userId="157cb8b2-10c8-4c98-be2a-24a6fef27960" providerId="ADAL" clId="{6622E921-AE26-46C1-AE4E-15D7C32E5AB6}" dt="2022-06-14T01:53:22.745" v="3396" actId="478"/>
+          <ac:picMkLst>
+            <pc:docMk/>
+            <pc:sldMk cId="3602405841" sldId="289"/>
+            <ac:picMk id="12" creationId="{10147C98-E190-95A7-6B34-7B3811A170F6}"/>
+          </ac:picMkLst>
+        </pc:picChg>
+        <pc:picChg chg="add del mod">
+          <ac:chgData name="劉　冠廷" userId="157cb8b2-10c8-4c98-be2a-24a6fef27960" providerId="ADAL" clId="{6622E921-AE26-46C1-AE4E-15D7C32E5AB6}" dt="2022-06-14T01:48:48.362" v="3378" actId="478"/>
+          <ac:picMkLst>
+            <pc:docMk/>
+            <pc:sldMk cId="3602405841" sldId="289"/>
+            <ac:picMk id="18" creationId="{396C3FFE-91DE-7AE7-1C06-3C9D96004CDF}"/>
+          </ac:picMkLst>
+        </pc:picChg>
+        <pc:picChg chg="add del mod">
+          <ac:chgData name="劉　冠廷" userId="157cb8b2-10c8-4c98-be2a-24a6fef27960" providerId="ADAL" clId="{6622E921-AE26-46C1-AE4E-15D7C32E5AB6}" dt="2022-06-14T04:46:52.837" v="3734" actId="478"/>
+          <ac:picMkLst>
+            <pc:docMk/>
+            <pc:sldMk cId="3602405841" sldId="289"/>
+            <ac:picMk id="21" creationId="{B67F731E-858E-7965-61D8-D1AEE779F526}"/>
+          </ac:picMkLst>
+        </pc:picChg>
+        <pc:picChg chg="add del mod">
+          <ac:chgData name="劉　冠廷" userId="157cb8b2-10c8-4c98-be2a-24a6fef27960" providerId="ADAL" clId="{6622E921-AE26-46C1-AE4E-15D7C32E5AB6}" dt="2022-06-14T01:53:11.791" v="3391" actId="478"/>
+          <ac:picMkLst>
+            <pc:docMk/>
+            <pc:sldMk cId="3602405841" sldId="289"/>
+            <ac:picMk id="23" creationId="{EF8C0440-CE95-49CA-A9CA-1A309F252DDE}"/>
+          </ac:picMkLst>
+        </pc:picChg>
+        <pc:picChg chg="add del mod modCrop">
+          <ac:chgData name="劉　冠廷" userId="157cb8b2-10c8-4c98-be2a-24a6fef27960" providerId="ADAL" clId="{6622E921-AE26-46C1-AE4E-15D7C32E5AB6}" dt="2022-06-14T04:46:53.130" v="3735" actId="478"/>
+          <ac:picMkLst>
+            <pc:docMk/>
+            <pc:sldMk cId="3602405841" sldId="289"/>
+            <ac:picMk id="25" creationId="{AAF33C87-BFA3-3A8D-7382-3BE5910E9146}"/>
+          </ac:picMkLst>
+        </pc:picChg>
+        <pc:picChg chg="add del mod">
+          <ac:chgData name="劉　冠廷" userId="157cb8b2-10c8-4c98-be2a-24a6fef27960" providerId="ADAL" clId="{6622E921-AE26-46C1-AE4E-15D7C32E5AB6}" dt="2022-06-14T04:46:52.521" v="3733" actId="478"/>
+          <ac:picMkLst>
+            <pc:docMk/>
+            <pc:sldMk cId="3602405841" sldId="289"/>
+            <ac:picMk id="27" creationId="{F96DCC60-CD71-FDF8-B1E4-2AB3317EF698}"/>
+          </ac:picMkLst>
+        </pc:picChg>
+      </pc:sldChg>
+      <pc:sldChg chg="addSp delSp modSp add mod delAnim modAnim">
+        <pc:chgData name="劉　冠廷" userId="157cb8b2-10c8-4c98-be2a-24a6fef27960" providerId="ADAL" clId="{6622E921-AE26-46C1-AE4E-15D7C32E5AB6}" dt="2022-06-27T02:21:22.656" v="10871"/>
+        <pc:sldMkLst>
+          <pc:docMk/>
+          <pc:sldMk cId="1428105522" sldId="290"/>
+        </pc:sldMkLst>
+        <pc:spChg chg="add mod">
+          <ac:chgData name="劉　冠廷" userId="157cb8b2-10c8-4c98-be2a-24a6fef27960" providerId="ADAL" clId="{6622E921-AE26-46C1-AE4E-15D7C32E5AB6}" dt="2022-06-27T02:21:22.656" v="10871"/>
+          <ac:spMkLst>
+            <pc:docMk/>
+            <pc:sldMk cId="1428105522" sldId="290"/>
+            <ac:spMk id="8" creationId="{DBDE80DD-3E64-7C76-4815-2B40F2EB8C70}"/>
+          </ac:spMkLst>
+        </pc:spChg>
+        <pc:spChg chg="del mod">
+          <ac:chgData name="劉　冠廷" userId="157cb8b2-10c8-4c98-be2a-24a6fef27960" providerId="ADAL" clId="{6622E921-AE26-46C1-AE4E-15D7C32E5AB6}" dt="2022-06-11T04:58:09.580" v="987" actId="478"/>
+          <ac:spMkLst>
+            <pc:docMk/>
+            <pc:sldMk cId="1428105522" sldId="290"/>
+            <ac:spMk id="9" creationId="{948218A8-4E27-5C54-CC6E-FF9EC2E80F05}"/>
+          </ac:spMkLst>
+        </pc:spChg>
+        <pc:spChg chg="mod">
+          <ac:chgData name="劉　冠廷" userId="157cb8b2-10c8-4c98-be2a-24a6fef27960" providerId="ADAL" clId="{6622E921-AE26-46C1-AE4E-15D7C32E5AB6}" dt="2022-06-11T04:57:30.658" v="971" actId="1076"/>
+          <ac:spMkLst>
+            <pc:docMk/>
+            <pc:sldMk cId="1428105522" sldId="290"/>
+            <ac:spMk id="110" creationId="{00000000-0000-0000-0000-000000000000}"/>
+          </ac:spMkLst>
+        </pc:spChg>
+        <pc:spChg chg="del">
+          <ac:chgData name="劉　冠廷" userId="157cb8b2-10c8-4c98-be2a-24a6fef27960" providerId="ADAL" clId="{6622E921-AE26-46C1-AE4E-15D7C32E5AB6}" dt="2022-06-11T04:56:16.196" v="932" actId="478"/>
+          <ac:spMkLst>
+            <pc:docMk/>
+            <pc:sldMk cId="1428105522" sldId="290"/>
+            <ac:spMk id="111" creationId="{00000000-0000-0000-0000-000000000000}"/>
+          </ac:spMkLst>
+        </pc:spChg>
+        <pc:picChg chg="del">
+          <ac:chgData name="劉　冠廷" userId="157cb8b2-10c8-4c98-be2a-24a6fef27960" providerId="ADAL" clId="{6622E921-AE26-46C1-AE4E-15D7C32E5AB6}" dt="2022-06-11T04:56:16.547" v="933" actId="478"/>
+          <ac:picMkLst>
+            <pc:docMk/>
+            <pc:sldMk cId="1428105522" sldId="290"/>
+            <ac:picMk id="5" creationId="{2F0F60C2-AF6C-FD47-CEA2-8F5724577698}"/>
+          </ac:picMkLst>
+        </pc:picChg>
+      </pc:sldChg>
+      <pc:sldChg chg="addSp delSp modSp add mod ord delAnim modAnim">
+        <pc:chgData name="劉　冠廷" userId="157cb8b2-10c8-4c98-be2a-24a6fef27960" providerId="ADAL" clId="{6622E921-AE26-46C1-AE4E-15D7C32E5AB6}" dt="2022-06-27T08:04:14.205" v="10984" actId="20577"/>
+        <pc:sldMkLst>
+          <pc:docMk/>
+          <pc:sldMk cId="2807844247" sldId="291"/>
         </pc:sldMkLst>
         <pc:spChg chg="mod">
-          <ac:chgData name="劉　冠廷" userId="157cb8b2-10c8-4c98-be2a-24a6fef27960" providerId="ADAL" clId="{BB371BA9-58B2-4CA2-B3E7-84C0A53D4005}" dt="2021-12-18T03:57:15.381" v="9" actId="20577"/>
+          <ac:chgData name="劉　冠廷" userId="157cb8b2-10c8-4c98-be2a-24a6fef27960" providerId="ADAL" clId="{6622E921-AE26-46C1-AE4E-15D7C32E5AB6}" dt="2022-06-14T00:21:10.065" v="2746" actId="20577"/>
           <ac:spMkLst>
             <pc:docMk/>
-            <pc:sldMk cId="0" sldId="271"/>
-            <ac:spMk id="224" creationId="{00000000-0000-0000-0000-000000000000}"/>
+            <pc:sldMk cId="2807844247" sldId="291"/>
+            <ac:spMk id="7" creationId="{1FC52DE2-6D5A-8515-4130-22A8F45ADB4F}"/>
           </ac:spMkLst>
         </pc:spChg>
+        <pc:spChg chg="del mod">
+          <ac:chgData name="劉　冠廷" userId="157cb8b2-10c8-4c98-be2a-24a6fef27960" providerId="ADAL" clId="{6622E921-AE26-46C1-AE4E-15D7C32E5AB6}" dt="2022-06-13T23:39:29.627" v="1862" actId="478"/>
+          <ac:spMkLst>
+            <pc:docMk/>
+            <pc:sldMk cId="2807844247" sldId="291"/>
+            <ac:spMk id="8" creationId="{DBDE80DD-3E64-7C76-4815-2B40F2EB8C70}"/>
+          </ac:spMkLst>
+        </pc:spChg>
+        <pc:spChg chg="mod">
+          <ac:chgData name="劉　冠廷" userId="157cb8b2-10c8-4c98-be2a-24a6fef27960" providerId="ADAL" clId="{6622E921-AE26-46C1-AE4E-15D7C32E5AB6}" dt="2022-06-14T00:21:10.065" v="2746" actId="20577"/>
+          <ac:spMkLst>
+            <pc:docMk/>
+            <pc:sldMk cId="2807844247" sldId="291"/>
+            <ac:spMk id="9" creationId="{3586E337-9D47-66CD-0A8D-35D8A7F9C36D}"/>
+          </ac:spMkLst>
+        </pc:spChg>
+        <pc:spChg chg="add mod">
+          <ac:chgData name="劉　冠廷" userId="157cb8b2-10c8-4c98-be2a-24a6fef27960" providerId="ADAL" clId="{6622E921-AE26-46C1-AE4E-15D7C32E5AB6}" dt="2022-06-27T08:00:27.014" v="10956" actId="20577"/>
+          <ac:spMkLst>
+            <pc:docMk/>
+            <pc:sldMk cId="2807844247" sldId="291"/>
+            <ac:spMk id="10" creationId="{B762CAB6-DA24-5CE1-A3CF-7F524CB7F5BF}"/>
+          </ac:spMkLst>
+        </pc:spChg>
+        <pc:spChg chg="mod">
+          <ac:chgData name="劉　冠廷" userId="157cb8b2-10c8-4c98-be2a-24a6fef27960" providerId="ADAL" clId="{6622E921-AE26-46C1-AE4E-15D7C32E5AB6}" dt="2022-06-27T08:04:14.205" v="10984" actId="20577"/>
+          <ac:spMkLst>
+            <pc:docMk/>
+            <pc:sldMk cId="2807844247" sldId="291"/>
+            <ac:spMk id="13" creationId="{0C8143CF-D936-266F-A11A-73C537E1A255}"/>
+          </ac:spMkLst>
+        </pc:spChg>
+        <pc:spChg chg="mod">
+          <ac:chgData name="劉　冠廷" userId="157cb8b2-10c8-4c98-be2a-24a6fef27960" providerId="ADAL" clId="{6622E921-AE26-46C1-AE4E-15D7C32E5AB6}" dt="2022-06-13T23:40:13.092" v="1878"/>
+          <ac:spMkLst>
+            <pc:docMk/>
+            <pc:sldMk cId="2807844247" sldId="291"/>
+            <ac:spMk id="14" creationId="{258B8961-9E8B-086F-31C1-12AB3DE2EC80}"/>
+          </ac:spMkLst>
+        </pc:spChg>
+        <pc:spChg chg="mod">
+          <ac:chgData name="劉　冠廷" userId="157cb8b2-10c8-4c98-be2a-24a6fef27960" providerId="ADAL" clId="{6622E921-AE26-46C1-AE4E-15D7C32E5AB6}" dt="2022-06-13T23:40:13.092" v="1878"/>
+          <ac:spMkLst>
+            <pc:docMk/>
+            <pc:sldMk cId="2807844247" sldId="291"/>
+            <ac:spMk id="15" creationId="{C4C29DE2-D19A-4FE5-D30C-519B6116E592}"/>
+          </ac:spMkLst>
+        </pc:spChg>
+        <pc:spChg chg="mod">
+          <ac:chgData name="劉　冠廷" userId="157cb8b2-10c8-4c98-be2a-24a6fef27960" providerId="ADAL" clId="{6622E921-AE26-46C1-AE4E-15D7C32E5AB6}" dt="2022-06-14T04:38:34.560" v="3705" actId="20577"/>
+          <ac:spMkLst>
+            <pc:docMk/>
+            <pc:sldMk cId="2807844247" sldId="291"/>
+            <ac:spMk id="110" creationId="{00000000-0000-0000-0000-000000000000}"/>
+          </ac:spMkLst>
+        </pc:spChg>
+        <pc:grpChg chg="add mod">
+          <ac:chgData name="劉　冠廷" userId="157cb8b2-10c8-4c98-be2a-24a6fef27960" providerId="ADAL" clId="{6622E921-AE26-46C1-AE4E-15D7C32E5AB6}" dt="2022-06-14T00:21:24.695" v="2749" actId="14100"/>
+          <ac:grpSpMkLst>
+            <pc:docMk/>
+            <pc:sldMk cId="2807844247" sldId="291"/>
+            <ac:grpSpMk id="3" creationId="{09E42043-D148-4FDE-4F97-3790E6B7C525}"/>
+          </ac:grpSpMkLst>
+        </pc:grpChg>
+        <pc:grpChg chg="add mod">
+          <ac:chgData name="劉　冠廷" userId="157cb8b2-10c8-4c98-be2a-24a6fef27960" providerId="ADAL" clId="{6622E921-AE26-46C1-AE4E-15D7C32E5AB6}" dt="2022-06-14T00:21:10.065" v="2746" actId="20577"/>
+          <ac:grpSpMkLst>
+            <pc:docMk/>
+            <pc:sldMk cId="2807844247" sldId="291"/>
+            <ac:grpSpMk id="6" creationId="{5502CCF7-D7AD-7112-4725-02E3AE9D5294}"/>
+          </ac:grpSpMkLst>
+        </pc:grpChg>
+        <pc:grpChg chg="add mod">
+          <ac:chgData name="劉　冠廷" userId="157cb8b2-10c8-4c98-be2a-24a6fef27960" providerId="ADAL" clId="{6622E921-AE26-46C1-AE4E-15D7C32E5AB6}" dt="2022-06-14T00:20:02.327" v="2708" actId="1076"/>
+          <ac:grpSpMkLst>
+            <pc:docMk/>
+            <pc:sldMk cId="2807844247" sldId="291"/>
+            <ac:grpSpMk id="11" creationId="{1B6D2D1D-AB16-1E2A-F1C3-7D78B505235C}"/>
+          </ac:grpSpMkLst>
+        </pc:grpChg>
+        <pc:grpChg chg="mod">
+          <ac:chgData name="劉　冠廷" userId="157cb8b2-10c8-4c98-be2a-24a6fef27960" providerId="ADAL" clId="{6622E921-AE26-46C1-AE4E-15D7C32E5AB6}" dt="2022-06-13T23:40:13.092" v="1878"/>
+          <ac:grpSpMkLst>
+            <pc:docMk/>
+            <pc:sldMk cId="2807844247" sldId="291"/>
+            <ac:grpSpMk id="12" creationId="{957BC713-F442-A5FF-23C6-0F9B49F72A4C}"/>
+          </ac:grpSpMkLst>
+        </pc:grpChg>
+        <pc:picChg chg="add del mod">
+          <ac:chgData name="劉　冠廷" userId="157cb8b2-10c8-4c98-be2a-24a6fef27960" providerId="ADAL" clId="{6622E921-AE26-46C1-AE4E-15D7C32E5AB6}" dt="2022-06-27T07:32:39.719" v="10940" actId="478"/>
+          <ac:picMkLst>
+            <pc:docMk/>
+            <pc:sldMk cId="2807844247" sldId="291"/>
+            <ac:picMk id="5" creationId="{49415641-97F6-47A6-2D3F-732C5A1F27A8}"/>
+          </ac:picMkLst>
+        </pc:picChg>
+        <pc:picChg chg="add del mod">
+          <ac:chgData name="劉　冠廷" userId="157cb8b2-10c8-4c98-be2a-24a6fef27960" providerId="ADAL" clId="{6622E921-AE26-46C1-AE4E-15D7C32E5AB6}" dt="2022-06-27T07:32:52.864" v="10945" actId="478"/>
+          <ac:picMkLst>
+            <pc:docMk/>
+            <pc:sldMk cId="2807844247" sldId="291"/>
+            <ac:picMk id="16" creationId="{A83A5F48-DF80-475F-387D-CC0466C64369}"/>
+          </ac:picMkLst>
+        </pc:picChg>
+        <pc:picChg chg="add mod modCrop">
+          <ac:chgData name="劉　冠廷" userId="157cb8b2-10c8-4c98-be2a-24a6fef27960" providerId="ADAL" clId="{6622E921-AE26-46C1-AE4E-15D7C32E5AB6}" dt="2022-06-27T07:34:33.569" v="10954" actId="732"/>
+          <ac:picMkLst>
+            <pc:docMk/>
+            <pc:sldMk cId="2807844247" sldId="291"/>
+            <ac:picMk id="18" creationId="{66A2F725-651F-E724-CAEA-A9EEA0FBA67F}"/>
+          </ac:picMkLst>
+        </pc:picChg>
+      </pc:sldChg>
+      <pc:sldChg chg="addSp delSp modSp add mod">
+        <pc:chgData name="劉　冠廷" userId="157cb8b2-10c8-4c98-be2a-24a6fef27960" providerId="ADAL" clId="{6622E921-AE26-46C1-AE4E-15D7C32E5AB6}" dt="2022-06-27T08:31:21.096" v="11012" actId="20577"/>
+        <pc:sldMkLst>
+          <pc:docMk/>
+          <pc:sldMk cId="3168577595" sldId="292"/>
+        </pc:sldMkLst>
+        <pc:spChg chg="mod">
+          <ac:chgData name="劉　冠廷" userId="157cb8b2-10c8-4c98-be2a-24a6fef27960" providerId="ADAL" clId="{6622E921-AE26-46C1-AE4E-15D7C32E5AB6}" dt="2022-06-25T02:51:19.346" v="10181" actId="14100"/>
+          <ac:spMkLst>
+            <pc:docMk/>
+            <pc:sldMk cId="3168577595" sldId="292"/>
+            <ac:spMk id="14" creationId="{B17168A2-D93C-84FF-2CBF-8A868BBA1CBE}"/>
+          </ac:spMkLst>
+        </pc:spChg>
+        <pc:spChg chg="mod">
+          <ac:chgData name="劉　冠廷" userId="157cb8b2-10c8-4c98-be2a-24a6fef27960" providerId="ADAL" clId="{6622E921-AE26-46C1-AE4E-15D7C32E5AB6}" dt="2022-06-25T05:37:51.255" v="10341" actId="20577"/>
+          <ac:spMkLst>
+            <pc:docMk/>
+            <pc:sldMk cId="3168577595" sldId="292"/>
+            <ac:spMk id="16" creationId="{0C7793C7-FEBB-934C-A652-E862F093A0D0}"/>
+          </ac:spMkLst>
+        </pc:spChg>
+        <pc:spChg chg="mod">
+          <ac:chgData name="劉　冠廷" userId="157cb8b2-10c8-4c98-be2a-24a6fef27960" providerId="ADAL" clId="{6622E921-AE26-46C1-AE4E-15D7C32E5AB6}" dt="2022-06-25T00:34:41.034" v="9787" actId="1076"/>
+          <ac:spMkLst>
+            <pc:docMk/>
+            <pc:sldMk cId="3168577595" sldId="292"/>
+            <ac:spMk id="19" creationId="{BBD1CAC7-CC03-AAFB-2FB3-4E83CAC42FD9}"/>
+          </ac:spMkLst>
+        </pc:spChg>
+        <pc:spChg chg="mod">
+          <ac:chgData name="劉　冠廷" userId="157cb8b2-10c8-4c98-be2a-24a6fef27960" providerId="ADAL" clId="{6622E921-AE26-46C1-AE4E-15D7C32E5AB6}" dt="2022-06-25T00:31:01.767" v="9667"/>
+          <ac:spMkLst>
+            <pc:docMk/>
+            <pc:sldMk cId="3168577595" sldId="292"/>
+            <ac:spMk id="32" creationId="{F3632C9D-85B9-49B8-CEA0-3C8E3C19073E}"/>
+          </ac:spMkLst>
+        </pc:spChg>
+        <pc:spChg chg="mod">
+          <ac:chgData name="劉　冠廷" userId="157cb8b2-10c8-4c98-be2a-24a6fef27960" providerId="ADAL" clId="{6622E921-AE26-46C1-AE4E-15D7C32E5AB6}" dt="2022-06-25T00:31:01.767" v="9667"/>
+          <ac:spMkLst>
+            <pc:docMk/>
+            <pc:sldMk cId="3168577595" sldId="292"/>
+            <ac:spMk id="33" creationId="{5CD17962-CB80-7D93-2F5A-063BF9675518}"/>
+          </ac:spMkLst>
+        </pc:spChg>
+        <pc:spChg chg="mod">
+          <ac:chgData name="劉　冠廷" userId="157cb8b2-10c8-4c98-be2a-24a6fef27960" providerId="ADAL" clId="{6622E921-AE26-46C1-AE4E-15D7C32E5AB6}" dt="2022-06-25T00:31:01.767" v="9667"/>
+          <ac:spMkLst>
+            <pc:docMk/>
+            <pc:sldMk cId="3168577595" sldId="292"/>
+            <ac:spMk id="34" creationId="{34276DA8-FD59-3FDB-0810-16D8DDF97974}"/>
+          </ac:spMkLst>
+        </pc:spChg>
+        <pc:spChg chg="mod">
+          <ac:chgData name="劉　冠廷" userId="157cb8b2-10c8-4c98-be2a-24a6fef27960" providerId="ADAL" clId="{6622E921-AE26-46C1-AE4E-15D7C32E5AB6}" dt="2022-06-27T08:31:21.096" v="11012" actId="20577"/>
+          <ac:spMkLst>
+            <pc:docMk/>
+            <pc:sldMk cId="3168577595" sldId="292"/>
+            <ac:spMk id="37" creationId="{BD82AA24-A53E-0DEB-3A8D-ADCE52E3A300}"/>
+          </ac:spMkLst>
+        </pc:spChg>
+        <pc:spChg chg="mod">
+          <ac:chgData name="劉　冠廷" userId="157cb8b2-10c8-4c98-be2a-24a6fef27960" providerId="ADAL" clId="{6622E921-AE26-46C1-AE4E-15D7C32E5AB6}" dt="2022-06-25T00:31:14.366" v="9670"/>
+          <ac:spMkLst>
+            <pc:docMk/>
+            <pc:sldMk cId="3168577595" sldId="292"/>
+            <ac:spMk id="40" creationId="{A8F2207E-184B-BA8E-6E3F-0935DF74F74C}"/>
+          </ac:spMkLst>
+        </pc:spChg>
+        <pc:spChg chg="mod">
+          <ac:chgData name="劉　冠廷" userId="157cb8b2-10c8-4c98-be2a-24a6fef27960" providerId="ADAL" clId="{6622E921-AE26-46C1-AE4E-15D7C32E5AB6}" dt="2022-06-25T00:32:44.937" v="9750" actId="14100"/>
+          <ac:spMkLst>
+            <pc:docMk/>
+            <pc:sldMk cId="3168577595" sldId="292"/>
+            <ac:spMk id="41" creationId="{033FEFDD-0A01-5A97-DF70-6CE005AFC6DE}"/>
+          </ac:spMkLst>
+        </pc:spChg>
+        <pc:spChg chg="mod">
+          <ac:chgData name="劉　冠廷" userId="157cb8b2-10c8-4c98-be2a-24a6fef27960" providerId="ADAL" clId="{6622E921-AE26-46C1-AE4E-15D7C32E5AB6}" dt="2022-06-25T00:31:14.366" v="9670"/>
+          <ac:spMkLst>
+            <pc:docMk/>
+            <pc:sldMk cId="3168577595" sldId="292"/>
+            <ac:spMk id="42" creationId="{29C9174A-5FDB-B39B-ABA1-2257DCA225DD}"/>
+          </ac:spMkLst>
+        </pc:spChg>
+        <pc:spChg chg="mod">
+          <ac:chgData name="劉　冠廷" userId="157cb8b2-10c8-4c98-be2a-24a6fef27960" providerId="ADAL" clId="{6622E921-AE26-46C1-AE4E-15D7C32E5AB6}" dt="2022-06-24T14:08:03.458" v="9654" actId="20577"/>
+          <ac:spMkLst>
+            <pc:docMk/>
+            <pc:sldMk cId="3168577595" sldId="292"/>
+            <ac:spMk id="110" creationId="{00000000-0000-0000-0000-000000000000}"/>
+          </ac:spMkLst>
+        </pc:spChg>
+        <pc:spChg chg="mod">
+          <ac:chgData name="劉　冠廷" userId="157cb8b2-10c8-4c98-be2a-24a6fef27960" providerId="ADAL" clId="{6622E921-AE26-46C1-AE4E-15D7C32E5AB6}" dt="2022-06-21T04:31:21.260" v="8582"/>
+          <ac:spMkLst>
+            <pc:docMk/>
+            <pc:sldMk cId="3168577595" sldId="292"/>
+            <ac:spMk id="111" creationId="{00000000-0000-0000-0000-000000000000}"/>
+          </ac:spMkLst>
+        </pc:spChg>
+        <pc:grpChg chg="add del mod">
+          <ac:chgData name="劉　冠廷" userId="157cb8b2-10c8-4c98-be2a-24a6fef27960" providerId="ADAL" clId="{6622E921-AE26-46C1-AE4E-15D7C32E5AB6}" dt="2022-06-25T00:32:31.531" v="9747" actId="478"/>
+          <ac:grpSpMkLst>
+            <pc:docMk/>
+            <pc:sldMk cId="3168577595" sldId="292"/>
+            <ac:grpSpMk id="10" creationId="{5ACC5C0B-49E0-3459-9161-2591228F0573}"/>
+          </ac:grpSpMkLst>
+        </pc:grpChg>
+        <pc:grpChg chg="mod ord">
+          <ac:chgData name="劉　冠廷" userId="157cb8b2-10c8-4c98-be2a-24a6fef27960" providerId="ADAL" clId="{6622E921-AE26-46C1-AE4E-15D7C32E5AB6}" dt="2022-06-25T00:38:40.940" v="9919" actId="1076"/>
+          <ac:grpSpMkLst>
+            <pc:docMk/>
+            <pc:sldMk cId="3168577595" sldId="292"/>
+            <ac:grpSpMk id="11" creationId="{AB8464BD-BD07-66FB-4284-2F662E046089}"/>
+          </ac:grpSpMkLst>
+        </pc:grpChg>
+        <pc:grpChg chg="del mod">
+          <ac:chgData name="劉　冠廷" userId="157cb8b2-10c8-4c98-be2a-24a6fef27960" providerId="ADAL" clId="{6622E921-AE26-46C1-AE4E-15D7C32E5AB6}" dt="2022-06-24T14:08:23.536" v="9657" actId="478"/>
+          <ac:grpSpMkLst>
+            <pc:docMk/>
+            <pc:sldMk cId="3168577595" sldId="292"/>
+            <ac:grpSpMk id="21" creationId="{1C779E7C-9A14-D598-A0C9-C26AC492860E}"/>
+          </ac:grpSpMkLst>
+        </pc:grpChg>
+        <pc:grpChg chg="del mod">
+          <ac:chgData name="劉　冠廷" userId="157cb8b2-10c8-4c98-be2a-24a6fef27960" providerId="ADAL" clId="{6622E921-AE26-46C1-AE4E-15D7C32E5AB6}" dt="2022-06-24T14:08:24.047" v="9658" actId="478"/>
+          <ac:grpSpMkLst>
+            <pc:docMk/>
+            <pc:sldMk cId="3168577595" sldId="292"/>
+            <ac:grpSpMk id="22" creationId="{6A91FF7A-9FDE-C84F-6EBC-DA0755504890}"/>
+          </ac:grpSpMkLst>
+        </pc:grpChg>
+        <pc:grpChg chg="del mod">
+          <ac:chgData name="劉　冠廷" userId="157cb8b2-10c8-4c98-be2a-24a6fef27960" providerId="ADAL" clId="{6622E921-AE26-46C1-AE4E-15D7C32E5AB6}" dt="2022-06-24T14:08:23.202" v="9656" actId="478"/>
+          <ac:grpSpMkLst>
+            <pc:docMk/>
+            <pc:sldMk cId="3168577595" sldId="292"/>
+            <ac:grpSpMk id="25" creationId="{E88A806F-4DFD-2909-2DAB-65F986E1C7CB}"/>
+          </ac:grpSpMkLst>
+        </pc:grpChg>
+        <pc:grpChg chg="add del mod">
+          <ac:chgData name="劉　冠廷" userId="157cb8b2-10c8-4c98-be2a-24a6fef27960" providerId="ADAL" clId="{6622E921-AE26-46C1-AE4E-15D7C32E5AB6}" dt="2022-06-25T00:31:04.534" v="9668"/>
+          <ac:grpSpMkLst>
+            <pc:docMk/>
+            <pc:sldMk cId="3168577595" sldId="292"/>
+            <ac:grpSpMk id="30" creationId="{61961840-E3FF-67C1-48FB-E96B1F28E670}"/>
+          </ac:grpSpMkLst>
+        </pc:grpChg>
+        <pc:grpChg chg="mod">
+          <ac:chgData name="劉　冠廷" userId="157cb8b2-10c8-4c98-be2a-24a6fef27960" providerId="ADAL" clId="{6622E921-AE26-46C1-AE4E-15D7C32E5AB6}" dt="2022-06-25T00:31:01.767" v="9667"/>
+          <ac:grpSpMkLst>
+            <pc:docMk/>
+            <pc:sldMk cId="3168577595" sldId="292"/>
+            <ac:grpSpMk id="31" creationId="{61C8F293-0CBF-D6A7-87DC-627B135410E5}"/>
+          </ac:grpSpMkLst>
+        </pc:grpChg>
+        <pc:grpChg chg="add mod">
+          <ac:chgData name="劉　冠廷" userId="157cb8b2-10c8-4c98-be2a-24a6fef27960" providerId="ADAL" clId="{6622E921-AE26-46C1-AE4E-15D7C32E5AB6}" dt="2022-06-25T00:34:45.021" v="9788" actId="1076"/>
+          <ac:grpSpMkLst>
+            <pc:docMk/>
+            <pc:sldMk cId="3168577595" sldId="292"/>
+            <ac:grpSpMk id="35" creationId="{16697721-200F-8129-5D46-ADFA337238E2}"/>
+          </ac:grpSpMkLst>
+        </pc:grpChg>
+        <pc:grpChg chg="mod">
+          <ac:chgData name="劉　冠廷" userId="157cb8b2-10c8-4c98-be2a-24a6fef27960" providerId="ADAL" clId="{6622E921-AE26-46C1-AE4E-15D7C32E5AB6}" dt="2022-06-25T00:31:14.366" v="9670"/>
+          <ac:grpSpMkLst>
+            <pc:docMk/>
+            <pc:sldMk cId="3168577595" sldId="292"/>
+            <ac:grpSpMk id="36" creationId="{84897054-C944-81F6-4DB3-93E109556BCF}"/>
+          </ac:grpSpMkLst>
+        </pc:grpChg>
+        <pc:grpChg chg="mod">
+          <ac:chgData name="劉　冠廷" userId="157cb8b2-10c8-4c98-be2a-24a6fef27960" providerId="ADAL" clId="{6622E921-AE26-46C1-AE4E-15D7C32E5AB6}" dt="2022-06-25T00:31:14.366" v="9670"/>
+          <ac:grpSpMkLst>
+            <pc:docMk/>
+            <pc:sldMk cId="3168577595" sldId="292"/>
+            <ac:grpSpMk id="39" creationId="{DB92A524-F55F-B6B9-46F0-B9C4F4505457}"/>
+          </ac:grpSpMkLst>
+        </pc:grpChg>
+        <pc:picChg chg="del">
+          <ac:chgData name="劉　冠廷" userId="157cb8b2-10c8-4c98-be2a-24a6fef27960" providerId="ADAL" clId="{6622E921-AE26-46C1-AE4E-15D7C32E5AB6}" dt="2022-06-25T00:30:37.999" v="9662" actId="478"/>
+          <ac:picMkLst>
+            <pc:docMk/>
+            <pc:sldMk cId="3168577595" sldId="292"/>
+            <ac:picMk id="9" creationId="{4859A1A4-3B1A-8BE6-22DE-C4023F1FF771}"/>
+          </ac:picMkLst>
+        </pc:picChg>
+        <pc:picChg chg="add del mod">
+          <ac:chgData name="劉　冠廷" userId="157cb8b2-10c8-4c98-be2a-24a6fef27960" providerId="ADAL" clId="{6622E921-AE26-46C1-AE4E-15D7C32E5AB6}" dt="2022-06-24T14:08:19.962" v="9655" actId="478"/>
+          <ac:picMkLst>
+            <pc:docMk/>
+            <pc:sldMk cId="3168577595" sldId="292"/>
+            <ac:picMk id="17" creationId="{4796A1FE-BEA2-C381-8735-33D87DA71847}"/>
+          </ac:picMkLst>
+        </pc:picChg>
+        <pc:picChg chg="mod">
+          <ac:chgData name="劉　冠廷" userId="157cb8b2-10c8-4c98-be2a-24a6fef27960" providerId="ADAL" clId="{6622E921-AE26-46C1-AE4E-15D7C32E5AB6}" dt="2022-06-25T00:31:14.366" v="9670"/>
+          <ac:picMkLst>
+            <pc:docMk/>
+            <pc:sldMk cId="3168577595" sldId="292"/>
+            <ac:picMk id="38" creationId="{88A66807-8334-3685-CB65-A48D042329F0}"/>
+          </ac:picMkLst>
+        </pc:picChg>
+        <pc:inkChg chg="add mod">
+          <ac:chgData name="劉　冠廷" userId="157cb8b2-10c8-4c98-be2a-24a6fef27960" providerId="ADAL" clId="{6622E921-AE26-46C1-AE4E-15D7C32E5AB6}" dt="2022-06-21T04:28:05.004" v="8486"/>
+          <ac:inkMkLst>
+            <pc:docMk/>
+            <pc:sldMk cId="3168577595" sldId="292"/>
+            <ac:inkMk id="3" creationId="{0FDD96B3-225E-2381-A03C-CA1AF4D218CD}"/>
+          </ac:inkMkLst>
+        </pc:inkChg>
+        <pc:inkChg chg="add mod">
+          <ac:chgData name="劉　冠廷" userId="157cb8b2-10c8-4c98-be2a-24a6fef27960" providerId="ADAL" clId="{6622E921-AE26-46C1-AE4E-15D7C32E5AB6}" dt="2022-06-21T04:28:05.004" v="8486"/>
+          <ac:inkMkLst>
+            <pc:docMk/>
+            <pc:sldMk cId="3168577595" sldId="292"/>
+            <ac:inkMk id="5" creationId="{DC189E87-35B9-2789-0823-74726FD6E71A}"/>
+          </ac:inkMkLst>
+        </pc:inkChg>
+        <pc:inkChg chg="add mod">
+          <ac:chgData name="劉　冠廷" userId="157cb8b2-10c8-4c98-be2a-24a6fef27960" providerId="ADAL" clId="{6622E921-AE26-46C1-AE4E-15D7C32E5AB6}" dt="2022-06-21T04:28:05.004" v="8486"/>
+          <ac:inkMkLst>
+            <pc:docMk/>
+            <pc:sldMk cId="3168577595" sldId="292"/>
+            <ac:inkMk id="8" creationId="{C9C0778B-DB70-FC45-B038-672541C78496}"/>
+          </ac:inkMkLst>
+        </pc:inkChg>
+        <pc:inkChg chg="add mod">
+          <ac:chgData name="劉　冠廷" userId="157cb8b2-10c8-4c98-be2a-24a6fef27960" providerId="ADAL" clId="{6622E921-AE26-46C1-AE4E-15D7C32E5AB6}" dt="2022-06-21T04:28:05.004" v="8486"/>
+          <ac:inkMkLst>
+            <pc:docMk/>
+            <pc:sldMk cId="3168577595" sldId="292"/>
+            <ac:inkMk id="12" creationId="{A424DD7E-1E94-CD26-DD36-0DBCC0134CA6}"/>
+          </ac:inkMkLst>
+        </pc:inkChg>
+        <pc:inkChg chg="add mod">
+          <ac:chgData name="劉　冠廷" userId="157cb8b2-10c8-4c98-be2a-24a6fef27960" providerId="ADAL" clId="{6622E921-AE26-46C1-AE4E-15D7C32E5AB6}" dt="2022-06-21T04:28:05.004" v="8486"/>
+          <ac:inkMkLst>
+            <pc:docMk/>
+            <pc:sldMk cId="3168577595" sldId="292"/>
+            <ac:inkMk id="18" creationId="{A3DA532F-6053-BE7B-DAE9-65379366AEE4}"/>
+          </ac:inkMkLst>
+        </pc:inkChg>
+        <pc:inkChg chg="add mod">
+          <ac:chgData name="劉　冠廷" userId="157cb8b2-10c8-4c98-be2a-24a6fef27960" providerId="ADAL" clId="{6622E921-AE26-46C1-AE4E-15D7C32E5AB6}" dt="2022-06-21T04:28:05.004" v="8486"/>
+          <ac:inkMkLst>
+            <pc:docMk/>
+            <pc:sldMk cId="3168577595" sldId="292"/>
+            <ac:inkMk id="20" creationId="{A14F509F-A650-538E-46A1-879EB3F56399}"/>
+          </ac:inkMkLst>
+        </pc:inkChg>
+        <pc:inkChg chg="add mod">
+          <ac:chgData name="劉　冠廷" userId="157cb8b2-10c8-4c98-be2a-24a6fef27960" providerId="ADAL" clId="{6622E921-AE26-46C1-AE4E-15D7C32E5AB6}" dt="2022-06-21T04:28:06.153" v="8489"/>
+          <ac:inkMkLst>
+            <pc:docMk/>
+            <pc:sldMk cId="3168577595" sldId="292"/>
+            <ac:inkMk id="23" creationId="{34363297-768D-3E61-6902-01E5D22D13C3}"/>
+          </ac:inkMkLst>
+        </pc:inkChg>
+        <pc:inkChg chg="add mod">
+          <ac:chgData name="劉　冠廷" userId="157cb8b2-10c8-4c98-be2a-24a6fef27960" providerId="ADAL" clId="{6622E921-AE26-46C1-AE4E-15D7C32E5AB6}" dt="2022-06-21T04:28:06.153" v="8489"/>
+          <ac:inkMkLst>
+            <pc:docMk/>
+            <pc:sldMk cId="3168577595" sldId="292"/>
+            <ac:inkMk id="24" creationId="{8DF76B6B-7800-4C26-B21F-26BC4FF3CC8A}"/>
+          </ac:inkMkLst>
+        </pc:inkChg>
+        <pc:inkChg chg="add del">
+          <ac:chgData name="劉　冠廷" userId="157cb8b2-10c8-4c98-be2a-24a6fef27960" providerId="ADAL" clId="{6622E921-AE26-46C1-AE4E-15D7C32E5AB6}" dt="2022-06-25T00:30:49.349" v="9665" actId="478"/>
+          <ac:inkMkLst>
+            <pc:docMk/>
+            <pc:sldMk cId="3168577595" sldId="292"/>
+            <ac:inkMk id="26" creationId="{C9B13F44-246F-6596-B733-7907816508CC}"/>
+          </ac:inkMkLst>
+        </pc:inkChg>
+      </pc:sldChg>
+      <pc:sldChg chg="add mod modShow">
+        <pc:chgData name="劉　冠廷" userId="157cb8b2-10c8-4c98-be2a-24a6fef27960" providerId="ADAL" clId="{6622E921-AE26-46C1-AE4E-15D7C32E5AB6}" dt="2022-06-14T00:11:35.686" v="2570" actId="729"/>
+        <pc:sldMkLst>
+          <pc:docMk/>
+          <pc:sldMk cId="1909238726" sldId="293"/>
+        </pc:sldMkLst>
+      </pc:sldChg>
+      <pc:sldChg chg="addSp delSp modSp add mod delAnim">
+        <pc:chgData name="劉　冠廷" userId="157cb8b2-10c8-4c98-be2a-24a6fef27960" providerId="ADAL" clId="{6622E921-AE26-46C1-AE4E-15D7C32E5AB6}" dt="2022-06-27T10:16:56.803" v="11032" actId="20577"/>
+        <pc:sldMkLst>
+          <pc:docMk/>
+          <pc:sldMk cId="2454897697" sldId="294"/>
+        </pc:sldMkLst>
+        <pc:spChg chg="add del mod">
+          <ac:chgData name="劉　冠廷" userId="157cb8b2-10c8-4c98-be2a-24a6fef27960" providerId="ADAL" clId="{6622E921-AE26-46C1-AE4E-15D7C32E5AB6}" dt="2022-06-25T02:53:43.789" v="10221" actId="478"/>
+          <ac:spMkLst>
+            <pc:docMk/>
+            <pc:sldMk cId="2454897697" sldId="294"/>
+            <ac:spMk id="3" creationId="{E279B633-8EB8-E8AE-2ED0-F5AF84F97BBA}"/>
+          </ac:spMkLst>
+        </pc:spChg>
+        <pc:spChg chg="mod">
+          <ac:chgData name="劉　冠廷" userId="157cb8b2-10c8-4c98-be2a-24a6fef27960" providerId="ADAL" clId="{6622E921-AE26-46C1-AE4E-15D7C32E5AB6}" dt="2022-06-20T05:18:43.671" v="4088" actId="14100"/>
+          <ac:spMkLst>
+            <pc:docMk/>
+            <pc:sldMk cId="2454897697" sldId="294"/>
+            <ac:spMk id="10" creationId="{D418C2E4-8CEB-C685-5F86-7763B1EAEA3C}"/>
+          </ac:spMkLst>
+        </pc:spChg>
+        <pc:spChg chg="mod">
+          <ac:chgData name="劉　冠廷" userId="157cb8b2-10c8-4c98-be2a-24a6fef27960" providerId="ADAL" clId="{6622E921-AE26-46C1-AE4E-15D7C32E5AB6}" dt="2022-06-20T05:17:51.910" v="4075" actId="165"/>
+          <ac:spMkLst>
+            <pc:docMk/>
+            <pc:sldMk cId="2454897697" sldId="294"/>
+            <ac:spMk id="11" creationId="{F0E35A98-4905-F271-520E-DB85CF6221FB}"/>
+          </ac:spMkLst>
+        </pc:spChg>
+        <pc:spChg chg="mod">
+          <ac:chgData name="劉　冠廷" userId="157cb8b2-10c8-4c98-be2a-24a6fef27960" providerId="ADAL" clId="{6622E921-AE26-46C1-AE4E-15D7C32E5AB6}" dt="2022-06-20T05:40:17.632" v="4337" actId="14100"/>
+          <ac:spMkLst>
+            <pc:docMk/>
+            <pc:sldMk cId="2454897697" sldId="294"/>
+            <ac:spMk id="12" creationId="{09134FC4-BF68-18FD-EAED-2353B62E09AE}"/>
+          </ac:spMkLst>
+        </pc:spChg>
+        <pc:spChg chg="add mod">
+          <ac:chgData name="劉　冠廷" userId="157cb8b2-10c8-4c98-be2a-24a6fef27960" providerId="ADAL" clId="{6622E921-AE26-46C1-AE4E-15D7C32E5AB6}" dt="2022-06-25T00:31:10.541" v="9669" actId="164"/>
+          <ac:spMkLst>
+            <pc:docMk/>
+            <pc:sldMk cId="2454897697" sldId="294"/>
+            <ac:spMk id="15" creationId="{98A18758-528C-11FD-2EAB-2FC80B1801CB}"/>
+          </ac:spMkLst>
+        </pc:spChg>
+        <pc:spChg chg="mod">
+          <ac:chgData name="劉　冠廷" userId="157cb8b2-10c8-4c98-be2a-24a6fef27960" providerId="ADAL" clId="{6622E921-AE26-46C1-AE4E-15D7C32E5AB6}" dt="2022-06-26T12:13:00.993" v="10536" actId="1076"/>
+          <ac:spMkLst>
+            <pc:docMk/>
+            <pc:sldMk cId="2454897697" sldId="294"/>
+            <ac:spMk id="18" creationId="{F9DC7A47-28D5-CB8A-312C-A106C88F8DF6}"/>
+          </ac:spMkLst>
+        </pc:spChg>
+        <pc:spChg chg="mod">
+          <ac:chgData name="劉　冠廷" userId="157cb8b2-10c8-4c98-be2a-24a6fef27960" providerId="ADAL" clId="{6622E921-AE26-46C1-AE4E-15D7C32E5AB6}" dt="2022-06-25T02:52:58.214" v="10184"/>
+          <ac:spMkLst>
+            <pc:docMk/>
+            <pc:sldMk cId="2454897697" sldId="294"/>
+            <ac:spMk id="19" creationId="{9C1D0F66-7F53-9DCC-9A2D-0DB833CF81A5}"/>
+          </ac:spMkLst>
+        </pc:spChg>
+        <pc:spChg chg="mod">
+          <ac:chgData name="劉　冠廷" userId="157cb8b2-10c8-4c98-be2a-24a6fef27960" providerId="ADAL" clId="{6622E921-AE26-46C1-AE4E-15D7C32E5AB6}" dt="2022-06-25T02:52:58.214" v="10184"/>
+          <ac:spMkLst>
+            <pc:docMk/>
+            <pc:sldMk cId="2454897697" sldId="294"/>
+            <ac:spMk id="20" creationId="{6A8B203C-325B-3267-623E-24779260B4A7}"/>
+          </ac:spMkLst>
+        </pc:spChg>
+        <pc:spChg chg="mod">
+          <ac:chgData name="劉　冠廷" userId="157cb8b2-10c8-4c98-be2a-24a6fef27960" providerId="ADAL" clId="{6622E921-AE26-46C1-AE4E-15D7C32E5AB6}" dt="2022-06-20T05:50:37.776" v="4602" actId="20577"/>
+          <ac:spMkLst>
+            <pc:docMk/>
+            <pc:sldMk cId="2454897697" sldId="294"/>
+            <ac:spMk id="20" creationId="{CB3FA349-AA44-2F3A-7AD4-B5BAF7614D79}"/>
+          </ac:spMkLst>
+        </pc:spChg>
+        <pc:spChg chg="mod">
+          <ac:chgData name="劉　冠廷" userId="157cb8b2-10c8-4c98-be2a-24a6fef27960" providerId="ADAL" clId="{6622E921-AE26-46C1-AE4E-15D7C32E5AB6}" dt="2022-06-20T05:47:40.530" v="4366"/>
+          <ac:spMkLst>
+            <pc:docMk/>
+            <pc:sldMk cId="2454897697" sldId="294"/>
+            <ac:spMk id="21" creationId="{1BEC896F-04F0-2D0B-F4EF-B9CE9CE4DE76}"/>
+          </ac:spMkLst>
+        </pc:spChg>
+        <pc:spChg chg="mod">
+          <ac:chgData name="劉　冠廷" userId="157cb8b2-10c8-4c98-be2a-24a6fef27960" providerId="ADAL" clId="{6622E921-AE26-46C1-AE4E-15D7C32E5AB6}" dt="2022-06-20T05:47:40.530" v="4366"/>
+          <ac:spMkLst>
+            <pc:docMk/>
+            <pc:sldMk cId="2454897697" sldId="294"/>
+            <ac:spMk id="22" creationId="{8775E8F4-EC23-B3E0-A34A-D342F6BB5A9C}"/>
+          </ac:spMkLst>
+        </pc:spChg>
+        <pc:spChg chg="add del mod">
+          <ac:chgData name="劉　冠廷" userId="157cb8b2-10c8-4c98-be2a-24a6fef27960" providerId="ADAL" clId="{6622E921-AE26-46C1-AE4E-15D7C32E5AB6}" dt="2022-06-27T10:16:56.803" v="11032" actId="20577"/>
+          <ac:spMkLst>
+            <pc:docMk/>
+            <pc:sldMk cId="2454897697" sldId="294"/>
+            <ac:spMk id="23" creationId="{DDF6EDF1-121F-5871-9C7C-07D4E33CF11D}"/>
+          </ac:spMkLst>
+        </pc:spChg>
+        <pc:spChg chg="mod">
+          <ac:chgData name="劉　冠廷" userId="157cb8b2-10c8-4c98-be2a-24a6fef27960" providerId="ADAL" clId="{6622E921-AE26-46C1-AE4E-15D7C32E5AB6}" dt="2022-06-20T05:52:46.979" v="4632" actId="20577"/>
+          <ac:spMkLst>
+            <pc:docMk/>
+            <pc:sldMk cId="2454897697" sldId="294"/>
+            <ac:spMk id="110" creationId="{00000000-0000-0000-0000-000000000000}"/>
+          </ac:spMkLst>
+        </pc:spChg>
+        <pc:spChg chg="del mod">
+          <ac:chgData name="劉　冠廷" userId="157cb8b2-10c8-4c98-be2a-24a6fef27960" providerId="ADAL" clId="{6622E921-AE26-46C1-AE4E-15D7C32E5AB6}" dt="2022-06-25T02:53:03.136" v="10186" actId="478"/>
+          <ac:spMkLst>
+            <pc:docMk/>
+            <pc:sldMk cId="2454897697" sldId="294"/>
+            <ac:spMk id="111" creationId="{00000000-0000-0000-0000-000000000000}"/>
+          </ac:spMkLst>
+        </pc:spChg>
+        <pc:grpChg chg="add del mod">
+          <ac:chgData name="劉　冠廷" userId="157cb8b2-10c8-4c98-be2a-24a6fef27960" providerId="ADAL" clId="{6622E921-AE26-46C1-AE4E-15D7C32E5AB6}" dt="2022-06-25T00:40:20.703" v="9923" actId="478"/>
+          <ac:grpSpMkLst>
+            <pc:docMk/>
+            <pc:sldMk cId="2454897697" sldId="294"/>
+            <ac:grpSpMk id="4" creationId="{03D16B4A-872E-4C60-867C-3DFACEAC5B4B}"/>
+          </ac:grpSpMkLst>
+        </pc:grpChg>
+        <pc:grpChg chg="add del mod">
+          <ac:chgData name="劉　冠廷" userId="157cb8b2-10c8-4c98-be2a-24a6fef27960" providerId="ADAL" clId="{6622E921-AE26-46C1-AE4E-15D7C32E5AB6}" dt="2022-06-20T05:17:51.910" v="4075" actId="165"/>
+          <ac:grpSpMkLst>
+            <pc:docMk/>
+            <pc:sldMk cId="2454897697" sldId="294"/>
+            <ac:grpSpMk id="5" creationId="{5F0AADB8-A06B-6FC0-72DD-1AA47814EB0C}"/>
+          </ac:grpSpMkLst>
+        </pc:grpChg>
+        <pc:grpChg chg="add mod ord topLvl">
+          <ac:chgData name="劉　冠廷" userId="157cb8b2-10c8-4c98-be2a-24a6fef27960" providerId="ADAL" clId="{6622E921-AE26-46C1-AE4E-15D7C32E5AB6}" dt="2022-06-25T00:31:10.541" v="9669" actId="164"/>
+          <ac:grpSpMkLst>
+            <pc:docMk/>
+            <pc:sldMk cId="2454897697" sldId="294"/>
+            <ac:grpSpMk id="8" creationId="{ED743A1E-BD4F-F012-2B09-988E8C198EBA}"/>
+          </ac:grpSpMkLst>
+        </pc:grpChg>
+        <pc:grpChg chg="mod">
+          <ac:chgData name="劉　冠廷" userId="157cb8b2-10c8-4c98-be2a-24a6fef27960" providerId="ADAL" clId="{6622E921-AE26-46C1-AE4E-15D7C32E5AB6}" dt="2022-06-20T05:17:51.910" v="4075" actId="165"/>
+          <ac:grpSpMkLst>
+            <pc:docMk/>
+            <pc:sldMk cId="2454897697" sldId="294"/>
+            <ac:grpSpMk id="9" creationId="{DE55B039-7503-2E74-C1DF-493BD0051B3C}"/>
+          </ac:grpSpMkLst>
+        </pc:grpChg>
+        <pc:grpChg chg="add mod">
+          <ac:chgData name="劉　冠廷" userId="157cb8b2-10c8-4c98-be2a-24a6fef27960" providerId="ADAL" clId="{6622E921-AE26-46C1-AE4E-15D7C32E5AB6}" dt="2022-06-25T08:19:59.936" v="10349" actId="14100"/>
+          <ac:grpSpMkLst>
+            <pc:docMk/>
+            <pc:sldMk cId="2454897697" sldId="294"/>
+            <ac:grpSpMk id="16" creationId="{68C3059E-85EC-8D83-C36D-CDA4A7F13E06}"/>
+          </ac:grpSpMkLst>
+        </pc:grpChg>
+        <pc:grpChg chg="mod">
+          <ac:chgData name="劉　冠廷" userId="157cb8b2-10c8-4c98-be2a-24a6fef27960" providerId="ADAL" clId="{6622E921-AE26-46C1-AE4E-15D7C32E5AB6}" dt="2022-06-25T02:52:58.214" v="10184"/>
+          <ac:grpSpMkLst>
+            <pc:docMk/>
+            <pc:sldMk cId="2454897697" sldId="294"/>
+            <ac:grpSpMk id="17" creationId="{2AF2CF07-5B1E-4543-136B-32F5F509D26A}"/>
+          </ac:grpSpMkLst>
+        </pc:grpChg>
+        <pc:grpChg chg="add del mod">
+          <ac:chgData name="劉　冠廷" userId="157cb8b2-10c8-4c98-be2a-24a6fef27960" providerId="ADAL" clId="{6622E921-AE26-46C1-AE4E-15D7C32E5AB6}" dt="2022-06-20T05:51:39.159" v="4617" actId="478"/>
+          <ac:grpSpMkLst>
+            <pc:docMk/>
+            <pc:sldMk cId="2454897697" sldId="294"/>
+            <ac:grpSpMk id="18" creationId="{67DC1144-4CCA-311D-3378-9E7AAD0DE782}"/>
+          </ac:grpSpMkLst>
+        </pc:grpChg>
+        <pc:grpChg chg="mod">
+          <ac:chgData name="劉　冠廷" userId="157cb8b2-10c8-4c98-be2a-24a6fef27960" providerId="ADAL" clId="{6622E921-AE26-46C1-AE4E-15D7C32E5AB6}" dt="2022-06-20T05:47:40.530" v="4366"/>
+          <ac:grpSpMkLst>
+            <pc:docMk/>
+            <pc:sldMk cId="2454897697" sldId="294"/>
+            <ac:grpSpMk id="19" creationId="{6C41DFBA-988A-1F2D-6AA6-D0E5A8121BC0}"/>
+          </ac:grpSpMkLst>
+        </pc:grpChg>
+        <pc:picChg chg="add del mod topLvl">
+          <ac:chgData name="劉　冠廷" userId="157cb8b2-10c8-4c98-be2a-24a6fef27960" providerId="ADAL" clId="{6622E921-AE26-46C1-AE4E-15D7C32E5AB6}" dt="2022-06-20T05:43:12.568" v="4353" actId="478"/>
+          <ac:picMkLst>
+            <pc:docMk/>
+            <pc:sldMk cId="2454897697" sldId="294"/>
+            <ac:picMk id="4" creationId="{2B91BF62-498A-44B5-DDDD-FB62355CE4EE}"/>
+          </ac:picMkLst>
+        </pc:picChg>
+        <pc:picChg chg="add mod">
+          <ac:chgData name="劉　冠廷" userId="157cb8b2-10c8-4c98-be2a-24a6fef27960" providerId="ADAL" clId="{6622E921-AE26-46C1-AE4E-15D7C32E5AB6}" dt="2022-06-25T08:19:51.835" v="10348" actId="1076"/>
+          <ac:picMkLst>
+            <pc:docMk/>
+            <pc:sldMk cId="2454897697" sldId="294"/>
+            <ac:picMk id="6" creationId="{8A6B4104-71BF-6899-46DE-771DF4D5B038}"/>
+          </ac:picMkLst>
+        </pc:picChg>
+        <pc:picChg chg="add mod">
+          <ac:chgData name="劉　冠廷" userId="157cb8b2-10c8-4c98-be2a-24a6fef27960" providerId="ADAL" clId="{6622E921-AE26-46C1-AE4E-15D7C32E5AB6}" dt="2022-06-25T00:31:10.541" v="9669" actId="164"/>
+          <ac:picMkLst>
+            <pc:docMk/>
+            <pc:sldMk cId="2454897697" sldId="294"/>
+            <ac:picMk id="13" creationId="{D2637FDA-B7E1-1767-003A-516C6D652669}"/>
+          </ac:picMkLst>
+        </pc:picChg>
+      </pc:sldChg>
+      <pc:sldChg chg="addSp delSp modSp add mod delAnim modAnim">
+        <pc:chgData name="劉　冠廷" userId="157cb8b2-10c8-4c98-be2a-24a6fef27960" providerId="ADAL" clId="{6622E921-AE26-46C1-AE4E-15D7C32E5AB6}" dt="2022-06-21T04:42:27.728" v="8837" actId="478"/>
+        <pc:sldMkLst>
+          <pc:docMk/>
+          <pc:sldMk cId="2569223751" sldId="295"/>
+        </pc:sldMkLst>
+        <pc:spChg chg="add del mod">
+          <ac:chgData name="劉　冠廷" userId="157cb8b2-10c8-4c98-be2a-24a6fef27960" providerId="ADAL" clId="{6622E921-AE26-46C1-AE4E-15D7C32E5AB6}" dt="2022-06-21T04:42:25.474" v="8836" actId="478"/>
+          <ac:spMkLst>
+            <pc:docMk/>
+            <pc:sldMk cId="2569223751" sldId="295"/>
+            <ac:spMk id="13" creationId="{0CFADAEA-B44A-876A-EB14-5CD99FBDA92A}"/>
+          </ac:spMkLst>
+        </pc:spChg>
+        <pc:spChg chg="add del mod">
+          <ac:chgData name="劉　冠廷" userId="157cb8b2-10c8-4c98-be2a-24a6fef27960" providerId="ADAL" clId="{6622E921-AE26-46C1-AE4E-15D7C32E5AB6}" dt="2022-06-21T04:42:27.728" v="8837" actId="478"/>
+          <ac:spMkLst>
+            <pc:docMk/>
+            <pc:sldMk cId="2569223751" sldId="295"/>
+            <ac:spMk id="14" creationId="{18B3134F-BB1B-94FD-5366-32B7E7A47EFB}"/>
+          </ac:spMkLst>
+        </pc:spChg>
+        <pc:spChg chg="mod">
+          <ac:chgData name="劉　冠廷" userId="157cb8b2-10c8-4c98-be2a-24a6fef27960" providerId="ADAL" clId="{6622E921-AE26-46C1-AE4E-15D7C32E5AB6}" dt="2022-06-20T12:40:54.046" v="8218" actId="5793"/>
+          <ac:spMkLst>
+            <pc:docMk/>
+            <pc:sldMk cId="2569223751" sldId="295"/>
+            <ac:spMk id="15" creationId="{98A18758-528C-11FD-2EAB-2FC80B1801CB}"/>
+          </ac:spMkLst>
+        </pc:spChg>
+        <pc:spChg chg="mod">
+          <ac:chgData name="劉　冠廷" userId="157cb8b2-10c8-4c98-be2a-24a6fef27960" providerId="ADAL" clId="{6622E921-AE26-46C1-AE4E-15D7C32E5AB6}" dt="2022-06-20T07:20:31.030" v="6077" actId="20577"/>
+          <ac:spMkLst>
+            <pc:docMk/>
+            <pc:sldMk cId="2569223751" sldId="295"/>
+            <ac:spMk id="110" creationId="{00000000-0000-0000-0000-000000000000}"/>
+          </ac:spMkLst>
+        </pc:spChg>
+        <pc:grpChg chg="del">
+          <ac:chgData name="劉　冠廷" userId="157cb8b2-10c8-4c98-be2a-24a6fef27960" providerId="ADAL" clId="{6622E921-AE26-46C1-AE4E-15D7C32E5AB6}" dt="2022-06-20T05:33:00.620" v="4108" actId="478"/>
+          <ac:grpSpMkLst>
+            <pc:docMk/>
+            <pc:sldMk cId="2569223751" sldId="295"/>
+            <ac:grpSpMk id="8" creationId="{ED743A1E-BD4F-F012-2B09-988E8C198EBA}"/>
+          </ac:grpSpMkLst>
+        </pc:grpChg>
+        <pc:picChg chg="del">
+          <ac:chgData name="劉　冠廷" userId="157cb8b2-10c8-4c98-be2a-24a6fef27960" providerId="ADAL" clId="{6622E921-AE26-46C1-AE4E-15D7C32E5AB6}" dt="2022-06-20T05:33:01.287" v="4109" actId="478"/>
+          <ac:picMkLst>
+            <pc:docMk/>
+            <pc:sldMk cId="2569223751" sldId="295"/>
+            <ac:picMk id="4" creationId="{2B91BF62-498A-44B5-DDDD-FB62355CE4EE}"/>
+          </ac:picMkLst>
+        </pc:picChg>
+      </pc:sldChg>
+      <pc:sldChg chg="addSp delSp modSp add mod delAnim">
+        <pc:chgData name="劉　冠廷" userId="157cb8b2-10c8-4c98-be2a-24a6fef27960" providerId="ADAL" clId="{6622E921-AE26-46C1-AE4E-15D7C32E5AB6}" dt="2022-06-27T10:20:31.653" v="11100" actId="20577"/>
+        <pc:sldMkLst>
+          <pc:docMk/>
+          <pc:sldMk cId="379689452" sldId="296"/>
+        </pc:sldMkLst>
+        <pc:spChg chg="del mod">
+          <ac:chgData name="劉　冠廷" userId="157cb8b2-10c8-4c98-be2a-24a6fef27960" providerId="ADAL" clId="{6622E921-AE26-46C1-AE4E-15D7C32E5AB6}" dt="2022-06-20T05:55:04.944" v="4730" actId="478"/>
+          <ac:spMkLst>
+            <pc:docMk/>
+            <pc:sldMk cId="379689452" sldId="296"/>
+            <ac:spMk id="15" creationId="{98A18758-528C-11FD-2EAB-2FC80B1801CB}"/>
+          </ac:spMkLst>
+        </pc:spChg>
+        <pc:spChg chg="del">
+          <ac:chgData name="劉　冠廷" userId="157cb8b2-10c8-4c98-be2a-24a6fef27960" providerId="ADAL" clId="{6622E921-AE26-46C1-AE4E-15D7C32E5AB6}" dt="2022-06-20T05:55:08.258" v="4733" actId="478"/>
+          <ac:spMkLst>
+            <pc:docMk/>
+            <pc:sldMk cId="379689452" sldId="296"/>
+            <ac:spMk id="23" creationId="{DDF6EDF1-121F-5871-9C7C-07D4E33CF11D}"/>
+          </ac:spMkLst>
+        </pc:spChg>
+        <pc:spChg chg="add mod">
+          <ac:chgData name="劉　冠廷" userId="157cb8b2-10c8-4c98-be2a-24a6fef27960" providerId="ADAL" clId="{6622E921-AE26-46C1-AE4E-15D7C32E5AB6}" dt="2022-06-27T10:20:31.653" v="11100" actId="20577"/>
+          <ac:spMkLst>
+            <pc:docMk/>
+            <pc:sldMk cId="379689452" sldId="296"/>
+            <ac:spMk id="24" creationId="{3B9D04AF-157A-096D-37C7-32608DC7A71B}"/>
+          </ac:spMkLst>
+        </pc:spChg>
+        <pc:spChg chg="del">
+          <ac:chgData name="劉　冠廷" userId="157cb8b2-10c8-4c98-be2a-24a6fef27960" providerId="ADAL" clId="{6622E921-AE26-46C1-AE4E-15D7C32E5AB6}" dt="2022-06-20T06:24:51.164" v="5298" actId="478"/>
+          <ac:spMkLst>
+            <pc:docMk/>
+            <pc:sldMk cId="379689452" sldId="296"/>
+            <ac:spMk id="111" creationId="{00000000-0000-0000-0000-000000000000}"/>
+          </ac:spMkLst>
+        </pc:spChg>
+        <pc:grpChg chg="del">
+          <ac:chgData name="劉　冠廷" userId="157cb8b2-10c8-4c98-be2a-24a6fef27960" providerId="ADAL" clId="{6622E921-AE26-46C1-AE4E-15D7C32E5AB6}" dt="2022-06-20T05:54:57.553" v="4727" actId="478"/>
+          <ac:grpSpMkLst>
+            <pc:docMk/>
+            <pc:sldMk cId="379689452" sldId="296"/>
+            <ac:grpSpMk id="8" creationId="{ED743A1E-BD4F-F012-2B09-988E8C198EBA}"/>
+          </ac:grpSpMkLst>
+        </pc:grpChg>
+        <pc:grpChg chg="del mod">
+          <ac:chgData name="劉　冠廷" userId="157cb8b2-10c8-4c98-be2a-24a6fef27960" providerId="ADAL" clId="{6622E921-AE26-46C1-AE4E-15D7C32E5AB6}" dt="2022-06-20T05:55:07.266" v="4732" actId="478"/>
+          <ac:grpSpMkLst>
+            <pc:docMk/>
+            <pc:sldMk cId="379689452" sldId="296"/>
+            <ac:grpSpMk id="18" creationId="{67DC1144-4CCA-311D-3378-9E7AAD0DE782}"/>
+          </ac:grpSpMkLst>
+        </pc:grpChg>
+        <pc:picChg chg="add mod">
+          <ac:chgData name="劉　冠廷" userId="157cb8b2-10c8-4c98-be2a-24a6fef27960" providerId="ADAL" clId="{6622E921-AE26-46C1-AE4E-15D7C32E5AB6}" dt="2022-06-20T06:44:16.840" v="5771" actId="1076"/>
+          <ac:picMkLst>
+            <pc:docMk/>
+            <pc:sldMk cId="379689452" sldId="296"/>
+            <ac:picMk id="4" creationId="{FEBC6EB8-A9C4-1CDC-3292-235DDE34031E}"/>
+          </ac:picMkLst>
+        </pc:picChg>
+        <pc:picChg chg="add mod">
+          <ac:chgData name="劉　冠廷" userId="157cb8b2-10c8-4c98-be2a-24a6fef27960" providerId="ADAL" clId="{6622E921-AE26-46C1-AE4E-15D7C32E5AB6}" dt="2022-06-20T06:44:18.671" v="5772" actId="1076"/>
+          <ac:picMkLst>
+            <pc:docMk/>
+            <pc:sldMk cId="379689452" sldId="296"/>
+            <ac:picMk id="6" creationId="{CAC32E24-4395-F356-0A5B-63F71B387DFD}"/>
+          </ac:picMkLst>
+        </pc:picChg>
+        <pc:picChg chg="del">
+          <ac:chgData name="劉　冠廷" userId="157cb8b2-10c8-4c98-be2a-24a6fef27960" providerId="ADAL" clId="{6622E921-AE26-46C1-AE4E-15D7C32E5AB6}" dt="2022-06-20T05:54:58.437" v="4728" actId="478"/>
+          <ac:picMkLst>
+            <pc:docMk/>
+            <pc:sldMk cId="379689452" sldId="296"/>
+            <ac:picMk id="13" creationId="{D2637FDA-B7E1-1767-003A-516C6D652669}"/>
+          </ac:picMkLst>
+        </pc:picChg>
+        <pc:picChg chg="add del mod">
+          <ac:chgData name="劉　冠廷" userId="157cb8b2-10c8-4c98-be2a-24a6fef27960" providerId="ADAL" clId="{6622E921-AE26-46C1-AE4E-15D7C32E5AB6}" dt="2022-06-20T06:44:22.830" v="5775" actId="478"/>
+          <ac:picMkLst>
+            <pc:docMk/>
+            <pc:sldMk cId="379689452" sldId="296"/>
+            <ac:picMk id="14" creationId="{3F7861FE-646C-C5FA-9FEC-A46E8814C0EA}"/>
+          </ac:picMkLst>
+        </pc:picChg>
+        <pc:picChg chg="add mod">
+          <ac:chgData name="劉　冠廷" userId="157cb8b2-10c8-4c98-be2a-24a6fef27960" providerId="ADAL" clId="{6622E921-AE26-46C1-AE4E-15D7C32E5AB6}" dt="2022-06-20T06:44:52.136" v="5781" actId="1076"/>
+          <ac:picMkLst>
+            <pc:docMk/>
+            <pc:sldMk cId="379689452" sldId="296"/>
+            <ac:picMk id="17" creationId="{D0BFCC8A-7898-FD02-EC2D-D495A9B566FE}"/>
+          </ac:picMkLst>
+        </pc:picChg>
+      </pc:sldChg>
+      <pc:sldChg chg="addSp delSp modSp add mod modAnim">
+        <pc:chgData name="劉　冠廷" userId="157cb8b2-10c8-4c98-be2a-24a6fef27960" providerId="ADAL" clId="{6622E921-AE26-46C1-AE4E-15D7C32E5AB6}" dt="2022-06-27T02:20:06.701" v="10863" actId="20577"/>
+        <pc:sldMkLst>
+          <pc:docMk/>
+          <pc:sldMk cId="3306550100" sldId="297"/>
+        </pc:sldMkLst>
+        <pc:spChg chg="mod">
+          <ac:chgData name="劉　冠廷" userId="157cb8b2-10c8-4c98-be2a-24a6fef27960" providerId="ADAL" clId="{6622E921-AE26-46C1-AE4E-15D7C32E5AB6}" dt="2022-06-25T01:31:47.693" v="10180" actId="20577"/>
+          <ac:spMkLst>
+            <pc:docMk/>
+            <pc:sldMk cId="3306550100" sldId="297"/>
+            <ac:spMk id="11" creationId="{0B2416B0-8499-996D-07EE-3CDB424DDC07}"/>
+          </ac:spMkLst>
+        </pc:spChg>
+        <pc:spChg chg="mod">
+          <ac:chgData name="劉　冠廷" userId="157cb8b2-10c8-4c98-be2a-24a6fef27960" providerId="ADAL" clId="{6622E921-AE26-46C1-AE4E-15D7C32E5AB6}" dt="2022-06-20T12:14:50.440" v="7041" actId="20577"/>
+          <ac:spMkLst>
+            <pc:docMk/>
+            <pc:sldMk cId="3306550100" sldId="297"/>
+            <ac:spMk id="12" creationId="{10F1FE8F-D97A-4381-584B-5D6EB9BAA007}"/>
+          </ac:spMkLst>
+        </pc:spChg>
+        <pc:spChg chg="mod">
+          <ac:chgData name="劉　冠廷" userId="157cb8b2-10c8-4c98-be2a-24a6fef27960" providerId="ADAL" clId="{6622E921-AE26-46C1-AE4E-15D7C32E5AB6}" dt="2022-06-20T12:14:50.440" v="7041" actId="20577"/>
+          <ac:spMkLst>
+            <pc:docMk/>
+            <pc:sldMk cId="3306550100" sldId="297"/>
+            <ac:spMk id="13" creationId="{802D9494-0342-4EA5-D586-F7A9D4EAEC39}"/>
+          </ac:spMkLst>
+        </pc:spChg>
+        <pc:spChg chg="mod">
+          <ac:chgData name="劉　冠廷" userId="157cb8b2-10c8-4c98-be2a-24a6fef27960" providerId="ADAL" clId="{6622E921-AE26-46C1-AE4E-15D7C32E5AB6}" dt="2022-06-27T02:20:06.701" v="10863" actId="20577"/>
+          <ac:spMkLst>
+            <pc:docMk/>
+            <pc:sldMk cId="3306550100" sldId="297"/>
+            <ac:spMk id="16" creationId="{D60DC33D-19C7-D90B-6579-E1E7A065B3C1}"/>
+          </ac:spMkLst>
+        </pc:spChg>
+        <pc:spChg chg="mod">
+          <ac:chgData name="劉　冠廷" userId="157cb8b2-10c8-4c98-be2a-24a6fef27960" providerId="ADAL" clId="{6622E921-AE26-46C1-AE4E-15D7C32E5AB6}" dt="2022-06-20T12:31:59.707" v="7392" actId="20577"/>
+          <ac:spMkLst>
+            <pc:docMk/>
+            <pc:sldMk cId="3306550100" sldId="297"/>
+            <ac:spMk id="18" creationId="{1A298CF4-6E66-96B6-1DA8-1A400C704262}"/>
+          </ac:spMkLst>
+        </pc:spChg>
+        <pc:spChg chg="mod">
+          <ac:chgData name="劉　冠廷" userId="157cb8b2-10c8-4c98-be2a-24a6fef27960" providerId="ADAL" clId="{6622E921-AE26-46C1-AE4E-15D7C32E5AB6}" dt="2022-06-20T12:31:59.707" v="7392" actId="20577"/>
+          <ac:spMkLst>
+            <pc:docMk/>
+            <pc:sldMk cId="3306550100" sldId="297"/>
+            <ac:spMk id="19" creationId="{E175E006-4DEA-401E-7840-09DF8F45097B}"/>
+          </ac:spMkLst>
+        </pc:spChg>
+        <pc:spChg chg="mod">
+          <ac:chgData name="劉　冠廷" userId="157cb8b2-10c8-4c98-be2a-24a6fef27960" providerId="ADAL" clId="{6622E921-AE26-46C1-AE4E-15D7C32E5AB6}" dt="2022-06-20T07:49:46.181" v="6626" actId="20577"/>
+          <ac:spMkLst>
+            <pc:docMk/>
+            <pc:sldMk cId="3306550100" sldId="297"/>
+            <ac:spMk id="24" creationId="{3B9D04AF-157A-096D-37C7-32608DC7A71B}"/>
+          </ac:spMkLst>
+        </pc:spChg>
+        <pc:spChg chg="mod">
+          <ac:chgData name="劉　冠廷" userId="157cb8b2-10c8-4c98-be2a-24a6fef27960" providerId="ADAL" clId="{6622E921-AE26-46C1-AE4E-15D7C32E5AB6}" dt="2022-06-21T04:15:21.499" v="8425" actId="20577"/>
+          <ac:spMkLst>
+            <pc:docMk/>
+            <pc:sldMk cId="3306550100" sldId="297"/>
+            <ac:spMk id="110" creationId="{00000000-0000-0000-0000-000000000000}"/>
+          </ac:spMkLst>
+        </pc:spChg>
+        <pc:grpChg chg="add mod">
+          <ac:chgData name="劉　冠廷" userId="157cb8b2-10c8-4c98-be2a-24a6fef27960" providerId="ADAL" clId="{6622E921-AE26-46C1-AE4E-15D7C32E5AB6}" dt="2022-06-21T04:23:22.185" v="8427" actId="1076"/>
+          <ac:grpSpMkLst>
+            <pc:docMk/>
+            <pc:sldMk cId="3306550100" sldId="297"/>
+            <ac:grpSpMk id="9" creationId="{ABD653AF-8FD2-1B85-8E90-1D36B323F643}"/>
+          </ac:grpSpMkLst>
+        </pc:grpChg>
+        <pc:grpChg chg="mod">
+          <ac:chgData name="劉　冠廷" userId="157cb8b2-10c8-4c98-be2a-24a6fef27960" providerId="ADAL" clId="{6622E921-AE26-46C1-AE4E-15D7C32E5AB6}" dt="2022-06-20T12:14:50.440" v="7041" actId="20577"/>
+          <ac:grpSpMkLst>
+            <pc:docMk/>
+            <pc:sldMk cId="3306550100" sldId="297"/>
+            <ac:grpSpMk id="10" creationId="{D833246F-22A6-C3E7-7DDF-447C861EC274}"/>
+          </ac:grpSpMkLst>
+        </pc:grpChg>
+        <pc:grpChg chg="add mod">
+          <ac:chgData name="劉　冠廷" userId="157cb8b2-10c8-4c98-be2a-24a6fef27960" providerId="ADAL" clId="{6622E921-AE26-46C1-AE4E-15D7C32E5AB6}" dt="2022-06-20T12:31:59.707" v="7392" actId="20577"/>
+          <ac:grpSpMkLst>
+            <pc:docMk/>
+            <pc:sldMk cId="3306550100" sldId="297"/>
+            <ac:grpSpMk id="14" creationId="{536EEC03-0B0C-0AE4-895E-FA1B04056FC2}"/>
+          </ac:grpSpMkLst>
+        </pc:grpChg>
+        <pc:grpChg chg="mod">
+          <ac:chgData name="劉　冠廷" userId="157cb8b2-10c8-4c98-be2a-24a6fef27960" providerId="ADAL" clId="{6622E921-AE26-46C1-AE4E-15D7C32E5AB6}" dt="2022-06-20T12:31:59.707" v="7392" actId="20577"/>
+          <ac:grpSpMkLst>
+            <pc:docMk/>
+            <pc:sldMk cId="3306550100" sldId="297"/>
+            <ac:grpSpMk id="15" creationId="{88FCE91F-38AD-AF08-982D-804AACDA4FC1}"/>
+          </ac:grpSpMkLst>
+        </pc:grpChg>
+        <pc:picChg chg="del">
+          <ac:chgData name="劉　冠廷" userId="157cb8b2-10c8-4c98-be2a-24a6fef27960" providerId="ADAL" clId="{6622E921-AE26-46C1-AE4E-15D7C32E5AB6}" dt="2022-06-20T06:48:19.364" v="6027" actId="478"/>
+          <ac:picMkLst>
+            <pc:docMk/>
+            <pc:sldMk cId="3306550100" sldId="297"/>
+            <ac:picMk id="4" creationId="{FEBC6EB8-A9C4-1CDC-3292-235DDE34031E}"/>
+          </ac:picMkLst>
+        </pc:picChg>
+        <pc:picChg chg="add del mod">
+          <ac:chgData name="劉　冠廷" userId="157cb8b2-10c8-4c98-be2a-24a6fef27960" providerId="ADAL" clId="{6622E921-AE26-46C1-AE4E-15D7C32E5AB6}" dt="2022-06-25T02:51:30.375" v="10182" actId="478"/>
+          <ac:picMkLst>
+            <pc:docMk/>
+            <pc:sldMk cId="3306550100" sldId="297"/>
+            <ac:picMk id="5" creationId="{11CBB3EC-610C-855D-F6DE-4C952B78810C}"/>
+          </ac:picMkLst>
+        </pc:picChg>
+        <pc:picChg chg="del">
+          <ac:chgData name="劉　冠廷" userId="157cb8b2-10c8-4c98-be2a-24a6fef27960" providerId="ADAL" clId="{6622E921-AE26-46C1-AE4E-15D7C32E5AB6}" dt="2022-06-20T06:48:18.816" v="6025" actId="478"/>
+          <ac:picMkLst>
+            <pc:docMk/>
+            <pc:sldMk cId="3306550100" sldId="297"/>
+            <ac:picMk id="6" creationId="{CAC32E24-4395-F356-0A5B-63F71B387DFD}"/>
+          </ac:picMkLst>
+        </pc:picChg>
+        <pc:picChg chg="del">
+          <ac:chgData name="劉　冠廷" userId="157cb8b2-10c8-4c98-be2a-24a6fef27960" providerId="ADAL" clId="{6622E921-AE26-46C1-AE4E-15D7C32E5AB6}" dt="2022-06-20T06:48:19.015" v="6026" actId="478"/>
+          <ac:picMkLst>
+            <pc:docMk/>
+            <pc:sldMk cId="3306550100" sldId="297"/>
+            <ac:picMk id="17" creationId="{D0BFCC8A-7898-FD02-EC2D-D495A9B566FE}"/>
+          </ac:picMkLst>
+        </pc:picChg>
+      </pc:sldChg>
+      <pc:sldChg chg="addSp delSp modSp add mod ord">
+        <pc:chgData name="劉　冠廷" userId="157cb8b2-10c8-4c98-be2a-24a6fef27960" providerId="ADAL" clId="{6622E921-AE26-46C1-AE4E-15D7C32E5AB6}" dt="2022-06-26T14:22:13.537" v="10812" actId="20577"/>
+        <pc:sldMkLst>
+          <pc:docMk/>
+          <pc:sldMk cId="366815684" sldId="298"/>
+        </pc:sldMkLst>
+        <pc:spChg chg="mod">
+          <ac:chgData name="劉　冠廷" userId="157cb8b2-10c8-4c98-be2a-24a6fef27960" providerId="ADAL" clId="{6622E921-AE26-46C1-AE4E-15D7C32E5AB6}" dt="2022-06-20T07:45:26.611" v="6504" actId="20577"/>
+          <ac:spMkLst>
+            <pc:docMk/>
+            <pc:sldMk cId="366815684" sldId="298"/>
+            <ac:spMk id="4" creationId="{49F70D5E-9B45-EAAE-2F55-7DF164016490}"/>
+          </ac:spMkLst>
+        </pc:spChg>
+        <pc:spChg chg="mod">
+          <ac:chgData name="劉　冠廷" userId="157cb8b2-10c8-4c98-be2a-24a6fef27960" providerId="ADAL" clId="{6622E921-AE26-46C1-AE4E-15D7C32E5AB6}" dt="2022-06-20T07:45:26.611" v="6504" actId="20577"/>
+          <ac:spMkLst>
+            <pc:docMk/>
+            <pc:sldMk cId="366815684" sldId="298"/>
+            <ac:spMk id="6" creationId="{E709673C-02A3-3250-17B6-43631D7F63D2}"/>
+          </ac:spMkLst>
+        </pc:spChg>
+        <pc:spChg chg="add del">
+          <ac:chgData name="劉　冠廷" userId="157cb8b2-10c8-4c98-be2a-24a6fef27960" providerId="ADAL" clId="{6622E921-AE26-46C1-AE4E-15D7C32E5AB6}" dt="2022-06-20T07:45:28.264" v="6506"/>
+          <ac:spMkLst>
+            <pc:docMk/>
+            <pc:sldMk cId="366815684" sldId="298"/>
+            <ac:spMk id="18" creationId="{BC82118C-DE51-1C9A-E8E8-49B4357FE697}"/>
+          </ac:spMkLst>
+        </pc:spChg>
+        <pc:spChg chg="mod">
+          <ac:chgData name="劉　冠廷" userId="157cb8b2-10c8-4c98-be2a-24a6fef27960" providerId="ADAL" clId="{6622E921-AE26-46C1-AE4E-15D7C32E5AB6}" dt="2022-06-24T13:51:28.282" v="9118" actId="1076"/>
+          <ac:spMkLst>
+            <pc:docMk/>
+            <pc:sldMk cId="366815684" sldId="298"/>
+            <ac:spMk id="19" creationId="{BBD1CAC7-CC03-AAFB-2FB3-4E83CAC42FD9}"/>
+          </ac:spMkLst>
+        </pc:spChg>
+        <pc:spChg chg="add del">
+          <ac:chgData name="劉　冠廷" userId="157cb8b2-10c8-4c98-be2a-24a6fef27960" providerId="ADAL" clId="{6622E921-AE26-46C1-AE4E-15D7C32E5AB6}" dt="2022-06-20T07:45:37.064" v="6511"/>
+          <ac:spMkLst>
+            <pc:docMk/>
+            <pc:sldMk cId="366815684" sldId="298"/>
+            <ac:spMk id="20" creationId="{5EF51C0B-F885-746D-1BA3-77D97FFC7E3A}"/>
+          </ac:spMkLst>
+        </pc:spChg>
+        <pc:spChg chg="add del mod">
+          <ac:chgData name="劉　冠廷" userId="157cb8b2-10c8-4c98-be2a-24a6fef27960" providerId="ADAL" clId="{6622E921-AE26-46C1-AE4E-15D7C32E5AB6}" dt="2022-06-23T01:41:54.353" v="8860" actId="478"/>
+          <ac:spMkLst>
+            <pc:docMk/>
+            <pc:sldMk cId="366815684" sldId="298"/>
+            <ac:spMk id="22" creationId="{A8C7F37D-7C31-4F6F-DB42-DD8E42C6E467}"/>
+          </ac:spMkLst>
+        </pc:spChg>
+        <pc:spChg chg="mod">
+          <ac:chgData name="劉　冠廷" userId="157cb8b2-10c8-4c98-be2a-24a6fef27960" providerId="ADAL" clId="{6622E921-AE26-46C1-AE4E-15D7C32E5AB6}" dt="2022-06-26T14:22:13.537" v="10812" actId="20577"/>
+          <ac:spMkLst>
+            <pc:docMk/>
+            <pc:sldMk cId="366815684" sldId="298"/>
+            <ac:spMk id="111" creationId="{00000000-0000-0000-0000-000000000000}"/>
+          </ac:spMkLst>
+        </pc:spChg>
+        <pc:grpChg chg="mod">
+          <ac:chgData name="劉　冠廷" userId="157cb8b2-10c8-4c98-be2a-24a6fef27960" providerId="ADAL" clId="{6622E921-AE26-46C1-AE4E-15D7C32E5AB6}" dt="2022-06-20T07:45:26.611" v="6504" actId="20577"/>
+          <ac:grpSpMkLst>
+            <pc:docMk/>
+            <pc:sldMk cId="366815684" sldId="298"/>
+            <ac:grpSpMk id="7" creationId="{0D67423B-6491-6D91-88ED-375EE86585DF}"/>
+          </ac:grpSpMkLst>
+        </pc:grpChg>
+        <pc:grpChg chg="mod">
+          <ac:chgData name="劉　冠廷" userId="157cb8b2-10c8-4c98-be2a-24a6fef27960" providerId="ADAL" clId="{6622E921-AE26-46C1-AE4E-15D7C32E5AB6}" dt="2022-06-24T13:51:46.384" v="9124" actId="1076"/>
+          <ac:grpSpMkLst>
+            <pc:docMk/>
+            <pc:sldMk cId="366815684" sldId="298"/>
+            <ac:grpSpMk id="10" creationId="{5ACC5C0B-49E0-3459-9161-2591228F0573}"/>
+          </ac:grpSpMkLst>
+        </pc:grpChg>
+        <pc:grpChg chg="del">
+          <ac:chgData name="劉　冠廷" userId="157cb8b2-10c8-4c98-be2a-24a6fef27960" providerId="ADAL" clId="{6622E921-AE26-46C1-AE4E-15D7C32E5AB6}" dt="2022-06-20T07:32:32.160" v="6209" actId="478"/>
+          <ac:grpSpMkLst>
+            <pc:docMk/>
+            <pc:sldMk cId="366815684" sldId="298"/>
+            <ac:grpSpMk id="11" creationId="{AB8464BD-BD07-66FB-4284-2F662E046089}"/>
+          </ac:grpSpMkLst>
+        </pc:grpChg>
+        <pc:picChg chg="add mod">
+          <ac:chgData name="劉　冠廷" userId="157cb8b2-10c8-4c98-be2a-24a6fef27960" providerId="ADAL" clId="{6622E921-AE26-46C1-AE4E-15D7C32E5AB6}" dt="2022-06-24T13:51:45.885" v="9123" actId="1076"/>
+          <ac:picMkLst>
+            <pc:docMk/>
+            <pc:sldMk cId="366815684" sldId="298"/>
+            <ac:picMk id="5" creationId="{023C8121-8960-0599-7C41-6307C48CE66B}"/>
+          </ac:picMkLst>
+        </pc:picChg>
+        <pc:picChg chg="del">
+          <ac:chgData name="劉　冠廷" userId="157cb8b2-10c8-4c98-be2a-24a6fef27960" providerId="ADAL" clId="{6622E921-AE26-46C1-AE4E-15D7C32E5AB6}" dt="2022-06-20T07:32:29.967" v="6208" actId="478"/>
+          <ac:picMkLst>
+            <pc:docMk/>
+            <pc:sldMk cId="366815684" sldId="298"/>
+            <ac:picMk id="9" creationId="{4859A1A4-3B1A-8BE6-22DE-C4023F1FF771}"/>
+          </ac:picMkLst>
+        </pc:picChg>
+        <pc:picChg chg="add mod">
+          <ac:chgData name="劉　冠廷" userId="157cb8b2-10c8-4c98-be2a-24a6fef27960" providerId="ADAL" clId="{6622E921-AE26-46C1-AE4E-15D7C32E5AB6}" dt="2022-06-24T13:51:45.415" v="9122" actId="1076"/>
+          <ac:picMkLst>
+            <pc:docMk/>
+            <pc:sldMk cId="366815684" sldId="298"/>
+            <ac:picMk id="12" creationId="{4E122E69-A677-3E4D-0E66-4D8C538191EE}"/>
+          </ac:picMkLst>
+        </pc:picChg>
+      </pc:sldChg>
+      <pc:sldChg chg="addSp delSp modSp add del mod">
+        <pc:chgData name="劉　冠廷" userId="157cb8b2-10c8-4c98-be2a-24a6fef27960" providerId="ADAL" clId="{6622E921-AE26-46C1-AE4E-15D7C32E5AB6}" dt="2022-06-26T11:45:50.868" v="10500" actId="20577"/>
+        <pc:sldMkLst>
+          <pc:docMk/>
+          <pc:sldMk cId="2460199759" sldId="299"/>
+        </pc:sldMkLst>
+        <pc:spChg chg="mod">
+          <ac:chgData name="劉　冠廷" userId="157cb8b2-10c8-4c98-be2a-24a6fef27960" providerId="ADAL" clId="{6622E921-AE26-46C1-AE4E-15D7C32E5AB6}" dt="2022-06-24T13:54:56.461" v="9180" actId="1076"/>
+          <ac:spMkLst>
+            <pc:docMk/>
+            <pc:sldMk cId="2460199759" sldId="299"/>
+            <ac:spMk id="19" creationId="{BBD1CAC7-CC03-AAFB-2FB3-4E83CAC42FD9}"/>
+          </ac:spMkLst>
+        </pc:spChg>
+        <pc:spChg chg="mod">
+          <ac:chgData name="劉　冠廷" userId="157cb8b2-10c8-4c98-be2a-24a6fef27960" providerId="ADAL" clId="{6622E921-AE26-46C1-AE4E-15D7C32E5AB6}" dt="2022-06-24T13:43:32.336" v="9041" actId="1076"/>
+          <ac:spMkLst>
+            <pc:docMk/>
+            <pc:sldMk cId="2460199759" sldId="299"/>
+            <ac:spMk id="47" creationId="{43971130-A1CE-BCE0-A9AB-B2944DF46088}"/>
+          </ac:spMkLst>
+        </pc:spChg>
+        <pc:spChg chg="mod">
+          <ac:chgData name="劉　冠廷" userId="157cb8b2-10c8-4c98-be2a-24a6fef27960" providerId="ADAL" clId="{6622E921-AE26-46C1-AE4E-15D7C32E5AB6}" dt="2022-06-24T13:38:28.436" v="9000"/>
+          <ac:spMkLst>
+            <pc:docMk/>
+            <pc:sldMk cId="2460199759" sldId="299"/>
+            <ac:spMk id="48" creationId="{D46887B6-AD31-BE44-0CCA-44B8D14327B7}"/>
+          </ac:spMkLst>
+        </pc:spChg>
+        <pc:spChg chg="mod">
+          <ac:chgData name="劉　冠廷" userId="157cb8b2-10c8-4c98-be2a-24a6fef27960" providerId="ADAL" clId="{6622E921-AE26-46C1-AE4E-15D7C32E5AB6}" dt="2022-06-24T13:38:28.436" v="9000"/>
+          <ac:spMkLst>
+            <pc:docMk/>
+            <pc:sldMk cId="2460199759" sldId="299"/>
+            <ac:spMk id="49" creationId="{05533588-693E-B4CE-AE5F-54D3D70AADB6}"/>
+          </ac:spMkLst>
+        </pc:spChg>
+        <pc:spChg chg="add mod">
+          <ac:chgData name="劉　冠廷" userId="157cb8b2-10c8-4c98-be2a-24a6fef27960" providerId="ADAL" clId="{6622E921-AE26-46C1-AE4E-15D7C32E5AB6}" dt="2022-06-24T13:43:35.819" v="9042" actId="164"/>
+          <ac:spMkLst>
+            <pc:docMk/>
+            <pc:sldMk cId="2460199759" sldId="299"/>
+            <ac:spMk id="50" creationId="{6D8BA37B-B5EE-29FE-E7A3-CA940054ED48}"/>
+          </ac:spMkLst>
+        </pc:spChg>
+        <pc:spChg chg="mod">
+          <ac:chgData name="劉　冠廷" userId="157cb8b2-10c8-4c98-be2a-24a6fef27960" providerId="ADAL" clId="{6622E921-AE26-46C1-AE4E-15D7C32E5AB6}" dt="2022-06-23T01:35:06.112" v="8839" actId="20577"/>
+          <ac:spMkLst>
+            <pc:docMk/>
+            <pc:sldMk cId="2460199759" sldId="299"/>
+            <ac:spMk id="110" creationId="{00000000-0000-0000-0000-000000000000}"/>
+          </ac:spMkLst>
+        </pc:spChg>
+        <pc:spChg chg="mod">
+          <ac:chgData name="劉　冠廷" userId="157cb8b2-10c8-4c98-be2a-24a6fef27960" providerId="ADAL" clId="{6622E921-AE26-46C1-AE4E-15D7C32E5AB6}" dt="2022-06-26T11:45:50.868" v="10500" actId="20577"/>
+          <ac:spMkLst>
+            <pc:docMk/>
+            <pc:sldMk cId="2460199759" sldId="299"/>
+            <ac:spMk id="111" creationId="{00000000-0000-0000-0000-000000000000}"/>
+          </ac:spMkLst>
+        </pc:spChg>
+        <pc:grpChg chg="mod">
+          <ac:chgData name="劉　冠廷" userId="157cb8b2-10c8-4c98-be2a-24a6fef27960" providerId="ADAL" clId="{6622E921-AE26-46C1-AE4E-15D7C32E5AB6}" dt="2022-06-24T13:44:38.375" v="9063" actId="14100"/>
+          <ac:grpSpMkLst>
+            <pc:docMk/>
+            <pc:sldMk cId="2460199759" sldId="299"/>
+            <ac:grpSpMk id="10" creationId="{5ACC5C0B-49E0-3459-9161-2591228F0573}"/>
+          </ac:grpSpMkLst>
+        </pc:grpChg>
+        <pc:grpChg chg="del">
+          <ac:chgData name="劉　冠廷" userId="157cb8b2-10c8-4c98-be2a-24a6fef27960" providerId="ADAL" clId="{6622E921-AE26-46C1-AE4E-15D7C32E5AB6}" dt="2022-06-23T01:36:10.983" v="8844" actId="478"/>
+          <ac:grpSpMkLst>
+            <pc:docMk/>
+            <pc:sldMk cId="2460199759" sldId="299"/>
+            <ac:grpSpMk id="11" creationId="{AB8464BD-BD07-66FB-4284-2F662E046089}"/>
+          </ac:grpSpMkLst>
+        </pc:grpChg>
+        <pc:grpChg chg="del">
+          <ac:chgData name="劉　冠廷" userId="157cb8b2-10c8-4c98-be2a-24a6fef27960" providerId="ADAL" clId="{6622E921-AE26-46C1-AE4E-15D7C32E5AB6}" dt="2022-06-23T01:36:17.084" v="8846" actId="478"/>
+          <ac:grpSpMkLst>
+            <pc:docMk/>
+            <pc:sldMk cId="2460199759" sldId="299"/>
+            <ac:grpSpMk id="21" creationId="{1C779E7C-9A14-D598-A0C9-C26AC492860E}"/>
+          </ac:grpSpMkLst>
+        </pc:grpChg>
+        <pc:grpChg chg="del">
+          <ac:chgData name="劉　冠廷" userId="157cb8b2-10c8-4c98-be2a-24a6fef27960" providerId="ADAL" clId="{6622E921-AE26-46C1-AE4E-15D7C32E5AB6}" dt="2022-06-23T01:36:18.720" v="8848" actId="478"/>
+          <ac:grpSpMkLst>
+            <pc:docMk/>
+            <pc:sldMk cId="2460199759" sldId="299"/>
+            <ac:grpSpMk id="22" creationId="{6A91FF7A-9FDE-C84F-6EBC-DA0755504890}"/>
+          </ac:grpSpMkLst>
+        </pc:grpChg>
+        <pc:grpChg chg="del">
+          <ac:chgData name="劉　冠廷" userId="157cb8b2-10c8-4c98-be2a-24a6fef27960" providerId="ADAL" clId="{6622E921-AE26-46C1-AE4E-15D7C32E5AB6}" dt="2022-06-23T01:36:17.783" v="8847" actId="478"/>
+          <ac:grpSpMkLst>
+            <pc:docMk/>
+            <pc:sldMk cId="2460199759" sldId="299"/>
+            <ac:grpSpMk id="25" creationId="{E88A806F-4DFD-2909-2DAB-65F986E1C7CB}"/>
+          </ac:grpSpMkLst>
+        </pc:grpChg>
+        <pc:grpChg chg="add mod">
+          <ac:chgData name="劉　冠廷" userId="157cb8b2-10c8-4c98-be2a-24a6fef27960" providerId="ADAL" clId="{6622E921-AE26-46C1-AE4E-15D7C32E5AB6}" dt="2022-06-24T13:44:46.487" v="9065" actId="14100"/>
+          <ac:grpSpMkLst>
+            <pc:docMk/>
+            <pc:sldMk cId="2460199759" sldId="299"/>
+            <ac:grpSpMk id="44" creationId="{77EB4B12-977A-3D24-6E89-A11451A9AD43}"/>
+          </ac:grpSpMkLst>
+        </pc:grpChg>
+        <pc:grpChg chg="add mod">
+          <ac:chgData name="劉　冠廷" userId="157cb8b2-10c8-4c98-be2a-24a6fef27960" providerId="ADAL" clId="{6622E921-AE26-46C1-AE4E-15D7C32E5AB6}" dt="2022-06-24T13:43:35.819" v="9042" actId="164"/>
+          <ac:grpSpMkLst>
+            <pc:docMk/>
+            <pc:sldMk cId="2460199759" sldId="299"/>
+            <ac:grpSpMk id="45" creationId="{CBAC8ED6-8F30-F576-5CF8-91490CBE944F}"/>
+          </ac:grpSpMkLst>
+        </pc:grpChg>
+        <pc:grpChg chg="mod">
+          <ac:chgData name="劉　冠廷" userId="157cb8b2-10c8-4c98-be2a-24a6fef27960" providerId="ADAL" clId="{6622E921-AE26-46C1-AE4E-15D7C32E5AB6}" dt="2022-06-24T13:38:28.436" v="9000"/>
+          <ac:grpSpMkLst>
+            <pc:docMk/>
+            <pc:sldMk cId="2460199759" sldId="299"/>
+            <ac:grpSpMk id="46" creationId="{159D441B-2DC3-6A98-CEBD-8DF714C6532F}"/>
+          </ac:grpSpMkLst>
+        </pc:grpChg>
+        <pc:picChg chg="del mod">
+          <ac:chgData name="劉　冠廷" userId="157cb8b2-10c8-4c98-be2a-24a6fef27960" providerId="ADAL" clId="{6622E921-AE26-46C1-AE4E-15D7C32E5AB6}" dt="2022-06-24T13:12:32.175" v="8945" actId="478"/>
+          <ac:picMkLst>
+            <pc:docMk/>
+            <pc:sldMk cId="2460199759" sldId="299"/>
+            <ac:picMk id="9" creationId="{4859A1A4-3B1A-8BE6-22DE-C4023F1FF771}"/>
+          </ac:picMkLst>
+        </pc:picChg>
+        <pc:picChg chg="del mod">
+          <ac:chgData name="劉　冠廷" userId="157cb8b2-10c8-4c98-be2a-24a6fef27960" providerId="ADAL" clId="{6622E921-AE26-46C1-AE4E-15D7C32E5AB6}" dt="2022-06-24T13:03:53.770" v="8927" actId="478"/>
+          <ac:picMkLst>
+            <pc:docMk/>
+            <pc:sldMk cId="2460199759" sldId="299"/>
+            <ac:picMk id="17" creationId="{4796A1FE-BEA2-C381-8735-33D87DA71847}"/>
+          </ac:picMkLst>
+        </pc:picChg>
+        <pc:picChg chg="add del mod">
+          <ac:chgData name="劉　冠廷" userId="157cb8b2-10c8-4c98-be2a-24a6fef27960" providerId="ADAL" clId="{6622E921-AE26-46C1-AE4E-15D7C32E5AB6}" dt="2022-06-24T13:04:31.903" v="8936" actId="478"/>
+          <ac:picMkLst>
+            <pc:docMk/>
+            <pc:sldMk cId="2460199759" sldId="299"/>
+            <ac:picMk id="28" creationId="{14149072-F2B5-0078-CB9A-A8D222E3B312}"/>
+          </ac:picMkLst>
+        </pc:picChg>
+        <pc:picChg chg="add del mod">
+          <ac:chgData name="劉　冠廷" userId="157cb8b2-10c8-4c98-be2a-24a6fef27960" providerId="ADAL" clId="{6622E921-AE26-46C1-AE4E-15D7C32E5AB6}" dt="2022-06-24T13:12:36.926" v="8950" actId="478"/>
+          <ac:picMkLst>
+            <pc:docMk/>
+            <pc:sldMk cId="2460199759" sldId="299"/>
+            <ac:picMk id="30" creationId="{64C89430-19C6-6021-900A-492ABA385B1D}"/>
+          </ac:picMkLst>
+        </pc:picChg>
+        <pc:picChg chg="add del mod">
+          <ac:chgData name="劉　冠廷" userId="157cb8b2-10c8-4c98-be2a-24a6fef27960" providerId="ADAL" clId="{6622E921-AE26-46C1-AE4E-15D7C32E5AB6}" dt="2022-06-24T13:35:26.689" v="8969" actId="478"/>
+          <ac:picMkLst>
+            <pc:docMk/>
+            <pc:sldMk cId="2460199759" sldId="299"/>
+            <ac:picMk id="32" creationId="{240ED856-5289-CC24-9C73-78ED09C32AE7}"/>
+          </ac:picMkLst>
+        </pc:picChg>
+        <pc:picChg chg="add del mod">
+          <ac:chgData name="劉　冠廷" userId="157cb8b2-10c8-4c98-be2a-24a6fef27960" providerId="ADAL" clId="{6622E921-AE26-46C1-AE4E-15D7C32E5AB6}" dt="2022-06-24T13:13:23.217" v="8955" actId="478"/>
+          <ac:picMkLst>
+            <pc:docMk/>
+            <pc:sldMk cId="2460199759" sldId="299"/>
+            <ac:picMk id="34" creationId="{85A86C46-B982-9A0D-2733-77B43D1D982B}"/>
+          </ac:picMkLst>
+        </pc:picChg>
+        <pc:picChg chg="add del mod">
+          <ac:chgData name="劉　冠廷" userId="157cb8b2-10c8-4c98-be2a-24a6fef27960" providerId="ADAL" clId="{6622E921-AE26-46C1-AE4E-15D7C32E5AB6}" dt="2022-06-24T13:35:25.282" v="8968" actId="478"/>
+          <ac:picMkLst>
+            <pc:docMk/>
+            <pc:sldMk cId="2460199759" sldId="299"/>
+            <ac:picMk id="36" creationId="{1DBEF676-38E3-0DDD-367A-722250506063}"/>
+          </ac:picMkLst>
+        </pc:picChg>
+        <pc:picChg chg="add del mod">
+          <ac:chgData name="劉　冠廷" userId="157cb8b2-10c8-4c98-be2a-24a6fef27960" providerId="ADAL" clId="{6622E921-AE26-46C1-AE4E-15D7C32E5AB6}" dt="2022-06-24T13:35:44.749" v="8981" actId="478"/>
+          <ac:picMkLst>
+            <pc:docMk/>
+            <pc:sldMk cId="2460199759" sldId="299"/>
+            <ac:picMk id="38" creationId="{913665FA-D954-7573-F4C6-AF37237B6C13}"/>
+          </ac:picMkLst>
+        </pc:picChg>
+        <pc:picChg chg="add mod">
+          <ac:chgData name="劉　冠廷" userId="157cb8b2-10c8-4c98-be2a-24a6fef27960" providerId="ADAL" clId="{6622E921-AE26-46C1-AE4E-15D7C32E5AB6}" dt="2022-06-24T13:45:05.919" v="9069" actId="1076"/>
+          <ac:picMkLst>
+            <pc:docMk/>
+            <pc:sldMk cId="2460199759" sldId="299"/>
+            <ac:picMk id="40" creationId="{8CFC29B7-0F7D-D07D-669E-D7B1E6C9F492}"/>
+          </ac:picMkLst>
+        </pc:picChg>
+        <pc:picChg chg="add mod">
+          <ac:chgData name="劉　冠廷" userId="157cb8b2-10c8-4c98-be2a-24a6fef27960" providerId="ADAL" clId="{6622E921-AE26-46C1-AE4E-15D7C32E5AB6}" dt="2022-06-24T13:45:07.463" v="9070" actId="1076"/>
+          <ac:picMkLst>
+            <pc:docMk/>
+            <pc:sldMk cId="2460199759" sldId="299"/>
+            <ac:picMk id="42" creationId="{FF49AD9B-84C7-48BA-E21B-8A4459F8C92C}"/>
+          </ac:picMkLst>
+        </pc:picChg>
+        <pc:picChg chg="add mod">
+          <ac:chgData name="劉　冠廷" userId="157cb8b2-10c8-4c98-be2a-24a6fef27960" providerId="ADAL" clId="{6622E921-AE26-46C1-AE4E-15D7C32E5AB6}" dt="2022-06-24T13:44:48.534" v="9066" actId="1076"/>
+          <ac:picMkLst>
+            <pc:docMk/>
+            <pc:sldMk cId="2460199759" sldId="299"/>
+            <ac:picMk id="43" creationId="{CD4F9F77-2540-824D-9895-4221FD1132AB}"/>
+          </ac:picMkLst>
+        </pc:picChg>
+      </pc:sldChg>
+      <pc:sldChg chg="add del">
+        <pc:chgData name="劉　冠廷" userId="157cb8b2-10c8-4c98-be2a-24a6fef27960" providerId="ADAL" clId="{6622E921-AE26-46C1-AE4E-15D7C32E5AB6}" dt="2022-06-24T14:07:57.630" v="9653" actId="2696"/>
+        <pc:sldMkLst>
+          <pc:docMk/>
+          <pc:sldMk cId="3008548597" sldId="300"/>
+        </pc:sldMkLst>
+      </pc:sldChg>
+      <pc:sldChg chg="addSp delSp modSp add mod">
+        <pc:chgData name="劉　冠廷" userId="157cb8b2-10c8-4c98-be2a-24a6fef27960" providerId="ADAL" clId="{6622E921-AE26-46C1-AE4E-15D7C32E5AB6}" dt="2022-06-26T11:58:46.888" v="10510" actId="14100"/>
+        <pc:sldMkLst>
+          <pc:docMk/>
+          <pc:sldMk cId="3083290222" sldId="301"/>
+        </pc:sldMkLst>
+        <pc:spChg chg="mod">
+          <ac:chgData name="劉　冠廷" userId="157cb8b2-10c8-4c98-be2a-24a6fef27960" providerId="ADAL" clId="{6622E921-AE26-46C1-AE4E-15D7C32E5AB6}" dt="2022-06-26T11:58:40.008" v="10506" actId="20577"/>
+          <ac:spMkLst>
+            <pc:docMk/>
+            <pc:sldMk cId="3083290222" sldId="301"/>
+            <ac:spMk id="4" creationId="{49F70D5E-9B45-EAAE-2F55-7DF164016490}"/>
+          </ac:spMkLst>
+        </pc:spChg>
+        <pc:spChg chg="mod">
+          <ac:chgData name="劉　冠廷" userId="157cb8b2-10c8-4c98-be2a-24a6fef27960" providerId="ADAL" clId="{6622E921-AE26-46C1-AE4E-15D7C32E5AB6}" dt="2022-06-26T11:58:40.008" v="10506" actId="20577"/>
+          <ac:spMkLst>
+            <pc:docMk/>
+            <pc:sldMk cId="3083290222" sldId="301"/>
+            <ac:spMk id="6" creationId="{E709673C-02A3-3250-17B6-43631D7F63D2}"/>
+          </ac:spMkLst>
+        </pc:spChg>
+        <pc:spChg chg="mod">
+          <ac:chgData name="劉　冠廷" userId="157cb8b2-10c8-4c98-be2a-24a6fef27960" providerId="ADAL" clId="{6622E921-AE26-46C1-AE4E-15D7C32E5AB6}" dt="2022-06-24T13:52:38.960" v="9176" actId="20577"/>
+          <ac:spMkLst>
+            <pc:docMk/>
+            <pc:sldMk cId="3083290222" sldId="301"/>
+            <ac:spMk id="19" creationId="{BBD1CAC7-CC03-AAFB-2FB3-4E83CAC42FD9}"/>
+          </ac:spMkLst>
+        </pc:spChg>
+        <pc:spChg chg="mod">
+          <ac:chgData name="劉　冠廷" userId="157cb8b2-10c8-4c98-be2a-24a6fef27960" providerId="ADAL" clId="{6622E921-AE26-46C1-AE4E-15D7C32E5AB6}" dt="2022-06-26T11:58:45.293" v="10509" actId="14100"/>
+          <ac:spMkLst>
+            <pc:docMk/>
+            <pc:sldMk cId="3083290222" sldId="301"/>
+            <ac:spMk id="111" creationId="{00000000-0000-0000-0000-000000000000}"/>
+          </ac:spMkLst>
+        </pc:spChg>
+        <pc:grpChg chg="mod">
+          <ac:chgData name="劉　冠廷" userId="157cb8b2-10c8-4c98-be2a-24a6fef27960" providerId="ADAL" clId="{6622E921-AE26-46C1-AE4E-15D7C32E5AB6}" dt="2022-06-26T11:58:40.008" v="10506" actId="20577"/>
+          <ac:grpSpMkLst>
+            <pc:docMk/>
+            <pc:sldMk cId="3083290222" sldId="301"/>
+            <ac:grpSpMk id="7" creationId="{0D67423B-6491-6D91-88ED-375EE86585DF}"/>
+          </ac:grpSpMkLst>
+        </pc:grpChg>
+        <pc:grpChg chg="mod">
+          <ac:chgData name="劉　冠廷" userId="157cb8b2-10c8-4c98-be2a-24a6fef27960" providerId="ADAL" clId="{6622E921-AE26-46C1-AE4E-15D7C32E5AB6}" dt="2022-06-26T11:58:46.888" v="10510" actId="14100"/>
+          <ac:grpSpMkLst>
+            <pc:docMk/>
+            <pc:sldMk cId="3083290222" sldId="301"/>
+            <ac:grpSpMk id="10" creationId="{5ACC5C0B-49E0-3459-9161-2591228F0573}"/>
+          </ac:grpSpMkLst>
+        </pc:grpChg>
+        <pc:picChg chg="del">
+          <ac:chgData name="劉　冠廷" userId="157cb8b2-10c8-4c98-be2a-24a6fef27960" providerId="ADAL" clId="{6622E921-AE26-46C1-AE4E-15D7C32E5AB6}" dt="2022-06-24T13:52:42.164" v="9177" actId="478"/>
+          <ac:picMkLst>
+            <pc:docMk/>
+            <pc:sldMk cId="3083290222" sldId="301"/>
+            <ac:picMk id="5" creationId="{023C8121-8960-0599-7C41-6307C48CE66B}"/>
+          </ac:picMkLst>
+        </pc:picChg>
+        <pc:picChg chg="add mod">
+          <ac:chgData name="劉　冠廷" userId="157cb8b2-10c8-4c98-be2a-24a6fef27960" providerId="ADAL" clId="{6622E921-AE26-46C1-AE4E-15D7C32E5AB6}" dt="2022-06-24T13:58:34.601" v="9365" actId="1076"/>
+          <ac:picMkLst>
+            <pc:docMk/>
+            <pc:sldMk cId="3083290222" sldId="301"/>
+            <ac:picMk id="8" creationId="{347E0739-0E72-CF86-DAE3-347C9E047CF6}"/>
+          </ac:picMkLst>
+        </pc:picChg>
+        <pc:picChg chg="add mod">
+          <ac:chgData name="劉　冠廷" userId="157cb8b2-10c8-4c98-be2a-24a6fef27960" providerId="ADAL" clId="{6622E921-AE26-46C1-AE4E-15D7C32E5AB6}" dt="2022-06-24T14:06:19.963" v="9652" actId="1076"/>
+          <ac:picMkLst>
+            <pc:docMk/>
+            <pc:sldMk cId="3083290222" sldId="301"/>
+            <ac:picMk id="11" creationId="{C612D15C-1B24-BBB3-DF78-9E79BA119C17}"/>
+          </ac:picMkLst>
+        </pc:picChg>
+        <pc:picChg chg="del">
+          <ac:chgData name="劉　冠廷" userId="157cb8b2-10c8-4c98-be2a-24a6fef27960" providerId="ADAL" clId="{6622E921-AE26-46C1-AE4E-15D7C32E5AB6}" dt="2022-06-24T13:52:43.632" v="9178" actId="478"/>
+          <ac:picMkLst>
+            <pc:docMk/>
+            <pc:sldMk cId="3083290222" sldId="301"/>
+            <ac:picMk id="12" creationId="{4E122E69-A677-3E4D-0E66-4D8C538191EE}"/>
+          </ac:picMkLst>
+        </pc:picChg>
       </pc:sldChg>
     </pc:docChg>
   </pc:docChgLst>
@@ -1666,6 +3477,30 @@
     </pc:docChg>
   </pc:docChgLst>
   <pc:docChgLst>
+    <pc:chgData name="劉　冠廷" userId="157cb8b2-10c8-4c98-be2a-24a6fef27960" providerId="ADAL" clId="{BB371BA9-58B2-4CA2-B3E7-84C0A53D4005}"/>
+    <pc:docChg chg="modSld">
+      <pc:chgData name="劉　冠廷" userId="157cb8b2-10c8-4c98-be2a-24a6fef27960" providerId="ADAL" clId="{BB371BA9-58B2-4CA2-B3E7-84C0A53D4005}" dt="2021-12-18T03:57:15.381" v="9" actId="20577"/>
+      <pc:docMkLst>
+        <pc:docMk/>
+      </pc:docMkLst>
+      <pc:sldChg chg="modSp mod">
+        <pc:chgData name="劉　冠廷" userId="157cb8b2-10c8-4c98-be2a-24a6fef27960" providerId="ADAL" clId="{BB371BA9-58B2-4CA2-B3E7-84C0A53D4005}" dt="2021-12-18T03:57:15.381" v="9" actId="20577"/>
+        <pc:sldMkLst>
+          <pc:docMk/>
+          <pc:sldMk cId="0" sldId="271"/>
+        </pc:sldMkLst>
+        <pc:spChg chg="mod">
+          <ac:chgData name="劉　冠廷" userId="157cb8b2-10c8-4c98-be2a-24a6fef27960" providerId="ADAL" clId="{BB371BA9-58B2-4CA2-B3E7-84C0A53D4005}" dt="2021-12-18T03:57:15.381" v="9" actId="20577"/>
+          <ac:spMkLst>
+            <pc:docMk/>
+            <pc:sldMk cId="0" sldId="271"/>
+            <ac:spMk id="224" creationId="{00000000-0000-0000-0000-000000000000}"/>
+          </ac:spMkLst>
+        </pc:spChg>
+      </pc:sldChg>
+    </pc:docChg>
+  </pc:docChgLst>
+  <pc:docChgLst>
     <pc:chgData name="劉　冠廷" userId="157cb8b2-10c8-4c98-be2a-24a6fef27960" providerId="ADAL" clId="{4D11F39D-A492-41B6-A563-553CF6B3E210}"/>
     <pc:docChg chg="custSel addSld modSld">
       <pc:chgData name="劉　冠廷" userId="157cb8b2-10c8-4c98-be2a-24a6fef27960" providerId="ADAL" clId="{4D11F39D-A492-41B6-A563-553CF6B3E210}" dt="2022-10-06T06:55:21.853" v="325" actId="1036"/>
@@ -1713,1837 +3548,26 @@
     </pc:docChg>
   </pc:docChgLst>
   <pc:docChgLst>
-    <pc:chgData name="劉　冠廷" userId="157cb8b2-10c8-4c98-be2a-24a6fef27960" providerId="ADAL" clId="{6622E921-AE26-46C1-AE4E-15D7C32E5AB6}"/>
-    <pc:docChg chg="undo redo custSel addSld delSld modSld sldOrd">
-      <pc:chgData name="劉　冠廷" userId="157cb8b2-10c8-4c98-be2a-24a6fef27960" providerId="ADAL" clId="{6622E921-AE26-46C1-AE4E-15D7C32E5AB6}" dt="2022-06-27T10:20:31.653" v="11100" actId="20577"/>
+    <pc:chgData name="劉　冠廷" userId="157cb8b2-10c8-4c98-be2a-24a6fef27960" providerId="ADAL" clId="{A2EBAACC-D2A4-43C9-BAD8-3FF7B22E147D}"/>
+    <pc:docChg chg="modSld">
+      <pc:chgData name="劉　冠廷" userId="157cb8b2-10c8-4c98-be2a-24a6fef27960" providerId="ADAL" clId="{A2EBAACC-D2A4-43C9-BAD8-3FF7B22E147D}" dt="2022-11-28T11:22:28.645" v="0" actId="20577"/>
       <pc:docMkLst>
         <pc:docMk/>
       </pc:docMkLst>
-      <pc:sldChg chg="del">
-        <pc:chgData name="劉　冠廷" userId="157cb8b2-10c8-4c98-be2a-24a6fef27960" providerId="ADAL" clId="{6622E921-AE26-46C1-AE4E-15D7C32E5AB6}" dt="2022-06-06T07:07:37.208" v="4" actId="2696"/>
-        <pc:sldMkLst>
-          <pc:docMk/>
-          <pc:sldMk cId="0" sldId="258"/>
-        </pc:sldMkLst>
-      </pc:sldChg>
-      <pc:sldChg chg="addSp delSp modSp add del mod ord modAnim">
-        <pc:chgData name="劉　冠廷" userId="157cb8b2-10c8-4c98-be2a-24a6fef27960" providerId="ADAL" clId="{6622E921-AE26-46C1-AE4E-15D7C32E5AB6}" dt="2022-06-21T04:40:12.569" v="8797" actId="2696"/>
-        <pc:sldMkLst>
-          <pc:docMk/>
-          <pc:sldMk cId="0" sldId="259"/>
-        </pc:sldMkLst>
-        <pc:spChg chg="add del mod">
-          <ac:chgData name="劉　冠廷" userId="157cb8b2-10c8-4c98-be2a-24a6fef27960" providerId="ADAL" clId="{6622E921-AE26-46C1-AE4E-15D7C32E5AB6}" dt="2022-06-14T03:43:48.327" v="3405"/>
-          <ac:spMkLst>
-            <pc:docMk/>
-            <pc:sldMk cId="0" sldId="259"/>
-            <ac:spMk id="7" creationId="{BB226F0D-6D9F-F9B6-75F2-2CC85483A277}"/>
-          </ac:spMkLst>
-        </pc:spChg>
-        <pc:spChg chg="mod">
-          <ac:chgData name="劉　冠廷" userId="157cb8b2-10c8-4c98-be2a-24a6fef27960" providerId="ADAL" clId="{6622E921-AE26-46C1-AE4E-15D7C32E5AB6}" dt="2022-06-20T05:51:15.805" v="4603"/>
-          <ac:spMkLst>
-            <pc:docMk/>
-            <pc:sldMk cId="0" sldId="259"/>
-            <ac:spMk id="8" creationId="{ED5F66FB-B68D-758D-A7FE-4A8861A9082B}"/>
-          </ac:spMkLst>
-        </pc:spChg>
-        <pc:spChg chg="del">
-          <ac:chgData name="劉　冠廷" userId="157cb8b2-10c8-4c98-be2a-24a6fef27960" providerId="ADAL" clId="{6622E921-AE26-46C1-AE4E-15D7C32E5AB6}" dt="2022-06-11T04:57:23.233" v="968" actId="478"/>
-          <ac:spMkLst>
-            <pc:docMk/>
-            <pc:sldMk cId="0" sldId="259"/>
-            <ac:spMk id="9" creationId="{948218A8-4E27-5C54-CC6E-FF9EC2E80F05}"/>
-          </ac:spMkLst>
-        </pc:spChg>
-        <pc:spChg chg="mod">
-          <ac:chgData name="劉　冠廷" userId="157cb8b2-10c8-4c98-be2a-24a6fef27960" providerId="ADAL" clId="{6622E921-AE26-46C1-AE4E-15D7C32E5AB6}" dt="2022-06-20T05:51:15.805" v="4603"/>
-          <ac:spMkLst>
-            <pc:docMk/>
-            <pc:sldMk cId="0" sldId="259"/>
-            <ac:spMk id="9" creationId="{EC661128-2A75-6814-123F-5EAB6C18FA58}"/>
-          </ac:spMkLst>
-        </pc:spChg>
-        <pc:spChg chg="mod">
-          <ac:chgData name="劉　冠廷" userId="157cb8b2-10c8-4c98-be2a-24a6fef27960" providerId="ADAL" clId="{6622E921-AE26-46C1-AE4E-15D7C32E5AB6}" dt="2022-06-20T05:51:15.805" v="4603"/>
-          <ac:spMkLst>
-            <pc:docMk/>
-            <pc:sldMk cId="0" sldId="259"/>
-            <ac:spMk id="10" creationId="{6ECC0CD6-03A4-4668-D86D-233046130A3C}"/>
-          </ac:spMkLst>
-        </pc:spChg>
-        <pc:spChg chg="mod">
-          <ac:chgData name="劉　冠廷" userId="157cb8b2-10c8-4c98-be2a-24a6fef27960" providerId="ADAL" clId="{6622E921-AE26-46C1-AE4E-15D7C32E5AB6}" dt="2022-06-14T00:47:17.914" v="3344" actId="20577"/>
-          <ac:spMkLst>
-            <pc:docMk/>
-            <pc:sldMk cId="0" sldId="259"/>
-            <ac:spMk id="110" creationId="{00000000-0000-0000-0000-000000000000}"/>
-          </ac:spMkLst>
-        </pc:spChg>
-        <pc:spChg chg="mod">
-          <ac:chgData name="劉　冠廷" userId="157cb8b2-10c8-4c98-be2a-24a6fef27960" providerId="ADAL" clId="{6622E921-AE26-46C1-AE4E-15D7C32E5AB6}" dt="2022-06-14T03:46:45.560" v="3531" actId="20577"/>
-          <ac:spMkLst>
-            <pc:docMk/>
-            <pc:sldMk cId="0" sldId="259"/>
-            <ac:spMk id="111" creationId="{00000000-0000-0000-0000-000000000000}"/>
-          </ac:spMkLst>
-        </pc:spChg>
-        <pc:grpChg chg="add del mod">
-          <ac:chgData name="劉　冠廷" userId="157cb8b2-10c8-4c98-be2a-24a6fef27960" providerId="ADAL" clId="{6622E921-AE26-46C1-AE4E-15D7C32E5AB6}" dt="2022-06-20T05:52:41.752" v="4624" actId="478"/>
-          <ac:grpSpMkLst>
-            <pc:docMk/>
-            <pc:sldMk cId="0" sldId="259"/>
-            <ac:grpSpMk id="6" creationId="{C98E1534-4A06-A2B3-7D16-0053F18D2104}"/>
-          </ac:grpSpMkLst>
-        </pc:grpChg>
-        <pc:grpChg chg="mod">
-          <ac:chgData name="劉　冠廷" userId="157cb8b2-10c8-4c98-be2a-24a6fef27960" providerId="ADAL" clId="{6622E921-AE26-46C1-AE4E-15D7C32E5AB6}" dt="2022-06-20T05:51:15.805" v="4603"/>
-          <ac:grpSpMkLst>
-            <pc:docMk/>
-            <pc:sldMk cId="0" sldId="259"/>
-            <ac:grpSpMk id="7" creationId="{39A108E1-4C91-9C3B-1F07-FB02F0739C36}"/>
-          </ac:grpSpMkLst>
-        </pc:grpChg>
-        <pc:picChg chg="del">
-          <ac:chgData name="劉　冠廷" userId="157cb8b2-10c8-4c98-be2a-24a6fef27960" providerId="ADAL" clId="{6622E921-AE26-46C1-AE4E-15D7C32E5AB6}" dt="2022-06-14T00:47:19.760" v="3345" actId="478"/>
-          <ac:picMkLst>
-            <pc:docMk/>
-            <pc:sldMk cId="0" sldId="259"/>
-            <ac:picMk id="5" creationId="{2F0F60C2-AF6C-FD47-CEA2-8F5724577698}"/>
-          </ac:picMkLst>
-        </pc:picChg>
-      </pc:sldChg>
-      <pc:sldChg chg="add del">
-        <pc:chgData name="劉　冠廷" userId="157cb8b2-10c8-4c98-be2a-24a6fef27960" providerId="ADAL" clId="{6622E921-AE26-46C1-AE4E-15D7C32E5AB6}" dt="2022-06-06T07:06:18.140" v="2" actId="2696"/>
-        <pc:sldMkLst>
-          <pc:docMk/>
-          <pc:sldMk cId="1890377942" sldId="282"/>
-        </pc:sldMkLst>
-      </pc:sldChg>
-      <pc:sldChg chg="add del">
-        <pc:chgData name="劉　冠廷" userId="157cb8b2-10c8-4c98-be2a-24a6fef27960" providerId="ADAL" clId="{6622E921-AE26-46C1-AE4E-15D7C32E5AB6}" dt="2022-06-06T07:06:18.140" v="2" actId="2696"/>
-        <pc:sldMkLst>
-          <pc:docMk/>
-          <pc:sldMk cId="3949656781" sldId="283"/>
-        </pc:sldMkLst>
-      </pc:sldChg>
-      <pc:sldChg chg="add del">
-        <pc:chgData name="劉　冠廷" userId="157cb8b2-10c8-4c98-be2a-24a6fef27960" providerId="ADAL" clId="{6622E921-AE26-46C1-AE4E-15D7C32E5AB6}" dt="2022-06-06T07:06:18.140" v="2" actId="2696"/>
-        <pc:sldMkLst>
-          <pc:docMk/>
-          <pc:sldMk cId="45206685" sldId="284"/>
-        </pc:sldMkLst>
-      </pc:sldChg>
-      <pc:sldChg chg="add del">
-        <pc:chgData name="劉　冠廷" userId="157cb8b2-10c8-4c98-be2a-24a6fef27960" providerId="ADAL" clId="{6622E921-AE26-46C1-AE4E-15D7C32E5AB6}" dt="2022-06-06T07:06:18.140" v="2" actId="2696"/>
-        <pc:sldMkLst>
-          <pc:docMk/>
-          <pc:sldMk cId="3736855782" sldId="285"/>
-        </pc:sldMkLst>
-      </pc:sldChg>
-      <pc:sldChg chg="add del">
-        <pc:chgData name="劉　冠廷" userId="157cb8b2-10c8-4c98-be2a-24a6fef27960" providerId="ADAL" clId="{6622E921-AE26-46C1-AE4E-15D7C32E5AB6}" dt="2022-06-06T07:20:34.556" v="438" actId="2696"/>
-        <pc:sldMkLst>
-          <pc:docMk/>
-          <pc:sldMk cId="3280963881" sldId="286"/>
-        </pc:sldMkLst>
-      </pc:sldChg>
-      <pc:sldChg chg="addSp delSp modSp new mod ord modAnim">
-        <pc:chgData name="劉　冠廷" userId="157cb8b2-10c8-4c98-be2a-24a6fef27960" providerId="ADAL" clId="{6622E921-AE26-46C1-AE4E-15D7C32E5AB6}" dt="2022-06-18T01:31:04.932" v="3741" actId="20577"/>
+      <pc:sldChg chg="modSp">
+        <pc:chgData name="劉　冠廷" userId="157cb8b2-10c8-4c98-be2a-24a6fef27960" providerId="ADAL" clId="{A2EBAACC-D2A4-43C9-BAD8-3FF7B22E147D}" dt="2022-11-28T11:22:28.645" v="0" actId="20577"/>
         <pc:sldMkLst>
           <pc:docMk/>
           <pc:sldMk cId="2726167223" sldId="287"/>
         </pc:sldMkLst>
-        <pc:spChg chg="del">
-          <ac:chgData name="劉　冠廷" userId="157cb8b2-10c8-4c98-be2a-24a6fef27960" providerId="ADAL" clId="{6622E921-AE26-46C1-AE4E-15D7C32E5AB6}" dt="2022-06-06T07:07:55.983" v="9" actId="478"/>
-          <ac:spMkLst>
-            <pc:docMk/>
-            <pc:sldMk cId="2726167223" sldId="287"/>
-            <ac:spMk id="2" creationId="{50C19F49-A77B-7D06-1B86-4E09BACE9420}"/>
-          </ac:spMkLst>
-        </pc:spChg>
-        <pc:spChg chg="del">
-          <ac:chgData name="劉　冠廷" userId="157cb8b2-10c8-4c98-be2a-24a6fef27960" providerId="ADAL" clId="{6622E921-AE26-46C1-AE4E-15D7C32E5AB6}" dt="2022-06-06T07:07:57.628" v="10" actId="478"/>
-          <ac:spMkLst>
-            <pc:docMk/>
-            <pc:sldMk cId="2726167223" sldId="287"/>
-            <ac:spMk id="3" creationId="{8DE273E5-90F5-519F-B0E2-ADDB7F5D44CF}"/>
-          </ac:spMkLst>
-        </pc:spChg>
-        <pc:spChg chg="add mod">
-          <ac:chgData name="劉　冠廷" userId="157cb8b2-10c8-4c98-be2a-24a6fef27960" providerId="ADAL" clId="{6622E921-AE26-46C1-AE4E-15D7C32E5AB6}" dt="2022-06-18T01:31:04.932" v="3741" actId="20577"/>
-          <ac:spMkLst>
-            <pc:docMk/>
-            <pc:sldMk cId="2726167223" sldId="287"/>
-            <ac:spMk id="4" creationId="{BB41B11D-8A7B-ED04-0DA5-F6E11042C02C}"/>
-          </ac:spMkLst>
-        </pc:spChg>
-        <pc:spChg chg="add mod">
-          <ac:chgData name="劉　冠廷" userId="157cb8b2-10c8-4c98-be2a-24a6fef27960" providerId="ADAL" clId="{6622E921-AE26-46C1-AE4E-15D7C32E5AB6}" dt="2022-06-11T05:14:00.651" v="1120" actId="207"/>
-          <ac:spMkLst>
-            <pc:docMk/>
-            <pc:sldMk cId="2726167223" sldId="287"/>
-            <ac:spMk id="5" creationId="{931F4166-E2B8-CC38-0C1A-A068FD2A1D58}"/>
-          </ac:spMkLst>
-        </pc:spChg>
-        <pc:spChg chg="add mod">
-          <ac:chgData name="劉　冠廷" userId="157cb8b2-10c8-4c98-be2a-24a6fef27960" providerId="ADAL" clId="{6622E921-AE26-46C1-AE4E-15D7C32E5AB6}" dt="2022-06-11T05:14:19.977" v="1122" actId="207"/>
+        <pc:spChg chg="mod">
+          <ac:chgData name="劉　冠廷" userId="157cb8b2-10c8-4c98-be2a-24a6fef27960" providerId="ADAL" clId="{A2EBAACC-D2A4-43C9-BAD8-3FF7B22E147D}" dt="2022-11-28T11:22:28.645" v="0" actId="20577"/>
           <ac:spMkLst>
             <pc:docMk/>
             <pc:sldMk cId="2726167223" sldId="287"/>
             <ac:spMk id="9" creationId="{CA3ED756-8E31-9890-0ACA-16D11762FF34}"/>
           </ac:spMkLst>
         </pc:spChg>
-        <pc:cxnChg chg="add mod">
-          <ac:chgData name="劉　冠廷" userId="157cb8b2-10c8-4c98-be2a-24a6fef27960" providerId="ADAL" clId="{6622E921-AE26-46C1-AE4E-15D7C32E5AB6}" dt="2022-06-06T07:42:40.007" v="738" actId="1076"/>
-          <ac:cxnSpMkLst>
-            <pc:docMk/>
-            <pc:sldMk cId="2726167223" sldId="287"/>
-            <ac:cxnSpMk id="7" creationId="{BCFB6E4E-C7A8-BFB3-FC99-8F1E84541D2E}"/>
-          </ac:cxnSpMkLst>
-        </pc:cxnChg>
-      </pc:sldChg>
-      <pc:sldChg chg="addSp delSp modSp add mod ord modShow">
-        <pc:chgData name="劉　冠廷" userId="157cb8b2-10c8-4c98-be2a-24a6fef27960" providerId="ADAL" clId="{6622E921-AE26-46C1-AE4E-15D7C32E5AB6}" dt="2022-06-14T04:46:37.976" v="3732" actId="729"/>
-        <pc:sldMkLst>
-          <pc:docMk/>
-          <pc:sldMk cId="4032392650" sldId="288"/>
-        </pc:sldMkLst>
-        <pc:spChg chg="add del">
-          <ac:chgData name="劉　冠廷" userId="157cb8b2-10c8-4c98-be2a-24a6fef27960" providerId="ADAL" clId="{6622E921-AE26-46C1-AE4E-15D7C32E5AB6}" dt="2022-06-06T07:22:27.136" v="476" actId="478"/>
-          <ac:spMkLst>
-            <pc:docMk/>
-            <pc:sldMk cId="4032392650" sldId="288"/>
-            <ac:spMk id="9" creationId="{948218A8-4E27-5C54-CC6E-FF9EC2E80F05}"/>
-          </ac:spMkLst>
-        </pc:spChg>
-        <pc:spChg chg="mod">
-          <ac:chgData name="劉　冠廷" userId="157cb8b2-10c8-4c98-be2a-24a6fef27960" providerId="ADAL" clId="{6622E921-AE26-46C1-AE4E-15D7C32E5AB6}" dt="2022-06-14T04:46:03.375" v="3727" actId="20577"/>
-          <ac:spMkLst>
-            <pc:docMk/>
-            <pc:sldMk cId="4032392650" sldId="288"/>
-            <ac:spMk id="110" creationId="{00000000-0000-0000-0000-000000000000}"/>
-          </ac:spMkLst>
-        </pc:spChg>
-        <pc:spChg chg="mod">
-          <ac:chgData name="劉　冠廷" userId="157cb8b2-10c8-4c98-be2a-24a6fef27960" providerId="ADAL" clId="{6622E921-AE26-46C1-AE4E-15D7C32E5AB6}" dt="2022-06-14T04:45:33.664" v="3725" actId="20577"/>
-          <ac:spMkLst>
-            <pc:docMk/>
-            <pc:sldMk cId="4032392650" sldId="288"/>
-            <ac:spMk id="111" creationId="{00000000-0000-0000-0000-000000000000}"/>
-          </ac:spMkLst>
-        </pc:spChg>
-        <pc:picChg chg="del mod">
-          <ac:chgData name="劉　冠廷" userId="157cb8b2-10c8-4c98-be2a-24a6fef27960" providerId="ADAL" clId="{6622E921-AE26-46C1-AE4E-15D7C32E5AB6}" dt="2022-06-06T07:22:24.970" v="475" actId="478"/>
-          <ac:picMkLst>
-            <pc:docMk/>
-            <pc:sldMk cId="4032392650" sldId="288"/>
-            <ac:picMk id="5" creationId="{2F0F60C2-AF6C-FD47-CEA2-8F5724577698}"/>
-          </ac:picMkLst>
-        </pc:picChg>
-      </pc:sldChg>
-      <pc:sldChg chg="addSp delSp modSp add mod addAnim delAnim modAnim">
-        <pc:chgData name="劉　冠廷" userId="157cb8b2-10c8-4c98-be2a-24a6fef27960" providerId="ADAL" clId="{6622E921-AE26-46C1-AE4E-15D7C32E5AB6}" dt="2022-06-27T06:34:32.889" v="10902" actId="1076"/>
-        <pc:sldMkLst>
-          <pc:docMk/>
-          <pc:sldMk cId="3602405841" sldId="289"/>
-        </pc:sldMkLst>
-        <pc:spChg chg="add del mod ord topLvl">
-          <ac:chgData name="劉　冠廷" userId="157cb8b2-10c8-4c98-be2a-24a6fef27960" providerId="ADAL" clId="{6622E921-AE26-46C1-AE4E-15D7C32E5AB6}" dt="2022-06-11T05:16:22.391" v="1138" actId="478"/>
-          <ac:spMkLst>
-            <pc:docMk/>
-            <pc:sldMk cId="3602405841" sldId="289"/>
-            <ac:spMk id="3" creationId="{B9FED372-E01E-3137-C883-66DCB0709493}"/>
-          </ac:spMkLst>
-        </pc:spChg>
-        <pc:spChg chg="add del mod topLvl">
-          <ac:chgData name="劉　冠廷" userId="157cb8b2-10c8-4c98-be2a-24a6fef27960" providerId="ADAL" clId="{6622E921-AE26-46C1-AE4E-15D7C32E5AB6}" dt="2022-06-11T06:22:28.404" v="1711" actId="1076"/>
-          <ac:spMkLst>
-            <pc:docMk/>
-            <pc:sldMk cId="3602405841" sldId="289"/>
-            <ac:spMk id="4" creationId="{49F70D5E-9B45-EAAE-2F55-7DF164016490}"/>
-          </ac:spMkLst>
-        </pc:spChg>
-        <pc:spChg chg="add del">
-          <ac:chgData name="劉　冠廷" userId="157cb8b2-10c8-4c98-be2a-24a6fef27960" providerId="ADAL" clId="{6622E921-AE26-46C1-AE4E-15D7C32E5AB6}" dt="2022-06-21T03:59:34.312" v="8220" actId="478"/>
-          <ac:spMkLst>
-            <pc:docMk/>
-            <pc:sldMk cId="3602405841" sldId="289"/>
-            <ac:spMk id="6" creationId="{1072D838-1340-9A4A-178A-9E3724C5287B}"/>
-          </ac:spMkLst>
-        </pc:spChg>
-        <pc:spChg chg="add mod ord">
-          <ac:chgData name="劉　冠廷" userId="157cb8b2-10c8-4c98-be2a-24a6fef27960" providerId="ADAL" clId="{6622E921-AE26-46C1-AE4E-15D7C32E5AB6}" dt="2022-06-11T05:16:58.736" v="1153" actId="164"/>
-          <ac:spMkLst>
-            <pc:docMk/>
-            <pc:sldMk cId="3602405841" sldId="289"/>
-            <ac:spMk id="6" creationId="{E709673C-02A3-3250-17B6-43631D7F63D2}"/>
-          </ac:spMkLst>
-        </pc:spChg>
-        <pc:spChg chg="mod">
-          <ac:chgData name="劉　冠廷" userId="157cb8b2-10c8-4c98-be2a-24a6fef27960" providerId="ADAL" clId="{6622E921-AE26-46C1-AE4E-15D7C32E5AB6}" dt="2022-06-11T14:15:14.585" v="1839" actId="20577"/>
-          <ac:spMkLst>
-            <pc:docMk/>
-            <pc:sldMk cId="3602405841" sldId="289"/>
-            <ac:spMk id="14" creationId="{B17168A2-D93C-84FF-2CBF-8A868BBA1CBE}"/>
-          </ac:spMkLst>
-        </pc:spChg>
-        <pc:spChg chg="mod">
-          <ac:chgData name="劉　冠廷" userId="157cb8b2-10c8-4c98-be2a-24a6fef27960" providerId="ADAL" clId="{6622E921-AE26-46C1-AE4E-15D7C32E5AB6}" dt="2022-06-11T14:15:14.585" v="1839" actId="20577"/>
-          <ac:spMkLst>
-            <pc:docMk/>
-            <pc:sldMk cId="3602405841" sldId="289"/>
-            <ac:spMk id="15" creationId="{7F8C7691-C29C-CDA0-A0D6-4A34DED8643B}"/>
-          </ac:spMkLst>
-        </pc:spChg>
-        <pc:spChg chg="add del mod">
-          <ac:chgData name="劉　冠廷" userId="157cb8b2-10c8-4c98-be2a-24a6fef27960" providerId="ADAL" clId="{6622E921-AE26-46C1-AE4E-15D7C32E5AB6}" dt="2022-06-11T14:15:14.585" v="1839" actId="20577"/>
-          <ac:spMkLst>
-            <pc:docMk/>
-            <pc:sldMk cId="3602405841" sldId="289"/>
-            <ac:spMk id="16" creationId="{0C7793C7-FEBB-934C-A652-E862F093A0D0}"/>
-          </ac:spMkLst>
-        </pc:spChg>
-        <pc:spChg chg="add del mod">
-          <ac:chgData name="劉　冠廷" userId="157cb8b2-10c8-4c98-be2a-24a6fef27960" providerId="ADAL" clId="{6622E921-AE26-46C1-AE4E-15D7C32E5AB6}" dt="2022-06-13T23:42:47.595" v="1910" actId="478"/>
-          <ac:spMkLst>
-            <pc:docMk/>
-            <pc:sldMk cId="3602405841" sldId="289"/>
-            <ac:spMk id="19" creationId="{BBD1CAC7-CC03-AAFB-2FB3-4E83CAC42FD9}"/>
-          </ac:spMkLst>
-        </pc:spChg>
-        <pc:spChg chg="mod">
-          <ac:chgData name="劉　冠廷" userId="157cb8b2-10c8-4c98-be2a-24a6fef27960" providerId="ADAL" clId="{6622E921-AE26-46C1-AE4E-15D7C32E5AB6}" dt="2022-06-14T04:46:55.873" v="3739" actId="20577"/>
-          <ac:spMkLst>
-            <pc:docMk/>
-            <pc:sldMk cId="3602405841" sldId="289"/>
-            <ac:spMk id="110" creationId="{00000000-0000-0000-0000-000000000000}"/>
-          </ac:spMkLst>
-        </pc:spChg>
-        <pc:spChg chg="add del mod topLvl">
-          <ac:chgData name="劉　冠廷" userId="157cb8b2-10c8-4c98-be2a-24a6fef27960" providerId="ADAL" clId="{6622E921-AE26-46C1-AE4E-15D7C32E5AB6}" dt="2022-06-13T23:42:48.682" v="1911" actId="478"/>
-          <ac:spMkLst>
-            <pc:docMk/>
-            <pc:sldMk cId="3602405841" sldId="289"/>
-            <ac:spMk id="111" creationId="{00000000-0000-0000-0000-000000000000}"/>
-          </ac:spMkLst>
-        </pc:spChg>
-        <pc:grpChg chg="add del mod ord">
-          <ac:chgData name="劉　冠廷" userId="157cb8b2-10c8-4c98-be2a-24a6fef27960" providerId="ADAL" clId="{6622E921-AE26-46C1-AE4E-15D7C32E5AB6}" dt="2022-06-11T05:14:49.997" v="1125" actId="165"/>
-          <ac:grpSpMkLst>
-            <pc:docMk/>
-            <pc:sldMk cId="3602405841" sldId="289"/>
-            <ac:grpSpMk id="5" creationId="{0398115F-A412-2660-921A-7C30A6933336}"/>
-          </ac:grpSpMkLst>
-        </pc:grpChg>
-        <pc:grpChg chg="add del mod topLvl">
-          <ac:chgData name="劉　冠廷" userId="157cb8b2-10c8-4c98-be2a-24a6fef27960" providerId="ADAL" clId="{6622E921-AE26-46C1-AE4E-15D7C32E5AB6}" dt="2022-06-13T23:42:49.493" v="1912" actId="478"/>
-          <ac:grpSpMkLst>
-            <pc:docMk/>
-            <pc:sldMk cId="3602405841" sldId="289"/>
-            <ac:grpSpMk id="7" creationId="{0D67423B-6491-6D91-88ED-375EE86585DF}"/>
-          </ac:grpSpMkLst>
-        </pc:grpChg>
-        <pc:grpChg chg="add del mod">
-          <ac:chgData name="劉　冠廷" userId="157cb8b2-10c8-4c98-be2a-24a6fef27960" providerId="ADAL" clId="{6622E921-AE26-46C1-AE4E-15D7C32E5AB6}" dt="2022-06-13T23:42:48.682" v="1911" actId="478"/>
-          <ac:grpSpMkLst>
-            <pc:docMk/>
-            <pc:sldMk cId="3602405841" sldId="289"/>
-            <ac:grpSpMk id="10" creationId="{5ACC5C0B-49E0-3459-9161-2591228F0573}"/>
-          </ac:grpSpMkLst>
-        </pc:grpChg>
-        <pc:grpChg chg="add del mod">
-          <ac:chgData name="劉　冠廷" userId="157cb8b2-10c8-4c98-be2a-24a6fef27960" providerId="ADAL" clId="{6622E921-AE26-46C1-AE4E-15D7C32E5AB6}" dt="2022-06-13T23:42:51.230" v="1913" actId="478"/>
-          <ac:grpSpMkLst>
-            <pc:docMk/>
-            <pc:sldMk cId="3602405841" sldId="289"/>
-            <ac:grpSpMk id="11" creationId="{AB8464BD-BD07-66FB-4284-2F662E046089}"/>
-          </ac:grpSpMkLst>
-        </pc:grpChg>
-        <pc:grpChg chg="add del mod">
-          <ac:chgData name="劉　冠廷" userId="157cb8b2-10c8-4c98-be2a-24a6fef27960" providerId="ADAL" clId="{6622E921-AE26-46C1-AE4E-15D7C32E5AB6}" dt="2022-06-11T14:15:14.585" v="1839" actId="20577"/>
-          <ac:grpSpMkLst>
-            <pc:docMk/>
-            <pc:sldMk cId="3602405841" sldId="289"/>
-            <ac:grpSpMk id="13" creationId="{1DAB8E0F-1F89-562A-1BC0-A38736CFD036}"/>
-          </ac:grpSpMkLst>
-        </pc:grpChg>
-        <pc:picChg chg="add del mod">
-          <ac:chgData name="劉　冠廷" userId="157cb8b2-10c8-4c98-be2a-24a6fef27960" providerId="ADAL" clId="{6622E921-AE26-46C1-AE4E-15D7C32E5AB6}" dt="2022-06-27T06:27:35.402" v="10872" actId="478"/>
-          <ac:picMkLst>
-            <pc:docMk/>
-            <pc:sldMk cId="3602405841" sldId="289"/>
-            <ac:picMk id="4" creationId="{10206195-5FEB-BCE3-0E11-0918CBD77CB0}"/>
-          </ac:picMkLst>
-        </pc:picChg>
-        <pc:picChg chg="add del mod">
-          <ac:chgData name="劉　冠廷" userId="157cb8b2-10c8-4c98-be2a-24a6fef27960" providerId="ADAL" clId="{6622E921-AE26-46C1-AE4E-15D7C32E5AB6}" dt="2022-06-14T01:53:01.216" v="3385" actId="478"/>
-          <ac:picMkLst>
-            <pc:docMk/>
-            <pc:sldMk cId="3602405841" sldId="289"/>
-            <ac:picMk id="5" creationId="{3BCEA18D-FD95-CA1F-7CF4-6989692480A6}"/>
-          </ac:picMkLst>
-        </pc:picChg>
-        <pc:picChg chg="add mod">
-          <ac:chgData name="劉　冠廷" userId="157cb8b2-10c8-4c98-be2a-24a6fef27960" providerId="ADAL" clId="{6622E921-AE26-46C1-AE4E-15D7C32E5AB6}" dt="2022-06-27T06:30:45.813" v="10895" actId="1076"/>
-          <ac:picMkLst>
-            <pc:docMk/>
-            <pc:sldMk cId="3602405841" sldId="289"/>
-            <ac:picMk id="5" creationId="{65BBF683-5A4C-D25A-4BBB-1FC5FD7665E9}"/>
-          </ac:picMkLst>
-        </pc:picChg>
-        <pc:picChg chg="add del mod">
-          <ac:chgData name="劉　冠廷" userId="157cb8b2-10c8-4c98-be2a-24a6fef27960" providerId="ADAL" clId="{6622E921-AE26-46C1-AE4E-15D7C32E5AB6}" dt="2022-06-27T06:28:48.727" v="10883" actId="478"/>
-          <ac:picMkLst>
-            <pc:docMk/>
-            <pc:sldMk cId="3602405841" sldId="289"/>
-            <ac:picMk id="7" creationId="{D85D1826-A46E-702E-CC89-4C132C6C0F62}"/>
-          </ac:picMkLst>
-        </pc:picChg>
-        <pc:picChg chg="add del mod">
-          <ac:chgData name="劉　冠廷" userId="157cb8b2-10c8-4c98-be2a-24a6fef27960" providerId="ADAL" clId="{6622E921-AE26-46C1-AE4E-15D7C32E5AB6}" dt="2022-06-13T23:42:52.169" v="1914" actId="478"/>
-          <ac:picMkLst>
-            <pc:docMk/>
-            <pc:sldMk cId="3602405841" sldId="289"/>
-            <ac:picMk id="9" creationId="{4859A1A4-3B1A-8BE6-22DE-C4023F1FF771}"/>
-          </ac:picMkLst>
-        </pc:picChg>
-        <pc:picChg chg="add mod">
-          <ac:chgData name="劉　冠廷" userId="157cb8b2-10c8-4c98-be2a-24a6fef27960" providerId="ADAL" clId="{6622E921-AE26-46C1-AE4E-15D7C32E5AB6}" dt="2022-06-27T06:34:29.276" v="10899" actId="1076"/>
-          <ac:picMkLst>
-            <pc:docMk/>
-            <pc:sldMk cId="3602405841" sldId="289"/>
-            <ac:picMk id="9" creationId="{6A507045-551A-FD89-ADC7-73067464F41C}"/>
-          </ac:picMkLst>
-        </pc:picChg>
-        <pc:picChg chg="add mod">
-          <ac:chgData name="劉　冠廷" userId="157cb8b2-10c8-4c98-be2a-24a6fef27960" providerId="ADAL" clId="{6622E921-AE26-46C1-AE4E-15D7C32E5AB6}" dt="2022-06-27T06:34:32.889" v="10902" actId="1076"/>
-          <ac:picMkLst>
-            <pc:docMk/>
-            <pc:sldMk cId="3602405841" sldId="289"/>
-            <ac:picMk id="10" creationId="{9183E3D0-BD1D-7715-6187-314236600D30}"/>
-          </ac:picMkLst>
-        </pc:picChg>
-        <pc:picChg chg="add del mod">
-          <ac:chgData name="劉　冠廷" userId="157cb8b2-10c8-4c98-be2a-24a6fef27960" providerId="ADAL" clId="{6622E921-AE26-46C1-AE4E-15D7C32E5AB6}" dt="2022-06-14T01:53:22.745" v="3396" actId="478"/>
-          <ac:picMkLst>
-            <pc:docMk/>
-            <pc:sldMk cId="3602405841" sldId="289"/>
-            <ac:picMk id="12" creationId="{10147C98-E190-95A7-6B34-7B3811A170F6}"/>
-          </ac:picMkLst>
-        </pc:picChg>
-        <pc:picChg chg="add del mod">
-          <ac:chgData name="劉　冠廷" userId="157cb8b2-10c8-4c98-be2a-24a6fef27960" providerId="ADAL" clId="{6622E921-AE26-46C1-AE4E-15D7C32E5AB6}" dt="2022-06-14T01:48:48.362" v="3378" actId="478"/>
-          <ac:picMkLst>
-            <pc:docMk/>
-            <pc:sldMk cId="3602405841" sldId="289"/>
-            <ac:picMk id="18" creationId="{396C3FFE-91DE-7AE7-1C06-3C9D96004CDF}"/>
-          </ac:picMkLst>
-        </pc:picChg>
-        <pc:picChg chg="add del mod">
-          <ac:chgData name="劉　冠廷" userId="157cb8b2-10c8-4c98-be2a-24a6fef27960" providerId="ADAL" clId="{6622E921-AE26-46C1-AE4E-15D7C32E5AB6}" dt="2022-06-14T04:46:52.837" v="3734" actId="478"/>
-          <ac:picMkLst>
-            <pc:docMk/>
-            <pc:sldMk cId="3602405841" sldId="289"/>
-            <ac:picMk id="21" creationId="{B67F731E-858E-7965-61D8-D1AEE779F526}"/>
-          </ac:picMkLst>
-        </pc:picChg>
-        <pc:picChg chg="add del mod">
-          <ac:chgData name="劉　冠廷" userId="157cb8b2-10c8-4c98-be2a-24a6fef27960" providerId="ADAL" clId="{6622E921-AE26-46C1-AE4E-15D7C32E5AB6}" dt="2022-06-14T01:53:11.791" v="3391" actId="478"/>
-          <ac:picMkLst>
-            <pc:docMk/>
-            <pc:sldMk cId="3602405841" sldId="289"/>
-            <ac:picMk id="23" creationId="{EF8C0440-CE95-49CA-A9CA-1A309F252DDE}"/>
-          </ac:picMkLst>
-        </pc:picChg>
-        <pc:picChg chg="add del mod modCrop">
-          <ac:chgData name="劉　冠廷" userId="157cb8b2-10c8-4c98-be2a-24a6fef27960" providerId="ADAL" clId="{6622E921-AE26-46C1-AE4E-15D7C32E5AB6}" dt="2022-06-14T04:46:53.130" v="3735" actId="478"/>
-          <ac:picMkLst>
-            <pc:docMk/>
-            <pc:sldMk cId="3602405841" sldId="289"/>
-            <ac:picMk id="25" creationId="{AAF33C87-BFA3-3A8D-7382-3BE5910E9146}"/>
-          </ac:picMkLst>
-        </pc:picChg>
-        <pc:picChg chg="add del mod">
-          <ac:chgData name="劉　冠廷" userId="157cb8b2-10c8-4c98-be2a-24a6fef27960" providerId="ADAL" clId="{6622E921-AE26-46C1-AE4E-15D7C32E5AB6}" dt="2022-06-14T04:46:52.521" v="3733" actId="478"/>
-          <ac:picMkLst>
-            <pc:docMk/>
-            <pc:sldMk cId="3602405841" sldId="289"/>
-            <ac:picMk id="27" creationId="{F96DCC60-CD71-FDF8-B1E4-2AB3317EF698}"/>
-          </ac:picMkLst>
-        </pc:picChg>
-      </pc:sldChg>
-      <pc:sldChg chg="addSp delSp modSp add mod delAnim modAnim">
-        <pc:chgData name="劉　冠廷" userId="157cb8b2-10c8-4c98-be2a-24a6fef27960" providerId="ADAL" clId="{6622E921-AE26-46C1-AE4E-15D7C32E5AB6}" dt="2022-06-27T02:21:22.656" v="10871"/>
-        <pc:sldMkLst>
-          <pc:docMk/>
-          <pc:sldMk cId="1428105522" sldId="290"/>
-        </pc:sldMkLst>
-        <pc:spChg chg="add mod">
-          <ac:chgData name="劉　冠廷" userId="157cb8b2-10c8-4c98-be2a-24a6fef27960" providerId="ADAL" clId="{6622E921-AE26-46C1-AE4E-15D7C32E5AB6}" dt="2022-06-27T02:21:22.656" v="10871"/>
-          <ac:spMkLst>
-            <pc:docMk/>
-            <pc:sldMk cId="1428105522" sldId="290"/>
-            <ac:spMk id="8" creationId="{DBDE80DD-3E64-7C76-4815-2B40F2EB8C70}"/>
-          </ac:spMkLst>
-        </pc:spChg>
-        <pc:spChg chg="del mod">
-          <ac:chgData name="劉　冠廷" userId="157cb8b2-10c8-4c98-be2a-24a6fef27960" providerId="ADAL" clId="{6622E921-AE26-46C1-AE4E-15D7C32E5AB6}" dt="2022-06-11T04:58:09.580" v="987" actId="478"/>
-          <ac:spMkLst>
-            <pc:docMk/>
-            <pc:sldMk cId="1428105522" sldId="290"/>
-            <ac:spMk id="9" creationId="{948218A8-4E27-5C54-CC6E-FF9EC2E80F05}"/>
-          </ac:spMkLst>
-        </pc:spChg>
-        <pc:spChg chg="mod">
-          <ac:chgData name="劉　冠廷" userId="157cb8b2-10c8-4c98-be2a-24a6fef27960" providerId="ADAL" clId="{6622E921-AE26-46C1-AE4E-15D7C32E5AB6}" dt="2022-06-11T04:57:30.658" v="971" actId="1076"/>
-          <ac:spMkLst>
-            <pc:docMk/>
-            <pc:sldMk cId="1428105522" sldId="290"/>
-            <ac:spMk id="110" creationId="{00000000-0000-0000-0000-000000000000}"/>
-          </ac:spMkLst>
-        </pc:spChg>
-        <pc:spChg chg="del">
-          <ac:chgData name="劉　冠廷" userId="157cb8b2-10c8-4c98-be2a-24a6fef27960" providerId="ADAL" clId="{6622E921-AE26-46C1-AE4E-15D7C32E5AB6}" dt="2022-06-11T04:56:16.196" v="932" actId="478"/>
-          <ac:spMkLst>
-            <pc:docMk/>
-            <pc:sldMk cId="1428105522" sldId="290"/>
-            <ac:spMk id="111" creationId="{00000000-0000-0000-0000-000000000000}"/>
-          </ac:spMkLst>
-        </pc:spChg>
-        <pc:picChg chg="del">
-          <ac:chgData name="劉　冠廷" userId="157cb8b2-10c8-4c98-be2a-24a6fef27960" providerId="ADAL" clId="{6622E921-AE26-46C1-AE4E-15D7C32E5AB6}" dt="2022-06-11T04:56:16.547" v="933" actId="478"/>
-          <ac:picMkLst>
-            <pc:docMk/>
-            <pc:sldMk cId="1428105522" sldId="290"/>
-            <ac:picMk id="5" creationId="{2F0F60C2-AF6C-FD47-CEA2-8F5724577698}"/>
-          </ac:picMkLst>
-        </pc:picChg>
-      </pc:sldChg>
-      <pc:sldChg chg="addSp delSp modSp add mod ord delAnim modAnim">
-        <pc:chgData name="劉　冠廷" userId="157cb8b2-10c8-4c98-be2a-24a6fef27960" providerId="ADAL" clId="{6622E921-AE26-46C1-AE4E-15D7C32E5AB6}" dt="2022-06-27T08:04:14.205" v="10984" actId="20577"/>
-        <pc:sldMkLst>
-          <pc:docMk/>
-          <pc:sldMk cId="2807844247" sldId="291"/>
-        </pc:sldMkLst>
-        <pc:spChg chg="mod">
-          <ac:chgData name="劉　冠廷" userId="157cb8b2-10c8-4c98-be2a-24a6fef27960" providerId="ADAL" clId="{6622E921-AE26-46C1-AE4E-15D7C32E5AB6}" dt="2022-06-14T00:21:10.065" v="2746" actId="20577"/>
-          <ac:spMkLst>
-            <pc:docMk/>
-            <pc:sldMk cId="2807844247" sldId="291"/>
-            <ac:spMk id="7" creationId="{1FC52DE2-6D5A-8515-4130-22A8F45ADB4F}"/>
-          </ac:spMkLst>
-        </pc:spChg>
-        <pc:spChg chg="del mod">
-          <ac:chgData name="劉　冠廷" userId="157cb8b2-10c8-4c98-be2a-24a6fef27960" providerId="ADAL" clId="{6622E921-AE26-46C1-AE4E-15D7C32E5AB6}" dt="2022-06-13T23:39:29.627" v="1862" actId="478"/>
-          <ac:spMkLst>
-            <pc:docMk/>
-            <pc:sldMk cId="2807844247" sldId="291"/>
-            <ac:spMk id="8" creationId="{DBDE80DD-3E64-7C76-4815-2B40F2EB8C70}"/>
-          </ac:spMkLst>
-        </pc:spChg>
-        <pc:spChg chg="mod">
-          <ac:chgData name="劉　冠廷" userId="157cb8b2-10c8-4c98-be2a-24a6fef27960" providerId="ADAL" clId="{6622E921-AE26-46C1-AE4E-15D7C32E5AB6}" dt="2022-06-14T00:21:10.065" v="2746" actId="20577"/>
-          <ac:spMkLst>
-            <pc:docMk/>
-            <pc:sldMk cId="2807844247" sldId="291"/>
-            <ac:spMk id="9" creationId="{3586E337-9D47-66CD-0A8D-35D8A7F9C36D}"/>
-          </ac:spMkLst>
-        </pc:spChg>
-        <pc:spChg chg="add mod">
-          <ac:chgData name="劉　冠廷" userId="157cb8b2-10c8-4c98-be2a-24a6fef27960" providerId="ADAL" clId="{6622E921-AE26-46C1-AE4E-15D7C32E5AB6}" dt="2022-06-27T08:00:27.014" v="10956" actId="20577"/>
-          <ac:spMkLst>
-            <pc:docMk/>
-            <pc:sldMk cId="2807844247" sldId="291"/>
-            <ac:spMk id="10" creationId="{B762CAB6-DA24-5CE1-A3CF-7F524CB7F5BF}"/>
-          </ac:spMkLst>
-        </pc:spChg>
-        <pc:spChg chg="mod">
-          <ac:chgData name="劉　冠廷" userId="157cb8b2-10c8-4c98-be2a-24a6fef27960" providerId="ADAL" clId="{6622E921-AE26-46C1-AE4E-15D7C32E5AB6}" dt="2022-06-27T08:04:14.205" v="10984" actId="20577"/>
-          <ac:spMkLst>
-            <pc:docMk/>
-            <pc:sldMk cId="2807844247" sldId="291"/>
-            <ac:spMk id="13" creationId="{0C8143CF-D936-266F-A11A-73C537E1A255}"/>
-          </ac:spMkLst>
-        </pc:spChg>
-        <pc:spChg chg="mod">
-          <ac:chgData name="劉　冠廷" userId="157cb8b2-10c8-4c98-be2a-24a6fef27960" providerId="ADAL" clId="{6622E921-AE26-46C1-AE4E-15D7C32E5AB6}" dt="2022-06-13T23:40:13.092" v="1878"/>
-          <ac:spMkLst>
-            <pc:docMk/>
-            <pc:sldMk cId="2807844247" sldId="291"/>
-            <ac:spMk id="14" creationId="{258B8961-9E8B-086F-31C1-12AB3DE2EC80}"/>
-          </ac:spMkLst>
-        </pc:spChg>
-        <pc:spChg chg="mod">
-          <ac:chgData name="劉　冠廷" userId="157cb8b2-10c8-4c98-be2a-24a6fef27960" providerId="ADAL" clId="{6622E921-AE26-46C1-AE4E-15D7C32E5AB6}" dt="2022-06-13T23:40:13.092" v="1878"/>
-          <ac:spMkLst>
-            <pc:docMk/>
-            <pc:sldMk cId="2807844247" sldId="291"/>
-            <ac:spMk id="15" creationId="{C4C29DE2-D19A-4FE5-D30C-519B6116E592}"/>
-          </ac:spMkLst>
-        </pc:spChg>
-        <pc:spChg chg="mod">
-          <ac:chgData name="劉　冠廷" userId="157cb8b2-10c8-4c98-be2a-24a6fef27960" providerId="ADAL" clId="{6622E921-AE26-46C1-AE4E-15D7C32E5AB6}" dt="2022-06-14T04:38:34.560" v="3705" actId="20577"/>
-          <ac:spMkLst>
-            <pc:docMk/>
-            <pc:sldMk cId="2807844247" sldId="291"/>
-            <ac:spMk id="110" creationId="{00000000-0000-0000-0000-000000000000}"/>
-          </ac:spMkLst>
-        </pc:spChg>
-        <pc:grpChg chg="add mod">
-          <ac:chgData name="劉　冠廷" userId="157cb8b2-10c8-4c98-be2a-24a6fef27960" providerId="ADAL" clId="{6622E921-AE26-46C1-AE4E-15D7C32E5AB6}" dt="2022-06-14T00:21:24.695" v="2749" actId="14100"/>
-          <ac:grpSpMkLst>
-            <pc:docMk/>
-            <pc:sldMk cId="2807844247" sldId="291"/>
-            <ac:grpSpMk id="3" creationId="{09E42043-D148-4FDE-4F97-3790E6B7C525}"/>
-          </ac:grpSpMkLst>
-        </pc:grpChg>
-        <pc:grpChg chg="add mod">
-          <ac:chgData name="劉　冠廷" userId="157cb8b2-10c8-4c98-be2a-24a6fef27960" providerId="ADAL" clId="{6622E921-AE26-46C1-AE4E-15D7C32E5AB6}" dt="2022-06-14T00:21:10.065" v="2746" actId="20577"/>
-          <ac:grpSpMkLst>
-            <pc:docMk/>
-            <pc:sldMk cId="2807844247" sldId="291"/>
-            <ac:grpSpMk id="6" creationId="{5502CCF7-D7AD-7112-4725-02E3AE9D5294}"/>
-          </ac:grpSpMkLst>
-        </pc:grpChg>
-        <pc:grpChg chg="add mod">
-          <ac:chgData name="劉　冠廷" userId="157cb8b2-10c8-4c98-be2a-24a6fef27960" providerId="ADAL" clId="{6622E921-AE26-46C1-AE4E-15D7C32E5AB6}" dt="2022-06-14T00:20:02.327" v="2708" actId="1076"/>
-          <ac:grpSpMkLst>
-            <pc:docMk/>
-            <pc:sldMk cId="2807844247" sldId="291"/>
-            <ac:grpSpMk id="11" creationId="{1B6D2D1D-AB16-1E2A-F1C3-7D78B505235C}"/>
-          </ac:grpSpMkLst>
-        </pc:grpChg>
-        <pc:grpChg chg="mod">
-          <ac:chgData name="劉　冠廷" userId="157cb8b2-10c8-4c98-be2a-24a6fef27960" providerId="ADAL" clId="{6622E921-AE26-46C1-AE4E-15D7C32E5AB6}" dt="2022-06-13T23:40:13.092" v="1878"/>
-          <ac:grpSpMkLst>
-            <pc:docMk/>
-            <pc:sldMk cId="2807844247" sldId="291"/>
-            <ac:grpSpMk id="12" creationId="{957BC713-F442-A5FF-23C6-0F9B49F72A4C}"/>
-          </ac:grpSpMkLst>
-        </pc:grpChg>
-        <pc:picChg chg="add del mod">
-          <ac:chgData name="劉　冠廷" userId="157cb8b2-10c8-4c98-be2a-24a6fef27960" providerId="ADAL" clId="{6622E921-AE26-46C1-AE4E-15D7C32E5AB6}" dt="2022-06-27T07:32:39.719" v="10940" actId="478"/>
-          <ac:picMkLst>
-            <pc:docMk/>
-            <pc:sldMk cId="2807844247" sldId="291"/>
-            <ac:picMk id="5" creationId="{49415641-97F6-47A6-2D3F-732C5A1F27A8}"/>
-          </ac:picMkLst>
-        </pc:picChg>
-        <pc:picChg chg="add del mod">
-          <ac:chgData name="劉　冠廷" userId="157cb8b2-10c8-4c98-be2a-24a6fef27960" providerId="ADAL" clId="{6622E921-AE26-46C1-AE4E-15D7C32E5AB6}" dt="2022-06-27T07:32:52.864" v="10945" actId="478"/>
-          <ac:picMkLst>
-            <pc:docMk/>
-            <pc:sldMk cId="2807844247" sldId="291"/>
-            <ac:picMk id="16" creationId="{A83A5F48-DF80-475F-387D-CC0466C64369}"/>
-          </ac:picMkLst>
-        </pc:picChg>
-        <pc:picChg chg="add mod modCrop">
-          <ac:chgData name="劉　冠廷" userId="157cb8b2-10c8-4c98-be2a-24a6fef27960" providerId="ADAL" clId="{6622E921-AE26-46C1-AE4E-15D7C32E5AB6}" dt="2022-06-27T07:34:33.569" v="10954" actId="732"/>
-          <ac:picMkLst>
-            <pc:docMk/>
-            <pc:sldMk cId="2807844247" sldId="291"/>
-            <ac:picMk id="18" creationId="{66A2F725-651F-E724-CAEA-A9EEA0FBA67F}"/>
-          </ac:picMkLst>
-        </pc:picChg>
-      </pc:sldChg>
-      <pc:sldChg chg="addSp delSp modSp add mod">
-        <pc:chgData name="劉　冠廷" userId="157cb8b2-10c8-4c98-be2a-24a6fef27960" providerId="ADAL" clId="{6622E921-AE26-46C1-AE4E-15D7C32E5AB6}" dt="2022-06-27T08:31:21.096" v="11012" actId="20577"/>
-        <pc:sldMkLst>
-          <pc:docMk/>
-          <pc:sldMk cId="3168577595" sldId="292"/>
-        </pc:sldMkLst>
-        <pc:spChg chg="mod">
-          <ac:chgData name="劉　冠廷" userId="157cb8b2-10c8-4c98-be2a-24a6fef27960" providerId="ADAL" clId="{6622E921-AE26-46C1-AE4E-15D7C32E5AB6}" dt="2022-06-25T02:51:19.346" v="10181" actId="14100"/>
-          <ac:spMkLst>
-            <pc:docMk/>
-            <pc:sldMk cId="3168577595" sldId="292"/>
-            <ac:spMk id="14" creationId="{B17168A2-D93C-84FF-2CBF-8A868BBA1CBE}"/>
-          </ac:spMkLst>
-        </pc:spChg>
-        <pc:spChg chg="mod">
-          <ac:chgData name="劉　冠廷" userId="157cb8b2-10c8-4c98-be2a-24a6fef27960" providerId="ADAL" clId="{6622E921-AE26-46C1-AE4E-15D7C32E5AB6}" dt="2022-06-25T05:37:51.255" v="10341" actId="20577"/>
-          <ac:spMkLst>
-            <pc:docMk/>
-            <pc:sldMk cId="3168577595" sldId="292"/>
-            <ac:spMk id="16" creationId="{0C7793C7-FEBB-934C-A652-E862F093A0D0}"/>
-          </ac:spMkLst>
-        </pc:spChg>
-        <pc:spChg chg="mod">
-          <ac:chgData name="劉　冠廷" userId="157cb8b2-10c8-4c98-be2a-24a6fef27960" providerId="ADAL" clId="{6622E921-AE26-46C1-AE4E-15D7C32E5AB6}" dt="2022-06-25T00:34:41.034" v="9787" actId="1076"/>
-          <ac:spMkLst>
-            <pc:docMk/>
-            <pc:sldMk cId="3168577595" sldId="292"/>
-            <ac:spMk id="19" creationId="{BBD1CAC7-CC03-AAFB-2FB3-4E83CAC42FD9}"/>
-          </ac:spMkLst>
-        </pc:spChg>
-        <pc:spChg chg="mod">
-          <ac:chgData name="劉　冠廷" userId="157cb8b2-10c8-4c98-be2a-24a6fef27960" providerId="ADAL" clId="{6622E921-AE26-46C1-AE4E-15D7C32E5AB6}" dt="2022-06-25T00:31:01.767" v="9667"/>
-          <ac:spMkLst>
-            <pc:docMk/>
-            <pc:sldMk cId="3168577595" sldId="292"/>
-            <ac:spMk id="32" creationId="{F3632C9D-85B9-49B8-CEA0-3C8E3C19073E}"/>
-          </ac:spMkLst>
-        </pc:spChg>
-        <pc:spChg chg="mod">
-          <ac:chgData name="劉　冠廷" userId="157cb8b2-10c8-4c98-be2a-24a6fef27960" providerId="ADAL" clId="{6622E921-AE26-46C1-AE4E-15D7C32E5AB6}" dt="2022-06-25T00:31:01.767" v="9667"/>
-          <ac:spMkLst>
-            <pc:docMk/>
-            <pc:sldMk cId="3168577595" sldId="292"/>
-            <ac:spMk id="33" creationId="{5CD17962-CB80-7D93-2F5A-063BF9675518}"/>
-          </ac:spMkLst>
-        </pc:spChg>
-        <pc:spChg chg="mod">
-          <ac:chgData name="劉　冠廷" userId="157cb8b2-10c8-4c98-be2a-24a6fef27960" providerId="ADAL" clId="{6622E921-AE26-46C1-AE4E-15D7C32E5AB6}" dt="2022-06-25T00:31:01.767" v="9667"/>
-          <ac:spMkLst>
-            <pc:docMk/>
-            <pc:sldMk cId="3168577595" sldId="292"/>
-            <ac:spMk id="34" creationId="{34276DA8-FD59-3FDB-0810-16D8DDF97974}"/>
-          </ac:spMkLst>
-        </pc:spChg>
-        <pc:spChg chg="mod">
-          <ac:chgData name="劉　冠廷" userId="157cb8b2-10c8-4c98-be2a-24a6fef27960" providerId="ADAL" clId="{6622E921-AE26-46C1-AE4E-15D7C32E5AB6}" dt="2022-06-27T08:31:21.096" v="11012" actId="20577"/>
-          <ac:spMkLst>
-            <pc:docMk/>
-            <pc:sldMk cId="3168577595" sldId="292"/>
-            <ac:spMk id="37" creationId="{BD82AA24-A53E-0DEB-3A8D-ADCE52E3A300}"/>
-          </ac:spMkLst>
-        </pc:spChg>
-        <pc:spChg chg="mod">
-          <ac:chgData name="劉　冠廷" userId="157cb8b2-10c8-4c98-be2a-24a6fef27960" providerId="ADAL" clId="{6622E921-AE26-46C1-AE4E-15D7C32E5AB6}" dt="2022-06-25T00:31:14.366" v="9670"/>
-          <ac:spMkLst>
-            <pc:docMk/>
-            <pc:sldMk cId="3168577595" sldId="292"/>
-            <ac:spMk id="40" creationId="{A8F2207E-184B-BA8E-6E3F-0935DF74F74C}"/>
-          </ac:spMkLst>
-        </pc:spChg>
-        <pc:spChg chg="mod">
-          <ac:chgData name="劉　冠廷" userId="157cb8b2-10c8-4c98-be2a-24a6fef27960" providerId="ADAL" clId="{6622E921-AE26-46C1-AE4E-15D7C32E5AB6}" dt="2022-06-25T00:32:44.937" v="9750" actId="14100"/>
-          <ac:spMkLst>
-            <pc:docMk/>
-            <pc:sldMk cId="3168577595" sldId="292"/>
-            <ac:spMk id="41" creationId="{033FEFDD-0A01-5A97-DF70-6CE005AFC6DE}"/>
-          </ac:spMkLst>
-        </pc:spChg>
-        <pc:spChg chg="mod">
-          <ac:chgData name="劉　冠廷" userId="157cb8b2-10c8-4c98-be2a-24a6fef27960" providerId="ADAL" clId="{6622E921-AE26-46C1-AE4E-15D7C32E5AB6}" dt="2022-06-25T00:31:14.366" v="9670"/>
-          <ac:spMkLst>
-            <pc:docMk/>
-            <pc:sldMk cId="3168577595" sldId="292"/>
-            <ac:spMk id="42" creationId="{29C9174A-5FDB-B39B-ABA1-2257DCA225DD}"/>
-          </ac:spMkLst>
-        </pc:spChg>
-        <pc:spChg chg="mod">
-          <ac:chgData name="劉　冠廷" userId="157cb8b2-10c8-4c98-be2a-24a6fef27960" providerId="ADAL" clId="{6622E921-AE26-46C1-AE4E-15D7C32E5AB6}" dt="2022-06-24T14:08:03.458" v="9654" actId="20577"/>
-          <ac:spMkLst>
-            <pc:docMk/>
-            <pc:sldMk cId="3168577595" sldId="292"/>
-            <ac:spMk id="110" creationId="{00000000-0000-0000-0000-000000000000}"/>
-          </ac:spMkLst>
-        </pc:spChg>
-        <pc:spChg chg="mod">
-          <ac:chgData name="劉　冠廷" userId="157cb8b2-10c8-4c98-be2a-24a6fef27960" providerId="ADAL" clId="{6622E921-AE26-46C1-AE4E-15D7C32E5AB6}" dt="2022-06-21T04:31:21.260" v="8582"/>
-          <ac:spMkLst>
-            <pc:docMk/>
-            <pc:sldMk cId="3168577595" sldId="292"/>
-            <ac:spMk id="111" creationId="{00000000-0000-0000-0000-000000000000}"/>
-          </ac:spMkLst>
-        </pc:spChg>
-        <pc:grpChg chg="add del mod">
-          <ac:chgData name="劉　冠廷" userId="157cb8b2-10c8-4c98-be2a-24a6fef27960" providerId="ADAL" clId="{6622E921-AE26-46C1-AE4E-15D7C32E5AB6}" dt="2022-06-25T00:32:31.531" v="9747" actId="478"/>
-          <ac:grpSpMkLst>
-            <pc:docMk/>
-            <pc:sldMk cId="3168577595" sldId="292"/>
-            <ac:grpSpMk id="10" creationId="{5ACC5C0B-49E0-3459-9161-2591228F0573}"/>
-          </ac:grpSpMkLst>
-        </pc:grpChg>
-        <pc:grpChg chg="mod ord">
-          <ac:chgData name="劉　冠廷" userId="157cb8b2-10c8-4c98-be2a-24a6fef27960" providerId="ADAL" clId="{6622E921-AE26-46C1-AE4E-15D7C32E5AB6}" dt="2022-06-25T00:38:40.940" v="9919" actId="1076"/>
-          <ac:grpSpMkLst>
-            <pc:docMk/>
-            <pc:sldMk cId="3168577595" sldId="292"/>
-            <ac:grpSpMk id="11" creationId="{AB8464BD-BD07-66FB-4284-2F662E046089}"/>
-          </ac:grpSpMkLst>
-        </pc:grpChg>
-        <pc:grpChg chg="del mod">
-          <ac:chgData name="劉　冠廷" userId="157cb8b2-10c8-4c98-be2a-24a6fef27960" providerId="ADAL" clId="{6622E921-AE26-46C1-AE4E-15D7C32E5AB6}" dt="2022-06-24T14:08:23.536" v="9657" actId="478"/>
-          <ac:grpSpMkLst>
-            <pc:docMk/>
-            <pc:sldMk cId="3168577595" sldId="292"/>
-            <ac:grpSpMk id="21" creationId="{1C779E7C-9A14-D598-A0C9-C26AC492860E}"/>
-          </ac:grpSpMkLst>
-        </pc:grpChg>
-        <pc:grpChg chg="del mod">
-          <ac:chgData name="劉　冠廷" userId="157cb8b2-10c8-4c98-be2a-24a6fef27960" providerId="ADAL" clId="{6622E921-AE26-46C1-AE4E-15D7C32E5AB6}" dt="2022-06-24T14:08:24.047" v="9658" actId="478"/>
-          <ac:grpSpMkLst>
-            <pc:docMk/>
-            <pc:sldMk cId="3168577595" sldId="292"/>
-            <ac:grpSpMk id="22" creationId="{6A91FF7A-9FDE-C84F-6EBC-DA0755504890}"/>
-          </ac:grpSpMkLst>
-        </pc:grpChg>
-        <pc:grpChg chg="del mod">
-          <ac:chgData name="劉　冠廷" userId="157cb8b2-10c8-4c98-be2a-24a6fef27960" providerId="ADAL" clId="{6622E921-AE26-46C1-AE4E-15D7C32E5AB6}" dt="2022-06-24T14:08:23.202" v="9656" actId="478"/>
-          <ac:grpSpMkLst>
-            <pc:docMk/>
-            <pc:sldMk cId="3168577595" sldId="292"/>
-            <ac:grpSpMk id="25" creationId="{E88A806F-4DFD-2909-2DAB-65F986E1C7CB}"/>
-          </ac:grpSpMkLst>
-        </pc:grpChg>
-        <pc:grpChg chg="add del mod">
-          <ac:chgData name="劉　冠廷" userId="157cb8b2-10c8-4c98-be2a-24a6fef27960" providerId="ADAL" clId="{6622E921-AE26-46C1-AE4E-15D7C32E5AB6}" dt="2022-06-25T00:31:04.534" v="9668"/>
-          <ac:grpSpMkLst>
-            <pc:docMk/>
-            <pc:sldMk cId="3168577595" sldId="292"/>
-            <ac:grpSpMk id="30" creationId="{61961840-E3FF-67C1-48FB-E96B1F28E670}"/>
-          </ac:grpSpMkLst>
-        </pc:grpChg>
-        <pc:grpChg chg="mod">
-          <ac:chgData name="劉　冠廷" userId="157cb8b2-10c8-4c98-be2a-24a6fef27960" providerId="ADAL" clId="{6622E921-AE26-46C1-AE4E-15D7C32E5AB6}" dt="2022-06-25T00:31:01.767" v="9667"/>
-          <ac:grpSpMkLst>
-            <pc:docMk/>
-            <pc:sldMk cId="3168577595" sldId="292"/>
-            <ac:grpSpMk id="31" creationId="{61C8F293-0CBF-D6A7-87DC-627B135410E5}"/>
-          </ac:grpSpMkLst>
-        </pc:grpChg>
-        <pc:grpChg chg="add mod">
-          <ac:chgData name="劉　冠廷" userId="157cb8b2-10c8-4c98-be2a-24a6fef27960" providerId="ADAL" clId="{6622E921-AE26-46C1-AE4E-15D7C32E5AB6}" dt="2022-06-25T00:34:45.021" v="9788" actId="1076"/>
-          <ac:grpSpMkLst>
-            <pc:docMk/>
-            <pc:sldMk cId="3168577595" sldId="292"/>
-            <ac:grpSpMk id="35" creationId="{16697721-200F-8129-5D46-ADFA337238E2}"/>
-          </ac:grpSpMkLst>
-        </pc:grpChg>
-        <pc:grpChg chg="mod">
-          <ac:chgData name="劉　冠廷" userId="157cb8b2-10c8-4c98-be2a-24a6fef27960" providerId="ADAL" clId="{6622E921-AE26-46C1-AE4E-15D7C32E5AB6}" dt="2022-06-25T00:31:14.366" v="9670"/>
-          <ac:grpSpMkLst>
-            <pc:docMk/>
-            <pc:sldMk cId="3168577595" sldId="292"/>
-            <ac:grpSpMk id="36" creationId="{84897054-C944-81F6-4DB3-93E109556BCF}"/>
-          </ac:grpSpMkLst>
-        </pc:grpChg>
-        <pc:grpChg chg="mod">
-          <ac:chgData name="劉　冠廷" userId="157cb8b2-10c8-4c98-be2a-24a6fef27960" providerId="ADAL" clId="{6622E921-AE26-46C1-AE4E-15D7C32E5AB6}" dt="2022-06-25T00:31:14.366" v="9670"/>
-          <ac:grpSpMkLst>
-            <pc:docMk/>
-            <pc:sldMk cId="3168577595" sldId="292"/>
-            <ac:grpSpMk id="39" creationId="{DB92A524-F55F-B6B9-46F0-B9C4F4505457}"/>
-          </ac:grpSpMkLst>
-        </pc:grpChg>
-        <pc:picChg chg="del">
-          <ac:chgData name="劉　冠廷" userId="157cb8b2-10c8-4c98-be2a-24a6fef27960" providerId="ADAL" clId="{6622E921-AE26-46C1-AE4E-15D7C32E5AB6}" dt="2022-06-25T00:30:37.999" v="9662" actId="478"/>
-          <ac:picMkLst>
-            <pc:docMk/>
-            <pc:sldMk cId="3168577595" sldId="292"/>
-            <ac:picMk id="9" creationId="{4859A1A4-3B1A-8BE6-22DE-C4023F1FF771}"/>
-          </ac:picMkLst>
-        </pc:picChg>
-        <pc:picChg chg="add del mod">
-          <ac:chgData name="劉　冠廷" userId="157cb8b2-10c8-4c98-be2a-24a6fef27960" providerId="ADAL" clId="{6622E921-AE26-46C1-AE4E-15D7C32E5AB6}" dt="2022-06-24T14:08:19.962" v="9655" actId="478"/>
-          <ac:picMkLst>
-            <pc:docMk/>
-            <pc:sldMk cId="3168577595" sldId="292"/>
-            <ac:picMk id="17" creationId="{4796A1FE-BEA2-C381-8735-33D87DA71847}"/>
-          </ac:picMkLst>
-        </pc:picChg>
-        <pc:picChg chg="mod">
-          <ac:chgData name="劉　冠廷" userId="157cb8b2-10c8-4c98-be2a-24a6fef27960" providerId="ADAL" clId="{6622E921-AE26-46C1-AE4E-15D7C32E5AB6}" dt="2022-06-25T00:31:14.366" v="9670"/>
-          <ac:picMkLst>
-            <pc:docMk/>
-            <pc:sldMk cId="3168577595" sldId="292"/>
-            <ac:picMk id="38" creationId="{88A66807-8334-3685-CB65-A48D042329F0}"/>
-          </ac:picMkLst>
-        </pc:picChg>
-        <pc:inkChg chg="add mod">
-          <ac:chgData name="劉　冠廷" userId="157cb8b2-10c8-4c98-be2a-24a6fef27960" providerId="ADAL" clId="{6622E921-AE26-46C1-AE4E-15D7C32E5AB6}" dt="2022-06-21T04:28:05.004" v="8486"/>
-          <ac:inkMkLst>
-            <pc:docMk/>
-            <pc:sldMk cId="3168577595" sldId="292"/>
-            <ac:inkMk id="3" creationId="{0FDD96B3-225E-2381-A03C-CA1AF4D218CD}"/>
-          </ac:inkMkLst>
-        </pc:inkChg>
-        <pc:inkChg chg="add mod">
-          <ac:chgData name="劉　冠廷" userId="157cb8b2-10c8-4c98-be2a-24a6fef27960" providerId="ADAL" clId="{6622E921-AE26-46C1-AE4E-15D7C32E5AB6}" dt="2022-06-21T04:28:05.004" v="8486"/>
-          <ac:inkMkLst>
-            <pc:docMk/>
-            <pc:sldMk cId="3168577595" sldId="292"/>
-            <ac:inkMk id="5" creationId="{DC189E87-35B9-2789-0823-74726FD6E71A}"/>
-          </ac:inkMkLst>
-        </pc:inkChg>
-        <pc:inkChg chg="add mod">
-          <ac:chgData name="劉　冠廷" userId="157cb8b2-10c8-4c98-be2a-24a6fef27960" providerId="ADAL" clId="{6622E921-AE26-46C1-AE4E-15D7C32E5AB6}" dt="2022-06-21T04:28:05.004" v="8486"/>
-          <ac:inkMkLst>
-            <pc:docMk/>
-            <pc:sldMk cId="3168577595" sldId="292"/>
-            <ac:inkMk id="8" creationId="{C9C0778B-DB70-FC45-B038-672541C78496}"/>
-          </ac:inkMkLst>
-        </pc:inkChg>
-        <pc:inkChg chg="add mod">
-          <ac:chgData name="劉　冠廷" userId="157cb8b2-10c8-4c98-be2a-24a6fef27960" providerId="ADAL" clId="{6622E921-AE26-46C1-AE4E-15D7C32E5AB6}" dt="2022-06-21T04:28:05.004" v="8486"/>
-          <ac:inkMkLst>
-            <pc:docMk/>
-            <pc:sldMk cId="3168577595" sldId="292"/>
-            <ac:inkMk id="12" creationId="{A424DD7E-1E94-CD26-DD36-0DBCC0134CA6}"/>
-          </ac:inkMkLst>
-        </pc:inkChg>
-        <pc:inkChg chg="add mod">
-          <ac:chgData name="劉　冠廷" userId="157cb8b2-10c8-4c98-be2a-24a6fef27960" providerId="ADAL" clId="{6622E921-AE26-46C1-AE4E-15D7C32E5AB6}" dt="2022-06-21T04:28:05.004" v="8486"/>
-          <ac:inkMkLst>
-            <pc:docMk/>
-            <pc:sldMk cId="3168577595" sldId="292"/>
-            <ac:inkMk id="18" creationId="{A3DA532F-6053-BE7B-DAE9-65379366AEE4}"/>
-          </ac:inkMkLst>
-        </pc:inkChg>
-        <pc:inkChg chg="add mod">
-          <ac:chgData name="劉　冠廷" userId="157cb8b2-10c8-4c98-be2a-24a6fef27960" providerId="ADAL" clId="{6622E921-AE26-46C1-AE4E-15D7C32E5AB6}" dt="2022-06-21T04:28:05.004" v="8486"/>
-          <ac:inkMkLst>
-            <pc:docMk/>
-            <pc:sldMk cId="3168577595" sldId="292"/>
-            <ac:inkMk id="20" creationId="{A14F509F-A650-538E-46A1-879EB3F56399}"/>
-          </ac:inkMkLst>
-        </pc:inkChg>
-        <pc:inkChg chg="add mod">
-          <ac:chgData name="劉　冠廷" userId="157cb8b2-10c8-4c98-be2a-24a6fef27960" providerId="ADAL" clId="{6622E921-AE26-46C1-AE4E-15D7C32E5AB6}" dt="2022-06-21T04:28:06.153" v="8489"/>
-          <ac:inkMkLst>
-            <pc:docMk/>
-            <pc:sldMk cId="3168577595" sldId="292"/>
-            <ac:inkMk id="23" creationId="{34363297-768D-3E61-6902-01E5D22D13C3}"/>
-          </ac:inkMkLst>
-        </pc:inkChg>
-        <pc:inkChg chg="add mod">
-          <ac:chgData name="劉　冠廷" userId="157cb8b2-10c8-4c98-be2a-24a6fef27960" providerId="ADAL" clId="{6622E921-AE26-46C1-AE4E-15D7C32E5AB6}" dt="2022-06-21T04:28:06.153" v="8489"/>
-          <ac:inkMkLst>
-            <pc:docMk/>
-            <pc:sldMk cId="3168577595" sldId="292"/>
-            <ac:inkMk id="24" creationId="{8DF76B6B-7800-4C26-B21F-26BC4FF3CC8A}"/>
-          </ac:inkMkLst>
-        </pc:inkChg>
-        <pc:inkChg chg="add del">
-          <ac:chgData name="劉　冠廷" userId="157cb8b2-10c8-4c98-be2a-24a6fef27960" providerId="ADAL" clId="{6622E921-AE26-46C1-AE4E-15D7C32E5AB6}" dt="2022-06-25T00:30:49.349" v="9665" actId="478"/>
-          <ac:inkMkLst>
-            <pc:docMk/>
-            <pc:sldMk cId="3168577595" sldId="292"/>
-            <ac:inkMk id="26" creationId="{C9B13F44-246F-6596-B733-7907816508CC}"/>
-          </ac:inkMkLst>
-        </pc:inkChg>
-      </pc:sldChg>
-      <pc:sldChg chg="add mod modShow">
-        <pc:chgData name="劉　冠廷" userId="157cb8b2-10c8-4c98-be2a-24a6fef27960" providerId="ADAL" clId="{6622E921-AE26-46C1-AE4E-15D7C32E5AB6}" dt="2022-06-14T00:11:35.686" v="2570" actId="729"/>
-        <pc:sldMkLst>
-          <pc:docMk/>
-          <pc:sldMk cId="1909238726" sldId="293"/>
-        </pc:sldMkLst>
-      </pc:sldChg>
-      <pc:sldChg chg="addSp delSp modSp add mod delAnim">
-        <pc:chgData name="劉　冠廷" userId="157cb8b2-10c8-4c98-be2a-24a6fef27960" providerId="ADAL" clId="{6622E921-AE26-46C1-AE4E-15D7C32E5AB6}" dt="2022-06-27T10:16:56.803" v="11032" actId="20577"/>
-        <pc:sldMkLst>
-          <pc:docMk/>
-          <pc:sldMk cId="2454897697" sldId="294"/>
-        </pc:sldMkLst>
-        <pc:spChg chg="add del mod">
-          <ac:chgData name="劉　冠廷" userId="157cb8b2-10c8-4c98-be2a-24a6fef27960" providerId="ADAL" clId="{6622E921-AE26-46C1-AE4E-15D7C32E5AB6}" dt="2022-06-25T02:53:43.789" v="10221" actId="478"/>
-          <ac:spMkLst>
-            <pc:docMk/>
-            <pc:sldMk cId="2454897697" sldId="294"/>
-            <ac:spMk id="3" creationId="{E279B633-8EB8-E8AE-2ED0-F5AF84F97BBA}"/>
-          </ac:spMkLst>
-        </pc:spChg>
-        <pc:spChg chg="mod">
-          <ac:chgData name="劉　冠廷" userId="157cb8b2-10c8-4c98-be2a-24a6fef27960" providerId="ADAL" clId="{6622E921-AE26-46C1-AE4E-15D7C32E5AB6}" dt="2022-06-20T05:18:43.671" v="4088" actId="14100"/>
-          <ac:spMkLst>
-            <pc:docMk/>
-            <pc:sldMk cId="2454897697" sldId="294"/>
-            <ac:spMk id="10" creationId="{D418C2E4-8CEB-C685-5F86-7763B1EAEA3C}"/>
-          </ac:spMkLst>
-        </pc:spChg>
-        <pc:spChg chg="mod">
-          <ac:chgData name="劉　冠廷" userId="157cb8b2-10c8-4c98-be2a-24a6fef27960" providerId="ADAL" clId="{6622E921-AE26-46C1-AE4E-15D7C32E5AB6}" dt="2022-06-20T05:17:51.910" v="4075" actId="165"/>
-          <ac:spMkLst>
-            <pc:docMk/>
-            <pc:sldMk cId="2454897697" sldId="294"/>
-            <ac:spMk id="11" creationId="{F0E35A98-4905-F271-520E-DB85CF6221FB}"/>
-          </ac:spMkLst>
-        </pc:spChg>
-        <pc:spChg chg="mod">
-          <ac:chgData name="劉　冠廷" userId="157cb8b2-10c8-4c98-be2a-24a6fef27960" providerId="ADAL" clId="{6622E921-AE26-46C1-AE4E-15D7C32E5AB6}" dt="2022-06-20T05:40:17.632" v="4337" actId="14100"/>
-          <ac:spMkLst>
-            <pc:docMk/>
-            <pc:sldMk cId="2454897697" sldId="294"/>
-            <ac:spMk id="12" creationId="{09134FC4-BF68-18FD-EAED-2353B62E09AE}"/>
-          </ac:spMkLst>
-        </pc:spChg>
-        <pc:spChg chg="add mod">
-          <ac:chgData name="劉　冠廷" userId="157cb8b2-10c8-4c98-be2a-24a6fef27960" providerId="ADAL" clId="{6622E921-AE26-46C1-AE4E-15D7C32E5AB6}" dt="2022-06-25T00:31:10.541" v="9669" actId="164"/>
-          <ac:spMkLst>
-            <pc:docMk/>
-            <pc:sldMk cId="2454897697" sldId="294"/>
-            <ac:spMk id="15" creationId="{98A18758-528C-11FD-2EAB-2FC80B1801CB}"/>
-          </ac:spMkLst>
-        </pc:spChg>
-        <pc:spChg chg="mod">
-          <ac:chgData name="劉　冠廷" userId="157cb8b2-10c8-4c98-be2a-24a6fef27960" providerId="ADAL" clId="{6622E921-AE26-46C1-AE4E-15D7C32E5AB6}" dt="2022-06-26T12:13:00.993" v="10536" actId="1076"/>
-          <ac:spMkLst>
-            <pc:docMk/>
-            <pc:sldMk cId="2454897697" sldId="294"/>
-            <ac:spMk id="18" creationId="{F9DC7A47-28D5-CB8A-312C-A106C88F8DF6}"/>
-          </ac:spMkLst>
-        </pc:spChg>
-        <pc:spChg chg="mod">
-          <ac:chgData name="劉　冠廷" userId="157cb8b2-10c8-4c98-be2a-24a6fef27960" providerId="ADAL" clId="{6622E921-AE26-46C1-AE4E-15D7C32E5AB6}" dt="2022-06-25T02:52:58.214" v="10184"/>
-          <ac:spMkLst>
-            <pc:docMk/>
-            <pc:sldMk cId="2454897697" sldId="294"/>
-            <ac:spMk id="19" creationId="{9C1D0F66-7F53-9DCC-9A2D-0DB833CF81A5}"/>
-          </ac:spMkLst>
-        </pc:spChg>
-        <pc:spChg chg="mod">
-          <ac:chgData name="劉　冠廷" userId="157cb8b2-10c8-4c98-be2a-24a6fef27960" providerId="ADAL" clId="{6622E921-AE26-46C1-AE4E-15D7C32E5AB6}" dt="2022-06-25T02:52:58.214" v="10184"/>
-          <ac:spMkLst>
-            <pc:docMk/>
-            <pc:sldMk cId="2454897697" sldId="294"/>
-            <ac:spMk id="20" creationId="{6A8B203C-325B-3267-623E-24779260B4A7}"/>
-          </ac:spMkLst>
-        </pc:spChg>
-        <pc:spChg chg="mod">
-          <ac:chgData name="劉　冠廷" userId="157cb8b2-10c8-4c98-be2a-24a6fef27960" providerId="ADAL" clId="{6622E921-AE26-46C1-AE4E-15D7C32E5AB6}" dt="2022-06-20T05:50:37.776" v="4602" actId="20577"/>
-          <ac:spMkLst>
-            <pc:docMk/>
-            <pc:sldMk cId="2454897697" sldId="294"/>
-            <ac:spMk id="20" creationId="{CB3FA349-AA44-2F3A-7AD4-B5BAF7614D79}"/>
-          </ac:spMkLst>
-        </pc:spChg>
-        <pc:spChg chg="mod">
-          <ac:chgData name="劉　冠廷" userId="157cb8b2-10c8-4c98-be2a-24a6fef27960" providerId="ADAL" clId="{6622E921-AE26-46C1-AE4E-15D7C32E5AB6}" dt="2022-06-20T05:47:40.530" v="4366"/>
-          <ac:spMkLst>
-            <pc:docMk/>
-            <pc:sldMk cId="2454897697" sldId="294"/>
-            <ac:spMk id="21" creationId="{1BEC896F-04F0-2D0B-F4EF-B9CE9CE4DE76}"/>
-          </ac:spMkLst>
-        </pc:spChg>
-        <pc:spChg chg="mod">
-          <ac:chgData name="劉　冠廷" userId="157cb8b2-10c8-4c98-be2a-24a6fef27960" providerId="ADAL" clId="{6622E921-AE26-46C1-AE4E-15D7C32E5AB6}" dt="2022-06-20T05:47:40.530" v="4366"/>
-          <ac:spMkLst>
-            <pc:docMk/>
-            <pc:sldMk cId="2454897697" sldId="294"/>
-            <ac:spMk id="22" creationId="{8775E8F4-EC23-B3E0-A34A-D342F6BB5A9C}"/>
-          </ac:spMkLst>
-        </pc:spChg>
-        <pc:spChg chg="add del mod">
-          <ac:chgData name="劉　冠廷" userId="157cb8b2-10c8-4c98-be2a-24a6fef27960" providerId="ADAL" clId="{6622E921-AE26-46C1-AE4E-15D7C32E5AB6}" dt="2022-06-27T10:16:56.803" v="11032" actId="20577"/>
-          <ac:spMkLst>
-            <pc:docMk/>
-            <pc:sldMk cId="2454897697" sldId="294"/>
-            <ac:spMk id="23" creationId="{DDF6EDF1-121F-5871-9C7C-07D4E33CF11D}"/>
-          </ac:spMkLst>
-        </pc:spChg>
-        <pc:spChg chg="mod">
-          <ac:chgData name="劉　冠廷" userId="157cb8b2-10c8-4c98-be2a-24a6fef27960" providerId="ADAL" clId="{6622E921-AE26-46C1-AE4E-15D7C32E5AB6}" dt="2022-06-20T05:52:46.979" v="4632" actId="20577"/>
-          <ac:spMkLst>
-            <pc:docMk/>
-            <pc:sldMk cId="2454897697" sldId="294"/>
-            <ac:spMk id="110" creationId="{00000000-0000-0000-0000-000000000000}"/>
-          </ac:spMkLst>
-        </pc:spChg>
-        <pc:spChg chg="del mod">
-          <ac:chgData name="劉　冠廷" userId="157cb8b2-10c8-4c98-be2a-24a6fef27960" providerId="ADAL" clId="{6622E921-AE26-46C1-AE4E-15D7C32E5AB6}" dt="2022-06-25T02:53:03.136" v="10186" actId="478"/>
-          <ac:spMkLst>
-            <pc:docMk/>
-            <pc:sldMk cId="2454897697" sldId="294"/>
-            <ac:spMk id="111" creationId="{00000000-0000-0000-0000-000000000000}"/>
-          </ac:spMkLst>
-        </pc:spChg>
-        <pc:grpChg chg="add del mod">
-          <ac:chgData name="劉　冠廷" userId="157cb8b2-10c8-4c98-be2a-24a6fef27960" providerId="ADAL" clId="{6622E921-AE26-46C1-AE4E-15D7C32E5AB6}" dt="2022-06-25T00:40:20.703" v="9923" actId="478"/>
-          <ac:grpSpMkLst>
-            <pc:docMk/>
-            <pc:sldMk cId="2454897697" sldId="294"/>
-            <ac:grpSpMk id="4" creationId="{03D16B4A-872E-4C60-867C-3DFACEAC5B4B}"/>
-          </ac:grpSpMkLst>
-        </pc:grpChg>
-        <pc:grpChg chg="add del mod">
-          <ac:chgData name="劉　冠廷" userId="157cb8b2-10c8-4c98-be2a-24a6fef27960" providerId="ADAL" clId="{6622E921-AE26-46C1-AE4E-15D7C32E5AB6}" dt="2022-06-20T05:17:51.910" v="4075" actId="165"/>
-          <ac:grpSpMkLst>
-            <pc:docMk/>
-            <pc:sldMk cId="2454897697" sldId="294"/>
-            <ac:grpSpMk id="5" creationId="{5F0AADB8-A06B-6FC0-72DD-1AA47814EB0C}"/>
-          </ac:grpSpMkLst>
-        </pc:grpChg>
-        <pc:grpChg chg="add mod ord topLvl">
-          <ac:chgData name="劉　冠廷" userId="157cb8b2-10c8-4c98-be2a-24a6fef27960" providerId="ADAL" clId="{6622E921-AE26-46C1-AE4E-15D7C32E5AB6}" dt="2022-06-25T00:31:10.541" v="9669" actId="164"/>
-          <ac:grpSpMkLst>
-            <pc:docMk/>
-            <pc:sldMk cId="2454897697" sldId="294"/>
-            <ac:grpSpMk id="8" creationId="{ED743A1E-BD4F-F012-2B09-988E8C198EBA}"/>
-          </ac:grpSpMkLst>
-        </pc:grpChg>
-        <pc:grpChg chg="mod">
-          <ac:chgData name="劉　冠廷" userId="157cb8b2-10c8-4c98-be2a-24a6fef27960" providerId="ADAL" clId="{6622E921-AE26-46C1-AE4E-15D7C32E5AB6}" dt="2022-06-20T05:17:51.910" v="4075" actId="165"/>
-          <ac:grpSpMkLst>
-            <pc:docMk/>
-            <pc:sldMk cId="2454897697" sldId="294"/>
-            <ac:grpSpMk id="9" creationId="{DE55B039-7503-2E74-C1DF-493BD0051B3C}"/>
-          </ac:grpSpMkLst>
-        </pc:grpChg>
-        <pc:grpChg chg="add mod">
-          <ac:chgData name="劉　冠廷" userId="157cb8b2-10c8-4c98-be2a-24a6fef27960" providerId="ADAL" clId="{6622E921-AE26-46C1-AE4E-15D7C32E5AB6}" dt="2022-06-25T08:19:59.936" v="10349" actId="14100"/>
-          <ac:grpSpMkLst>
-            <pc:docMk/>
-            <pc:sldMk cId="2454897697" sldId="294"/>
-            <ac:grpSpMk id="16" creationId="{68C3059E-85EC-8D83-C36D-CDA4A7F13E06}"/>
-          </ac:grpSpMkLst>
-        </pc:grpChg>
-        <pc:grpChg chg="mod">
-          <ac:chgData name="劉　冠廷" userId="157cb8b2-10c8-4c98-be2a-24a6fef27960" providerId="ADAL" clId="{6622E921-AE26-46C1-AE4E-15D7C32E5AB6}" dt="2022-06-25T02:52:58.214" v="10184"/>
-          <ac:grpSpMkLst>
-            <pc:docMk/>
-            <pc:sldMk cId="2454897697" sldId="294"/>
-            <ac:grpSpMk id="17" creationId="{2AF2CF07-5B1E-4543-136B-32F5F509D26A}"/>
-          </ac:grpSpMkLst>
-        </pc:grpChg>
-        <pc:grpChg chg="add del mod">
-          <ac:chgData name="劉　冠廷" userId="157cb8b2-10c8-4c98-be2a-24a6fef27960" providerId="ADAL" clId="{6622E921-AE26-46C1-AE4E-15D7C32E5AB6}" dt="2022-06-20T05:51:39.159" v="4617" actId="478"/>
-          <ac:grpSpMkLst>
-            <pc:docMk/>
-            <pc:sldMk cId="2454897697" sldId="294"/>
-            <ac:grpSpMk id="18" creationId="{67DC1144-4CCA-311D-3378-9E7AAD0DE782}"/>
-          </ac:grpSpMkLst>
-        </pc:grpChg>
-        <pc:grpChg chg="mod">
-          <ac:chgData name="劉　冠廷" userId="157cb8b2-10c8-4c98-be2a-24a6fef27960" providerId="ADAL" clId="{6622E921-AE26-46C1-AE4E-15D7C32E5AB6}" dt="2022-06-20T05:47:40.530" v="4366"/>
-          <ac:grpSpMkLst>
-            <pc:docMk/>
-            <pc:sldMk cId="2454897697" sldId="294"/>
-            <ac:grpSpMk id="19" creationId="{6C41DFBA-988A-1F2D-6AA6-D0E5A8121BC0}"/>
-          </ac:grpSpMkLst>
-        </pc:grpChg>
-        <pc:picChg chg="add del mod topLvl">
-          <ac:chgData name="劉　冠廷" userId="157cb8b2-10c8-4c98-be2a-24a6fef27960" providerId="ADAL" clId="{6622E921-AE26-46C1-AE4E-15D7C32E5AB6}" dt="2022-06-20T05:43:12.568" v="4353" actId="478"/>
-          <ac:picMkLst>
-            <pc:docMk/>
-            <pc:sldMk cId="2454897697" sldId="294"/>
-            <ac:picMk id="4" creationId="{2B91BF62-498A-44B5-DDDD-FB62355CE4EE}"/>
-          </ac:picMkLst>
-        </pc:picChg>
-        <pc:picChg chg="add mod">
-          <ac:chgData name="劉　冠廷" userId="157cb8b2-10c8-4c98-be2a-24a6fef27960" providerId="ADAL" clId="{6622E921-AE26-46C1-AE4E-15D7C32E5AB6}" dt="2022-06-25T08:19:51.835" v="10348" actId="1076"/>
-          <ac:picMkLst>
-            <pc:docMk/>
-            <pc:sldMk cId="2454897697" sldId="294"/>
-            <ac:picMk id="6" creationId="{8A6B4104-71BF-6899-46DE-771DF4D5B038}"/>
-          </ac:picMkLst>
-        </pc:picChg>
-        <pc:picChg chg="add mod">
-          <ac:chgData name="劉　冠廷" userId="157cb8b2-10c8-4c98-be2a-24a6fef27960" providerId="ADAL" clId="{6622E921-AE26-46C1-AE4E-15D7C32E5AB6}" dt="2022-06-25T00:31:10.541" v="9669" actId="164"/>
-          <ac:picMkLst>
-            <pc:docMk/>
-            <pc:sldMk cId="2454897697" sldId="294"/>
-            <ac:picMk id="13" creationId="{D2637FDA-B7E1-1767-003A-516C6D652669}"/>
-          </ac:picMkLst>
-        </pc:picChg>
-      </pc:sldChg>
-      <pc:sldChg chg="addSp delSp modSp add mod delAnim modAnim">
-        <pc:chgData name="劉　冠廷" userId="157cb8b2-10c8-4c98-be2a-24a6fef27960" providerId="ADAL" clId="{6622E921-AE26-46C1-AE4E-15D7C32E5AB6}" dt="2022-06-21T04:42:27.728" v="8837" actId="478"/>
-        <pc:sldMkLst>
-          <pc:docMk/>
-          <pc:sldMk cId="2569223751" sldId="295"/>
-        </pc:sldMkLst>
-        <pc:spChg chg="add del mod">
-          <ac:chgData name="劉　冠廷" userId="157cb8b2-10c8-4c98-be2a-24a6fef27960" providerId="ADAL" clId="{6622E921-AE26-46C1-AE4E-15D7C32E5AB6}" dt="2022-06-21T04:42:25.474" v="8836" actId="478"/>
-          <ac:spMkLst>
-            <pc:docMk/>
-            <pc:sldMk cId="2569223751" sldId="295"/>
-            <ac:spMk id="13" creationId="{0CFADAEA-B44A-876A-EB14-5CD99FBDA92A}"/>
-          </ac:spMkLst>
-        </pc:spChg>
-        <pc:spChg chg="add del mod">
-          <ac:chgData name="劉　冠廷" userId="157cb8b2-10c8-4c98-be2a-24a6fef27960" providerId="ADAL" clId="{6622E921-AE26-46C1-AE4E-15D7C32E5AB6}" dt="2022-06-21T04:42:27.728" v="8837" actId="478"/>
-          <ac:spMkLst>
-            <pc:docMk/>
-            <pc:sldMk cId="2569223751" sldId="295"/>
-            <ac:spMk id="14" creationId="{18B3134F-BB1B-94FD-5366-32B7E7A47EFB}"/>
-          </ac:spMkLst>
-        </pc:spChg>
-        <pc:spChg chg="mod">
-          <ac:chgData name="劉　冠廷" userId="157cb8b2-10c8-4c98-be2a-24a6fef27960" providerId="ADAL" clId="{6622E921-AE26-46C1-AE4E-15D7C32E5AB6}" dt="2022-06-20T12:40:54.046" v="8218" actId="5793"/>
-          <ac:spMkLst>
-            <pc:docMk/>
-            <pc:sldMk cId="2569223751" sldId="295"/>
-            <ac:spMk id="15" creationId="{98A18758-528C-11FD-2EAB-2FC80B1801CB}"/>
-          </ac:spMkLst>
-        </pc:spChg>
-        <pc:spChg chg="mod">
-          <ac:chgData name="劉　冠廷" userId="157cb8b2-10c8-4c98-be2a-24a6fef27960" providerId="ADAL" clId="{6622E921-AE26-46C1-AE4E-15D7C32E5AB6}" dt="2022-06-20T07:20:31.030" v="6077" actId="20577"/>
-          <ac:spMkLst>
-            <pc:docMk/>
-            <pc:sldMk cId="2569223751" sldId="295"/>
-            <ac:spMk id="110" creationId="{00000000-0000-0000-0000-000000000000}"/>
-          </ac:spMkLst>
-        </pc:spChg>
-        <pc:grpChg chg="del">
-          <ac:chgData name="劉　冠廷" userId="157cb8b2-10c8-4c98-be2a-24a6fef27960" providerId="ADAL" clId="{6622E921-AE26-46C1-AE4E-15D7C32E5AB6}" dt="2022-06-20T05:33:00.620" v="4108" actId="478"/>
-          <ac:grpSpMkLst>
-            <pc:docMk/>
-            <pc:sldMk cId="2569223751" sldId="295"/>
-            <ac:grpSpMk id="8" creationId="{ED743A1E-BD4F-F012-2B09-988E8C198EBA}"/>
-          </ac:grpSpMkLst>
-        </pc:grpChg>
-        <pc:picChg chg="del">
-          <ac:chgData name="劉　冠廷" userId="157cb8b2-10c8-4c98-be2a-24a6fef27960" providerId="ADAL" clId="{6622E921-AE26-46C1-AE4E-15D7C32E5AB6}" dt="2022-06-20T05:33:01.287" v="4109" actId="478"/>
-          <ac:picMkLst>
-            <pc:docMk/>
-            <pc:sldMk cId="2569223751" sldId="295"/>
-            <ac:picMk id="4" creationId="{2B91BF62-498A-44B5-DDDD-FB62355CE4EE}"/>
-          </ac:picMkLst>
-        </pc:picChg>
-      </pc:sldChg>
-      <pc:sldChg chg="addSp delSp modSp add mod delAnim">
-        <pc:chgData name="劉　冠廷" userId="157cb8b2-10c8-4c98-be2a-24a6fef27960" providerId="ADAL" clId="{6622E921-AE26-46C1-AE4E-15D7C32E5AB6}" dt="2022-06-27T10:20:31.653" v="11100" actId="20577"/>
-        <pc:sldMkLst>
-          <pc:docMk/>
-          <pc:sldMk cId="379689452" sldId="296"/>
-        </pc:sldMkLst>
-        <pc:spChg chg="del mod">
-          <ac:chgData name="劉　冠廷" userId="157cb8b2-10c8-4c98-be2a-24a6fef27960" providerId="ADAL" clId="{6622E921-AE26-46C1-AE4E-15D7C32E5AB6}" dt="2022-06-20T05:55:04.944" v="4730" actId="478"/>
-          <ac:spMkLst>
-            <pc:docMk/>
-            <pc:sldMk cId="379689452" sldId="296"/>
-            <ac:spMk id="15" creationId="{98A18758-528C-11FD-2EAB-2FC80B1801CB}"/>
-          </ac:spMkLst>
-        </pc:spChg>
-        <pc:spChg chg="del">
-          <ac:chgData name="劉　冠廷" userId="157cb8b2-10c8-4c98-be2a-24a6fef27960" providerId="ADAL" clId="{6622E921-AE26-46C1-AE4E-15D7C32E5AB6}" dt="2022-06-20T05:55:08.258" v="4733" actId="478"/>
-          <ac:spMkLst>
-            <pc:docMk/>
-            <pc:sldMk cId="379689452" sldId="296"/>
-            <ac:spMk id="23" creationId="{DDF6EDF1-121F-5871-9C7C-07D4E33CF11D}"/>
-          </ac:spMkLst>
-        </pc:spChg>
-        <pc:spChg chg="add mod">
-          <ac:chgData name="劉　冠廷" userId="157cb8b2-10c8-4c98-be2a-24a6fef27960" providerId="ADAL" clId="{6622E921-AE26-46C1-AE4E-15D7C32E5AB6}" dt="2022-06-27T10:20:31.653" v="11100" actId="20577"/>
-          <ac:spMkLst>
-            <pc:docMk/>
-            <pc:sldMk cId="379689452" sldId="296"/>
-            <ac:spMk id="24" creationId="{3B9D04AF-157A-096D-37C7-32608DC7A71B}"/>
-          </ac:spMkLst>
-        </pc:spChg>
-        <pc:spChg chg="del">
-          <ac:chgData name="劉　冠廷" userId="157cb8b2-10c8-4c98-be2a-24a6fef27960" providerId="ADAL" clId="{6622E921-AE26-46C1-AE4E-15D7C32E5AB6}" dt="2022-06-20T06:24:51.164" v="5298" actId="478"/>
-          <ac:spMkLst>
-            <pc:docMk/>
-            <pc:sldMk cId="379689452" sldId="296"/>
-            <ac:spMk id="111" creationId="{00000000-0000-0000-0000-000000000000}"/>
-          </ac:spMkLst>
-        </pc:spChg>
-        <pc:grpChg chg="del">
-          <ac:chgData name="劉　冠廷" userId="157cb8b2-10c8-4c98-be2a-24a6fef27960" providerId="ADAL" clId="{6622E921-AE26-46C1-AE4E-15D7C32E5AB6}" dt="2022-06-20T05:54:57.553" v="4727" actId="478"/>
-          <ac:grpSpMkLst>
-            <pc:docMk/>
-            <pc:sldMk cId="379689452" sldId="296"/>
-            <ac:grpSpMk id="8" creationId="{ED743A1E-BD4F-F012-2B09-988E8C198EBA}"/>
-          </ac:grpSpMkLst>
-        </pc:grpChg>
-        <pc:grpChg chg="del mod">
-          <ac:chgData name="劉　冠廷" userId="157cb8b2-10c8-4c98-be2a-24a6fef27960" providerId="ADAL" clId="{6622E921-AE26-46C1-AE4E-15D7C32E5AB6}" dt="2022-06-20T05:55:07.266" v="4732" actId="478"/>
-          <ac:grpSpMkLst>
-            <pc:docMk/>
-            <pc:sldMk cId="379689452" sldId="296"/>
-            <ac:grpSpMk id="18" creationId="{67DC1144-4CCA-311D-3378-9E7AAD0DE782}"/>
-          </ac:grpSpMkLst>
-        </pc:grpChg>
-        <pc:picChg chg="add mod">
-          <ac:chgData name="劉　冠廷" userId="157cb8b2-10c8-4c98-be2a-24a6fef27960" providerId="ADAL" clId="{6622E921-AE26-46C1-AE4E-15D7C32E5AB6}" dt="2022-06-20T06:44:16.840" v="5771" actId="1076"/>
-          <ac:picMkLst>
-            <pc:docMk/>
-            <pc:sldMk cId="379689452" sldId="296"/>
-            <ac:picMk id="4" creationId="{FEBC6EB8-A9C4-1CDC-3292-235DDE34031E}"/>
-          </ac:picMkLst>
-        </pc:picChg>
-        <pc:picChg chg="add mod">
-          <ac:chgData name="劉　冠廷" userId="157cb8b2-10c8-4c98-be2a-24a6fef27960" providerId="ADAL" clId="{6622E921-AE26-46C1-AE4E-15D7C32E5AB6}" dt="2022-06-20T06:44:18.671" v="5772" actId="1076"/>
-          <ac:picMkLst>
-            <pc:docMk/>
-            <pc:sldMk cId="379689452" sldId="296"/>
-            <ac:picMk id="6" creationId="{CAC32E24-4395-F356-0A5B-63F71B387DFD}"/>
-          </ac:picMkLst>
-        </pc:picChg>
-        <pc:picChg chg="del">
-          <ac:chgData name="劉　冠廷" userId="157cb8b2-10c8-4c98-be2a-24a6fef27960" providerId="ADAL" clId="{6622E921-AE26-46C1-AE4E-15D7C32E5AB6}" dt="2022-06-20T05:54:58.437" v="4728" actId="478"/>
-          <ac:picMkLst>
-            <pc:docMk/>
-            <pc:sldMk cId="379689452" sldId="296"/>
-            <ac:picMk id="13" creationId="{D2637FDA-B7E1-1767-003A-516C6D652669}"/>
-          </ac:picMkLst>
-        </pc:picChg>
-        <pc:picChg chg="add del mod">
-          <ac:chgData name="劉　冠廷" userId="157cb8b2-10c8-4c98-be2a-24a6fef27960" providerId="ADAL" clId="{6622E921-AE26-46C1-AE4E-15D7C32E5AB6}" dt="2022-06-20T06:44:22.830" v="5775" actId="478"/>
-          <ac:picMkLst>
-            <pc:docMk/>
-            <pc:sldMk cId="379689452" sldId="296"/>
-            <ac:picMk id="14" creationId="{3F7861FE-646C-C5FA-9FEC-A46E8814C0EA}"/>
-          </ac:picMkLst>
-        </pc:picChg>
-        <pc:picChg chg="add mod">
-          <ac:chgData name="劉　冠廷" userId="157cb8b2-10c8-4c98-be2a-24a6fef27960" providerId="ADAL" clId="{6622E921-AE26-46C1-AE4E-15D7C32E5AB6}" dt="2022-06-20T06:44:52.136" v="5781" actId="1076"/>
-          <ac:picMkLst>
-            <pc:docMk/>
-            <pc:sldMk cId="379689452" sldId="296"/>
-            <ac:picMk id="17" creationId="{D0BFCC8A-7898-FD02-EC2D-D495A9B566FE}"/>
-          </ac:picMkLst>
-        </pc:picChg>
-      </pc:sldChg>
-      <pc:sldChg chg="addSp delSp modSp add mod modAnim">
-        <pc:chgData name="劉　冠廷" userId="157cb8b2-10c8-4c98-be2a-24a6fef27960" providerId="ADAL" clId="{6622E921-AE26-46C1-AE4E-15D7C32E5AB6}" dt="2022-06-27T02:20:06.701" v="10863" actId="20577"/>
-        <pc:sldMkLst>
-          <pc:docMk/>
-          <pc:sldMk cId="3306550100" sldId="297"/>
-        </pc:sldMkLst>
-        <pc:spChg chg="mod">
-          <ac:chgData name="劉　冠廷" userId="157cb8b2-10c8-4c98-be2a-24a6fef27960" providerId="ADAL" clId="{6622E921-AE26-46C1-AE4E-15D7C32E5AB6}" dt="2022-06-25T01:31:47.693" v="10180" actId="20577"/>
-          <ac:spMkLst>
-            <pc:docMk/>
-            <pc:sldMk cId="3306550100" sldId="297"/>
-            <ac:spMk id="11" creationId="{0B2416B0-8499-996D-07EE-3CDB424DDC07}"/>
-          </ac:spMkLst>
-        </pc:spChg>
-        <pc:spChg chg="mod">
-          <ac:chgData name="劉　冠廷" userId="157cb8b2-10c8-4c98-be2a-24a6fef27960" providerId="ADAL" clId="{6622E921-AE26-46C1-AE4E-15D7C32E5AB6}" dt="2022-06-20T12:14:50.440" v="7041" actId="20577"/>
-          <ac:spMkLst>
-            <pc:docMk/>
-            <pc:sldMk cId="3306550100" sldId="297"/>
-            <ac:spMk id="12" creationId="{10F1FE8F-D97A-4381-584B-5D6EB9BAA007}"/>
-          </ac:spMkLst>
-        </pc:spChg>
-        <pc:spChg chg="mod">
-          <ac:chgData name="劉　冠廷" userId="157cb8b2-10c8-4c98-be2a-24a6fef27960" providerId="ADAL" clId="{6622E921-AE26-46C1-AE4E-15D7C32E5AB6}" dt="2022-06-20T12:14:50.440" v="7041" actId="20577"/>
-          <ac:spMkLst>
-            <pc:docMk/>
-            <pc:sldMk cId="3306550100" sldId="297"/>
-            <ac:spMk id="13" creationId="{802D9494-0342-4EA5-D586-F7A9D4EAEC39}"/>
-          </ac:spMkLst>
-        </pc:spChg>
-        <pc:spChg chg="mod">
-          <ac:chgData name="劉　冠廷" userId="157cb8b2-10c8-4c98-be2a-24a6fef27960" providerId="ADAL" clId="{6622E921-AE26-46C1-AE4E-15D7C32E5AB6}" dt="2022-06-27T02:20:06.701" v="10863" actId="20577"/>
-          <ac:spMkLst>
-            <pc:docMk/>
-            <pc:sldMk cId="3306550100" sldId="297"/>
-            <ac:spMk id="16" creationId="{D60DC33D-19C7-D90B-6579-E1E7A065B3C1}"/>
-          </ac:spMkLst>
-        </pc:spChg>
-        <pc:spChg chg="mod">
-          <ac:chgData name="劉　冠廷" userId="157cb8b2-10c8-4c98-be2a-24a6fef27960" providerId="ADAL" clId="{6622E921-AE26-46C1-AE4E-15D7C32E5AB6}" dt="2022-06-20T12:31:59.707" v="7392" actId="20577"/>
-          <ac:spMkLst>
-            <pc:docMk/>
-            <pc:sldMk cId="3306550100" sldId="297"/>
-            <ac:spMk id="18" creationId="{1A298CF4-6E66-96B6-1DA8-1A400C704262}"/>
-          </ac:spMkLst>
-        </pc:spChg>
-        <pc:spChg chg="mod">
-          <ac:chgData name="劉　冠廷" userId="157cb8b2-10c8-4c98-be2a-24a6fef27960" providerId="ADAL" clId="{6622E921-AE26-46C1-AE4E-15D7C32E5AB6}" dt="2022-06-20T12:31:59.707" v="7392" actId="20577"/>
-          <ac:spMkLst>
-            <pc:docMk/>
-            <pc:sldMk cId="3306550100" sldId="297"/>
-            <ac:spMk id="19" creationId="{E175E006-4DEA-401E-7840-09DF8F45097B}"/>
-          </ac:spMkLst>
-        </pc:spChg>
-        <pc:spChg chg="mod">
-          <ac:chgData name="劉　冠廷" userId="157cb8b2-10c8-4c98-be2a-24a6fef27960" providerId="ADAL" clId="{6622E921-AE26-46C1-AE4E-15D7C32E5AB6}" dt="2022-06-20T07:49:46.181" v="6626" actId="20577"/>
-          <ac:spMkLst>
-            <pc:docMk/>
-            <pc:sldMk cId="3306550100" sldId="297"/>
-            <ac:spMk id="24" creationId="{3B9D04AF-157A-096D-37C7-32608DC7A71B}"/>
-          </ac:spMkLst>
-        </pc:spChg>
-        <pc:spChg chg="mod">
-          <ac:chgData name="劉　冠廷" userId="157cb8b2-10c8-4c98-be2a-24a6fef27960" providerId="ADAL" clId="{6622E921-AE26-46C1-AE4E-15D7C32E5AB6}" dt="2022-06-21T04:15:21.499" v="8425" actId="20577"/>
-          <ac:spMkLst>
-            <pc:docMk/>
-            <pc:sldMk cId="3306550100" sldId="297"/>
-            <ac:spMk id="110" creationId="{00000000-0000-0000-0000-000000000000}"/>
-          </ac:spMkLst>
-        </pc:spChg>
-        <pc:grpChg chg="add mod">
-          <ac:chgData name="劉　冠廷" userId="157cb8b2-10c8-4c98-be2a-24a6fef27960" providerId="ADAL" clId="{6622E921-AE26-46C1-AE4E-15D7C32E5AB6}" dt="2022-06-21T04:23:22.185" v="8427" actId="1076"/>
-          <ac:grpSpMkLst>
-            <pc:docMk/>
-            <pc:sldMk cId="3306550100" sldId="297"/>
-            <ac:grpSpMk id="9" creationId="{ABD653AF-8FD2-1B85-8E90-1D36B323F643}"/>
-          </ac:grpSpMkLst>
-        </pc:grpChg>
-        <pc:grpChg chg="mod">
-          <ac:chgData name="劉　冠廷" userId="157cb8b2-10c8-4c98-be2a-24a6fef27960" providerId="ADAL" clId="{6622E921-AE26-46C1-AE4E-15D7C32E5AB6}" dt="2022-06-20T12:14:50.440" v="7041" actId="20577"/>
-          <ac:grpSpMkLst>
-            <pc:docMk/>
-            <pc:sldMk cId="3306550100" sldId="297"/>
-            <ac:grpSpMk id="10" creationId="{D833246F-22A6-C3E7-7DDF-447C861EC274}"/>
-          </ac:grpSpMkLst>
-        </pc:grpChg>
-        <pc:grpChg chg="add mod">
-          <ac:chgData name="劉　冠廷" userId="157cb8b2-10c8-4c98-be2a-24a6fef27960" providerId="ADAL" clId="{6622E921-AE26-46C1-AE4E-15D7C32E5AB6}" dt="2022-06-20T12:31:59.707" v="7392" actId="20577"/>
-          <ac:grpSpMkLst>
-            <pc:docMk/>
-            <pc:sldMk cId="3306550100" sldId="297"/>
-            <ac:grpSpMk id="14" creationId="{536EEC03-0B0C-0AE4-895E-FA1B04056FC2}"/>
-          </ac:grpSpMkLst>
-        </pc:grpChg>
-        <pc:grpChg chg="mod">
-          <ac:chgData name="劉　冠廷" userId="157cb8b2-10c8-4c98-be2a-24a6fef27960" providerId="ADAL" clId="{6622E921-AE26-46C1-AE4E-15D7C32E5AB6}" dt="2022-06-20T12:31:59.707" v="7392" actId="20577"/>
-          <ac:grpSpMkLst>
-            <pc:docMk/>
-            <pc:sldMk cId="3306550100" sldId="297"/>
-            <ac:grpSpMk id="15" creationId="{88FCE91F-38AD-AF08-982D-804AACDA4FC1}"/>
-          </ac:grpSpMkLst>
-        </pc:grpChg>
-        <pc:picChg chg="del">
-          <ac:chgData name="劉　冠廷" userId="157cb8b2-10c8-4c98-be2a-24a6fef27960" providerId="ADAL" clId="{6622E921-AE26-46C1-AE4E-15D7C32E5AB6}" dt="2022-06-20T06:48:19.364" v="6027" actId="478"/>
-          <ac:picMkLst>
-            <pc:docMk/>
-            <pc:sldMk cId="3306550100" sldId="297"/>
-            <ac:picMk id="4" creationId="{FEBC6EB8-A9C4-1CDC-3292-235DDE34031E}"/>
-          </ac:picMkLst>
-        </pc:picChg>
-        <pc:picChg chg="add del mod">
-          <ac:chgData name="劉　冠廷" userId="157cb8b2-10c8-4c98-be2a-24a6fef27960" providerId="ADAL" clId="{6622E921-AE26-46C1-AE4E-15D7C32E5AB6}" dt="2022-06-25T02:51:30.375" v="10182" actId="478"/>
-          <ac:picMkLst>
-            <pc:docMk/>
-            <pc:sldMk cId="3306550100" sldId="297"/>
-            <ac:picMk id="5" creationId="{11CBB3EC-610C-855D-F6DE-4C952B78810C}"/>
-          </ac:picMkLst>
-        </pc:picChg>
-        <pc:picChg chg="del">
-          <ac:chgData name="劉　冠廷" userId="157cb8b2-10c8-4c98-be2a-24a6fef27960" providerId="ADAL" clId="{6622E921-AE26-46C1-AE4E-15D7C32E5AB6}" dt="2022-06-20T06:48:18.816" v="6025" actId="478"/>
-          <ac:picMkLst>
-            <pc:docMk/>
-            <pc:sldMk cId="3306550100" sldId="297"/>
-            <ac:picMk id="6" creationId="{CAC32E24-4395-F356-0A5B-63F71B387DFD}"/>
-          </ac:picMkLst>
-        </pc:picChg>
-        <pc:picChg chg="del">
-          <ac:chgData name="劉　冠廷" userId="157cb8b2-10c8-4c98-be2a-24a6fef27960" providerId="ADAL" clId="{6622E921-AE26-46C1-AE4E-15D7C32E5AB6}" dt="2022-06-20T06:48:19.015" v="6026" actId="478"/>
-          <ac:picMkLst>
-            <pc:docMk/>
-            <pc:sldMk cId="3306550100" sldId="297"/>
-            <ac:picMk id="17" creationId="{D0BFCC8A-7898-FD02-EC2D-D495A9B566FE}"/>
-          </ac:picMkLst>
-        </pc:picChg>
-      </pc:sldChg>
-      <pc:sldChg chg="addSp delSp modSp add mod ord">
-        <pc:chgData name="劉　冠廷" userId="157cb8b2-10c8-4c98-be2a-24a6fef27960" providerId="ADAL" clId="{6622E921-AE26-46C1-AE4E-15D7C32E5AB6}" dt="2022-06-26T14:22:13.537" v="10812" actId="20577"/>
-        <pc:sldMkLst>
-          <pc:docMk/>
-          <pc:sldMk cId="366815684" sldId="298"/>
-        </pc:sldMkLst>
-        <pc:spChg chg="mod">
-          <ac:chgData name="劉　冠廷" userId="157cb8b2-10c8-4c98-be2a-24a6fef27960" providerId="ADAL" clId="{6622E921-AE26-46C1-AE4E-15D7C32E5AB6}" dt="2022-06-20T07:45:26.611" v="6504" actId="20577"/>
-          <ac:spMkLst>
-            <pc:docMk/>
-            <pc:sldMk cId="366815684" sldId="298"/>
-            <ac:spMk id="4" creationId="{49F70D5E-9B45-EAAE-2F55-7DF164016490}"/>
-          </ac:spMkLst>
-        </pc:spChg>
-        <pc:spChg chg="mod">
-          <ac:chgData name="劉　冠廷" userId="157cb8b2-10c8-4c98-be2a-24a6fef27960" providerId="ADAL" clId="{6622E921-AE26-46C1-AE4E-15D7C32E5AB6}" dt="2022-06-20T07:45:26.611" v="6504" actId="20577"/>
-          <ac:spMkLst>
-            <pc:docMk/>
-            <pc:sldMk cId="366815684" sldId="298"/>
-            <ac:spMk id="6" creationId="{E709673C-02A3-3250-17B6-43631D7F63D2}"/>
-          </ac:spMkLst>
-        </pc:spChg>
-        <pc:spChg chg="add del">
-          <ac:chgData name="劉　冠廷" userId="157cb8b2-10c8-4c98-be2a-24a6fef27960" providerId="ADAL" clId="{6622E921-AE26-46C1-AE4E-15D7C32E5AB6}" dt="2022-06-20T07:45:28.264" v="6506"/>
-          <ac:spMkLst>
-            <pc:docMk/>
-            <pc:sldMk cId="366815684" sldId="298"/>
-            <ac:spMk id="18" creationId="{BC82118C-DE51-1C9A-E8E8-49B4357FE697}"/>
-          </ac:spMkLst>
-        </pc:spChg>
-        <pc:spChg chg="mod">
-          <ac:chgData name="劉　冠廷" userId="157cb8b2-10c8-4c98-be2a-24a6fef27960" providerId="ADAL" clId="{6622E921-AE26-46C1-AE4E-15D7C32E5AB6}" dt="2022-06-24T13:51:28.282" v="9118" actId="1076"/>
-          <ac:spMkLst>
-            <pc:docMk/>
-            <pc:sldMk cId="366815684" sldId="298"/>
-            <ac:spMk id="19" creationId="{BBD1CAC7-CC03-AAFB-2FB3-4E83CAC42FD9}"/>
-          </ac:spMkLst>
-        </pc:spChg>
-        <pc:spChg chg="add del">
-          <ac:chgData name="劉　冠廷" userId="157cb8b2-10c8-4c98-be2a-24a6fef27960" providerId="ADAL" clId="{6622E921-AE26-46C1-AE4E-15D7C32E5AB6}" dt="2022-06-20T07:45:37.064" v="6511"/>
-          <ac:spMkLst>
-            <pc:docMk/>
-            <pc:sldMk cId="366815684" sldId="298"/>
-            <ac:spMk id="20" creationId="{5EF51C0B-F885-746D-1BA3-77D97FFC7E3A}"/>
-          </ac:spMkLst>
-        </pc:spChg>
-        <pc:spChg chg="add del mod">
-          <ac:chgData name="劉　冠廷" userId="157cb8b2-10c8-4c98-be2a-24a6fef27960" providerId="ADAL" clId="{6622E921-AE26-46C1-AE4E-15D7C32E5AB6}" dt="2022-06-23T01:41:54.353" v="8860" actId="478"/>
-          <ac:spMkLst>
-            <pc:docMk/>
-            <pc:sldMk cId="366815684" sldId="298"/>
-            <ac:spMk id="22" creationId="{A8C7F37D-7C31-4F6F-DB42-DD8E42C6E467}"/>
-          </ac:spMkLst>
-        </pc:spChg>
-        <pc:spChg chg="mod">
-          <ac:chgData name="劉　冠廷" userId="157cb8b2-10c8-4c98-be2a-24a6fef27960" providerId="ADAL" clId="{6622E921-AE26-46C1-AE4E-15D7C32E5AB6}" dt="2022-06-26T14:22:13.537" v="10812" actId="20577"/>
-          <ac:spMkLst>
-            <pc:docMk/>
-            <pc:sldMk cId="366815684" sldId="298"/>
-            <ac:spMk id="111" creationId="{00000000-0000-0000-0000-000000000000}"/>
-          </ac:spMkLst>
-        </pc:spChg>
-        <pc:grpChg chg="mod">
-          <ac:chgData name="劉　冠廷" userId="157cb8b2-10c8-4c98-be2a-24a6fef27960" providerId="ADAL" clId="{6622E921-AE26-46C1-AE4E-15D7C32E5AB6}" dt="2022-06-20T07:45:26.611" v="6504" actId="20577"/>
-          <ac:grpSpMkLst>
-            <pc:docMk/>
-            <pc:sldMk cId="366815684" sldId="298"/>
-            <ac:grpSpMk id="7" creationId="{0D67423B-6491-6D91-88ED-375EE86585DF}"/>
-          </ac:grpSpMkLst>
-        </pc:grpChg>
-        <pc:grpChg chg="mod">
-          <ac:chgData name="劉　冠廷" userId="157cb8b2-10c8-4c98-be2a-24a6fef27960" providerId="ADAL" clId="{6622E921-AE26-46C1-AE4E-15D7C32E5AB6}" dt="2022-06-24T13:51:46.384" v="9124" actId="1076"/>
-          <ac:grpSpMkLst>
-            <pc:docMk/>
-            <pc:sldMk cId="366815684" sldId="298"/>
-            <ac:grpSpMk id="10" creationId="{5ACC5C0B-49E0-3459-9161-2591228F0573}"/>
-          </ac:grpSpMkLst>
-        </pc:grpChg>
-        <pc:grpChg chg="del">
-          <ac:chgData name="劉　冠廷" userId="157cb8b2-10c8-4c98-be2a-24a6fef27960" providerId="ADAL" clId="{6622E921-AE26-46C1-AE4E-15D7C32E5AB6}" dt="2022-06-20T07:32:32.160" v="6209" actId="478"/>
-          <ac:grpSpMkLst>
-            <pc:docMk/>
-            <pc:sldMk cId="366815684" sldId="298"/>
-            <ac:grpSpMk id="11" creationId="{AB8464BD-BD07-66FB-4284-2F662E046089}"/>
-          </ac:grpSpMkLst>
-        </pc:grpChg>
-        <pc:picChg chg="add mod">
-          <ac:chgData name="劉　冠廷" userId="157cb8b2-10c8-4c98-be2a-24a6fef27960" providerId="ADAL" clId="{6622E921-AE26-46C1-AE4E-15D7C32E5AB6}" dt="2022-06-24T13:51:45.885" v="9123" actId="1076"/>
-          <ac:picMkLst>
-            <pc:docMk/>
-            <pc:sldMk cId="366815684" sldId="298"/>
-            <ac:picMk id="5" creationId="{023C8121-8960-0599-7C41-6307C48CE66B}"/>
-          </ac:picMkLst>
-        </pc:picChg>
-        <pc:picChg chg="del">
-          <ac:chgData name="劉　冠廷" userId="157cb8b2-10c8-4c98-be2a-24a6fef27960" providerId="ADAL" clId="{6622E921-AE26-46C1-AE4E-15D7C32E5AB6}" dt="2022-06-20T07:32:29.967" v="6208" actId="478"/>
-          <ac:picMkLst>
-            <pc:docMk/>
-            <pc:sldMk cId="366815684" sldId="298"/>
-            <ac:picMk id="9" creationId="{4859A1A4-3B1A-8BE6-22DE-C4023F1FF771}"/>
-          </ac:picMkLst>
-        </pc:picChg>
-        <pc:picChg chg="add mod">
-          <ac:chgData name="劉　冠廷" userId="157cb8b2-10c8-4c98-be2a-24a6fef27960" providerId="ADAL" clId="{6622E921-AE26-46C1-AE4E-15D7C32E5AB6}" dt="2022-06-24T13:51:45.415" v="9122" actId="1076"/>
-          <ac:picMkLst>
-            <pc:docMk/>
-            <pc:sldMk cId="366815684" sldId="298"/>
-            <ac:picMk id="12" creationId="{4E122E69-A677-3E4D-0E66-4D8C538191EE}"/>
-          </ac:picMkLst>
-        </pc:picChg>
-      </pc:sldChg>
-      <pc:sldChg chg="addSp delSp modSp add del mod">
-        <pc:chgData name="劉　冠廷" userId="157cb8b2-10c8-4c98-be2a-24a6fef27960" providerId="ADAL" clId="{6622E921-AE26-46C1-AE4E-15D7C32E5AB6}" dt="2022-06-26T11:45:50.868" v="10500" actId="20577"/>
-        <pc:sldMkLst>
-          <pc:docMk/>
-          <pc:sldMk cId="2460199759" sldId="299"/>
-        </pc:sldMkLst>
-        <pc:spChg chg="mod">
-          <ac:chgData name="劉　冠廷" userId="157cb8b2-10c8-4c98-be2a-24a6fef27960" providerId="ADAL" clId="{6622E921-AE26-46C1-AE4E-15D7C32E5AB6}" dt="2022-06-24T13:54:56.461" v="9180" actId="1076"/>
-          <ac:spMkLst>
-            <pc:docMk/>
-            <pc:sldMk cId="2460199759" sldId="299"/>
-            <ac:spMk id="19" creationId="{BBD1CAC7-CC03-AAFB-2FB3-4E83CAC42FD9}"/>
-          </ac:spMkLst>
-        </pc:spChg>
-        <pc:spChg chg="mod">
-          <ac:chgData name="劉　冠廷" userId="157cb8b2-10c8-4c98-be2a-24a6fef27960" providerId="ADAL" clId="{6622E921-AE26-46C1-AE4E-15D7C32E5AB6}" dt="2022-06-24T13:43:32.336" v="9041" actId="1076"/>
-          <ac:spMkLst>
-            <pc:docMk/>
-            <pc:sldMk cId="2460199759" sldId="299"/>
-            <ac:spMk id="47" creationId="{43971130-A1CE-BCE0-A9AB-B2944DF46088}"/>
-          </ac:spMkLst>
-        </pc:spChg>
-        <pc:spChg chg="mod">
-          <ac:chgData name="劉　冠廷" userId="157cb8b2-10c8-4c98-be2a-24a6fef27960" providerId="ADAL" clId="{6622E921-AE26-46C1-AE4E-15D7C32E5AB6}" dt="2022-06-24T13:38:28.436" v="9000"/>
-          <ac:spMkLst>
-            <pc:docMk/>
-            <pc:sldMk cId="2460199759" sldId="299"/>
-            <ac:spMk id="48" creationId="{D46887B6-AD31-BE44-0CCA-44B8D14327B7}"/>
-          </ac:spMkLst>
-        </pc:spChg>
-        <pc:spChg chg="mod">
-          <ac:chgData name="劉　冠廷" userId="157cb8b2-10c8-4c98-be2a-24a6fef27960" providerId="ADAL" clId="{6622E921-AE26-46C1-AE4E-15D7C32E5AB6}" dt="2022-06-24T13:38:28.436" v="9000"/>
-          <ac:spMkLst>
-            <pc:docMk/>
-            <pc:sldMk cId="2460199759" sldId="299"/>
-            <ac:spMk id="49" creationId="{05533588-693E-B4CE-AE5F-54D3D70AADB6}"/>
-          </ac:spMkLst>
-        </pc:spChg>
-        <pc:spChg chg="add mod">
-          <ac:chgData name="劉　冠廷" userId="157cb8b2-10c8-4c98-be2a-24a6fef27960" providerId="ADAL" clId="{6622E921-AE26-46C1-AE4E-15D7C32E5AB6}" dt="2022-06-24T13:43:35.819" v="9042" actId="164"/>
-          <ac:spMkLst>
-            <pc:docMk/>
-            <pc:sldMk cId="2460199759" sldId="299"/>
-            <ac:spMk id="50" creationId="{6D8BA37B-B5EE-29FE-E7A3-CA940054ED48}"/>
-          </ac:spMkLst>
-        </pc:spChg>
-        <pc:spChg chg="mod">
-          <ac:chgData name="劉　冠廷" userId="157cb8b2-10c8-4c98-be2a-24a6fef27960" providerId="ADAL" clId="{6622E921-AE26-46C1-AE4E-15D7C32E5AB6}" dt="2022-06-23T01:35:06.112" v="8839" actId="20577"/>
-          <ac:spMkLst>
-            <pc:docMk/>
-            <pc:sldMk cId="2460199759" sldId="299"/>
-            <ac:spMk id="110" creationId="{00000000-0000-0000-0000-000000000000}"/>
-          </ac:spMkLst>
-        </pc:spChg>
-        <pc:spChg chg="mod">
-          <ac:chgData name="劉　冠廷" userId="157cb8b2-10c8-4c98-be2a-24a6fef27960" providerId="ADAL" clId="{6622E921-AE26-46C1-AE4E-15D7C32E5AB6}" dt="2022-06-26T11:45:50.868" v="10500" actId="20577"/>
-          <ac:spMkLst>
-            <pc:docMk/>
-            <pc:sldMk cId="2460199759" sldId="299"/>
-            <ac:spMk id="111" creationId="{00000000-0000-0000-0000-000000000000}"/>
-          </ac:spMkLst>
-        </pc:spChg>
-        <pc:grpChg chg="mod">
-          <ac:chgData name="劉　冠廷" userId="157cb8b2-10c8-4c98-be2a-24a6fef27960" providerId="ADAL" clId="{6622E921-AE26-46C1-AE4E-15D7C32E5AB6}" dt="2022-06-24T13:44:38.375" v="9063" actId="14100"/>
-          <ac:grpSpMkLst>
-            <pc:docMk/>
-            <pc:sldMk cId="2460199759" sldId="299"/>
-            <ac:grpSpMk id="10" creationId="{5ACC5C0B-49E0-3459-9161-2591228F0573}"/>
-          </ac:grpSpMkLst>
-        </pc:grpChg>
-        <pc:grpChg chg="del">
-          <ac:chgData name="劉　冠廷" userId="157cb8b2-10c8-4c98-be2a-24a6fef27960" providerId="ADAL" clId="{6622E921-AE26-46C1-AE4E-15D7C32E5AB6}" dt="2022-06-23T01:36:10.983" v="8844" actId="478"/>
-          <ac:grpSpMkLst>
-            <pc:docMk/>
-            <pc:sldMk cId="2460199759" sldId="299"/>
-            <ac:grpSpMk id="11" creationId="{AB8464BD-BD07-66FB-4284-2F662E046089}"/>
-          </ac:grpSpMkLst>
-        </pc:grpChg>
-        <pc:grpChg chg="del">
-          <ac:chgData name="劉　冠廷" userId="157cb8b2-10c8-4c98-be2a-24a6fef27960" providerId="ADAL" clId="{6622E921-AE26-46C1-AE4E-15D7C32E5AB6}" dt="2022-06-23T01:36:17.084" v="8846" actId="478"/>
-          <ac:grpSpMkLst>
-            <pc:docMk/>
-            <pc:sldMk cId="2460199759" sldId="299"/>
-            <ac:grpSpMk id="21" creationId="{1C779E7C-9A14-D598-A0C9-C26AC492860E}"/>
-          </ac:grpSpMkLst>
-        </pc:grpChg>
-        <pc:grpChg chg="del">
-          <ac:chgData name="劉　冠廷" userId="157cb8b2-10c8-4c98-be2a-24a6fef27960" providerId="ADAL" clId="{6622E921-AE26-46C1-AE4E-15D7C32E5AB6}" dt="2022-06-23T01:36:18.720" v="8848" actId="478"/>
-          <ac:grpSpMkLst>
-            <pc:docMk/>
-            <pc:sldMk cId="2460199759" sldId="299"/>
-            <ac:grpSpMk id="22" creationId="{6A91FF7A-9FDE-C84F-6EBC-DA0755504890}"/>
-          </ac:grpSpMkLst>
-        </pc:grpChg>
-        <pc:grpChg chg="del">
-          <ac:chgData name="劉　冠廷" userId="157cb8b2-10c8-4c98-be2a-24a6fef27960" providerId="ADAL" clId="{6622E921-AE26-46C1-AE4E-15D7C32E5AB6}" dt="2022-06-23T01:36:17.783" v="8847" actId="478"/>
-          <ac:grpSpMkLst>
-            <pc:docMk/>
-            <pc:sldMk cId="2460199759" sldId="299"/>
-            <ac:grpSpMk id="25" creationId="{E88A806F-4DFD-2909-2DAB-65F986E1C7CB}"/>
-          </ac:grpSpMkLst>
-        </pc:grpChg>
-        <pc:grpChg chg="add mod">
-          <ac:chgData name="劉　冠廷" userId="157cb8b2-10c8-4c98-be2a-24a6fef27960" providerId="ADAL" clId="{6622E921-AE26-46C1-AE4E-15D7C32E5AB6}" dt="2022-06-24T13:44:46.487" v="9065" actId="14100"/>
-          <ac:grpSpMkLst>
-            <pc:docMk/>
-            <pc:sldMk cId="2460199759" sldId="299"/>
-            <ac:grpSpMk id="44" creationId="{77EB4B12-977A-3D24-6E89-A11451A9AD43}"/>
-          </ac:grpSpMkLst>
-        </pc:grpChg>
-        <pc:grpChg chg="add mod">
-          <ac:chgData name="劉　冠廷" userId="157cb8b2-10c8-4c98-be2a-24a6fef27960" providerId="ADAL" clId="{6622E921-AE26-46C1-AE4E-15D7C32E5AB6}" dt="2022-06-24T13:43:35.819" v="9042" actId="164"/>
-          <ac:grpSpMkLst>
-            <pc:docMk/>
-            <pc:sldMk cId="2460199759" sldId="299"/>
-            <ac:grpSpMk id="45" creationId="{CBAC8ED6-8F30-F576-5CF8-91490CBE944F}"/>
-          </ac:grpSpMkLst>
-        </pc:grpChg>
-        <pc:grpChg chg="mod">
-          <ac:chgData name="劉　冠廷" userId="157cb8b2-10c8-4c98-be2a-24a6fef27960" providerId="ADAL" clId="{6622E921-AE26-46C1-AE4E-15D7C32E5AB6}" dt="2022-06-24T13:38:28.436" v="9000"/>
-          <ac:grpSpMkLst>
-            <pc:docMk/>
-            <pc:sldMk cId="2460199759" sldId="299"/>
-            <ac:grpSpMk id="46" creationId="{159D441B-2DC3-6A98-CEBD-8DF714C6532F}"/>
-          </ac:grpSpMkLst>
-        </pc:grpChg>
-        <pc:picChg chg="del mod">
-          <ac:chgData name="劉　冠廷" userId="157cb8b2-10c8-4c98-be2a-24a6fef27960" providerId="ADAL" clId="{6622E921-AE26-46C1-AE4E-15D7C32E5AB6}" dt="2022-06-24T13:12:32.175" v="8945" actId="478"/>
-          <ac:picMkLst>
-            <pc:docMk/>
-            <pc:sldMk cId="2460199759" sldId="299"/>
-            <ac:picMk id="9" creationId="{4859A1A4-3B1A-8BE6-22DE-C4023F1FF771}"/>
-          </ac:picMkLst>
-        </pc:picChg>
-        <pc:picChg chg="del mod">
-          <ac:chgData name="劉　冠廷" userId="157cb8b2-10c8-4c98-be2a-24a6fef27960" providerId="ADAL" clId="{6622E921-AE26-46C1-AE4E-15D7C32E5AB6}" dt="2022-06-24T13:03:53.770" v="8927" actId="478"/>
-          <ac:picMkLst>
-            <pc:docMk/>
-            <pc:sldMk cId="2460199759" sldId="299"/>
-            <ac:picMk id="17" creationId="{4796A1FE-BEA2-C381-8735-33D87DA71847}"/>
-          </ac:picMkLst>
-        </pc:picChg>
-        <pc:picChg chg="add del mod">
-          <ac:chgData name="劉　冠廷" userId="157cb8b2-10c8-4c98-be2a-24a6fef27960" providerId="ADAL" clId="{6622E921-AE26-46C1-AE4E-15D7C32E5AB6}" dt="2022-06-24T13:04:31.903" v="8936" actId="478"/>
-          <ac:picMkLst>
-            <pc:docMk/>
-            <pc:sldMk cId="2460199759" sldId="299"/>
-            <ac:picMk id="28" creationId="{14149072-F2B5-0078-CB9A-A8D222E3B312}"/>
-          </ac:picMkLst>
-        </pc:picChg>
-        <pc:picChg chg="add del mod">
-          <ac:chgData name="劉　冠廷" userId="157cb8b2-10c8-4c98-be2a-24a6fef27960" providerId="ADAL" clId="{6622E921-AE26-46C1-AE4E-15D7C32E5AB6}" dt="2022-06-24T13:12:36.926" v="8950" actId="478"/>
-          <ac:picMkLst>
-            <pc:docMk/>
-            <pc:sldMk cId="2460199759" sldId="299"/>
-            <ac:picMk id="30" creationId="{64C89430-19C6-6021-900A-492ABA385B1D}"/>
-          </ac:picMkLst>
-        </pc:picChg>
-        <pc:picChg chg="add del mod">
-          <ac:chgData name="劉　冠廷" userId="157cb8b2-10c8-4c98-be2a-24a6fef27960" providerId="ADAL" clId="{6622E921-AE26-46C1-AE4E-15D7C32E5AB6}" dt="2022-06-24T13:35:26.689" v="8969" actId="478"/>
-          <ac:picMkLst>
-            <pc:docMk/>
-            <pc:sldMk cId="2460199759" sldId="299"/>
-            <ac:picMk id="32" creationId="{240ED856-5289-CC24-9C73-78ED09C32AE7}"/>
-          </ac:picMkLst>
-        </pc:picChg>
-        <pc:picChg chg="add del mod">
-          <ac:chgData name="劉　冠廷" userId="157cb8b2-10c8-4c98-be2a-24a6fef27960" providerId="ADAL" clId="{6622E921-AE26-46C1-AE4E-15D7C32E5AB6}" dt="2022-06-24T13:13:23.217" v="8955" actId="478"/>
-          <ac:picMkLst>
-            <pc:docMk/>
-            <pc:sldMk cId="2460199759" sldId="299"/>
-            <ac:picMk id="34" creationId="{85A86C46-B982-9A0D-2733-77B43D1D982B}"/>
-          </ac:picMkLst>
-        </pc:picChg>
-        <pc:picChg chg="add del mod">
-          <ac:chgData name="劉　冠廷" userId="157cb8b2-10c8-4c98-be2a-24a6fef27960" providerId="ADAL" clId="{6622E921-AE26-46C1-AE4E-15D7C32E5AB6}" dt="2022-06-24T13:35:25.282" v="8968" actId="478"/>
-          <ac:picMkLst>
-            <pc:docMk/>
-            <pc:sldMk cId="2460199759" sldId="299"/>
-            <ac:picMk id="36" creationId="{1DBEF676-38E3-0DDD-367A-722250506063}"/>
-          </ac:picMkLst>
-        </pc:picChg>
-        <pc:picChg chg="add del mod">
-          <ac:chgData name="劉　冠廷" userId="157cb8b2-10c8-4c98-be2a-24a6fef27960" providerId="ADAL" clId="{6622E921-AE26-46C1-AE4E-15D7C32E5AB6}" dt="2022-06-24T13:35:44.749" v="8981" actId="478"/>
-          <ac:picMkLst>
-            <pc:docMk/>
-            <pc:sldMk cId="2460199759" sldId="299"/>
-            <ac:picMk id="38" creationId="{913665FA-D954-7573-F4C6-AF37237B6C13}"/>
-          </ac:picMkLst>
-        </pc:picChg>
-        <pc:picChg chg="add mod">
-          <ac:chgData name="劉　冠廷" userId="157cb8b2-10c8-4c98-be2a-24a6fef27960" providerId="ADAL" clId="{6622E921-AE26-46C1-AE4E-15D7C32E5AB6}" dt="2022-06-24T13:45:05.919" v="9069" actId="1076"/>
-          <ac:picMkLst>
-            <pc:docMk/>
-            <pc:sldMk cId="2460199759" sldId="299"/>
-            <ac:picMk id="40" creationId="{8CFC29B7-0F7D-D07D-669E-D7B1E6C9F492}"/>
-          </ac:picMkLst>
-        </pc:picChg>
-        <pc:picChg chg="add mod">
-          <ac:chgData name="劉　冠廷" userId="157cb8b2-10c8-4c98-be2a-24a6fef27960" providerId="ADAL" clId="{6622E921-AE26-46C1-AE4E-15D7C32E5AB6}" dt="2022-06-24T13:45:07.463" v="9070" actId="1076"/>
-          <ac:picMkLst>
-            <pc:docMk/>
-            <pc:sldMk cId="2460199759" sldId="299"/>
-            <ac:picMk id="42" creationId="{FF49AD9B-84C7-48BA-E21B-8A4459F8C92C}"/>
-          </ac:picMkLst>
-        </pc:picChg>
-        <pc:picChg chg="add mod">
-          <ac:chgData name="劉　冠廷" userId="157cb8b2-10c8-4c98-be2a-24a6fef27960" providerId="ADAL" clId="{6622E921-AE26-46C1-AE4E-15D7C32E5AB6}" dt="2022-06-24T13:44:48.534" v="9066" actId="1076"/>
-          <ac:picMkLst>
-            <pc:docMk/>
-            <pc:sldMk cId="2460199759" sldId="299"/>
-            <ac:picMk id="43" creationId="{CD4F9F77-2540-824D-9895-4221FD1132AB}"/>
-          </ac:picMkLst>
-        </pc:picChg>
-      </pc:sldChg>
-      <pc:sldChg chg="add del">
-        <pc:chgData name="劉　冠廷" userId="157cb8b2-10c8-4c98-be2a-24a6fef27960" providerId="ADAL" clId="{6622E921-AE26-46C1-AE4E-15D7C32E5AB6}" dt="2022-06-24T14:07:57.630" v="9653" actId="2696"/>
-        <pc:sldMkLst>
-          <pc:docMk/>
-          <pc:sldMk cId="3008548597" sldId="300"/>
-        </pc:sldMkLst>
-      </pc:sldChg>
-      <pc:sldChg chg="addSp delSp modSp add mod">
-        <pc:chgData name="劉　冠廷" userId="157cb8b2-10c8-4c98-be2a-24a6fef27960" providerId="ADAL" clId="{6622E921-AE26-46C1-AE4E-15D7C32E5AB6}" dt="2022-06-26T11:58:46.888" v="10510" actId="14100"/>
-        <pc:sldMkLst>
-          <pc:docMk/>
-          <pc:sldMk cId="3083290222" sldId="301"/>
-        </pc:sldMkLst>
-        <pc:spChg chg="mod">
-          <ac:chgData name="劉　冠廷" userId="157cb8b2-10c8-4c98-be2a-24a6fef27960" providerId="ADAL" clId="{6622E921-AE26-46C1-AE4E-15D7C32E5AB6}" dt="2022-06-26T11:58:40.008" v="10506" actId="20577"/>
-          <ac:spMkLst>
-            <pc:docMk/>
-            <pc:sldMk cId="3083290222" sldId="301"/>
-            <ac:spMk id="4" creationId="{49F70D5E-9B45-EAAE-2F55-7DF164016490}"/>
-          </ac:spMkLst>
-        </pc:spChg>
-        <pc:spChg chg="mod">
-          <ac:chgData name="劉　冠廷" userId="157cb8b2-10c8-4c98-be2a-24a6fef27960" providerId="ADAL" clId="{6622E921-AE26-46C1-AE4E-15D7C32E5AB6}" dt="2022-06-26T11:58:40.008" v="10506" actId="20577"/>
-          <ac:spMkLst>
-            <pc:docMk/>
-            <pc:sldMk cId="3083290222" sldId="301"/>
-            <ac:spMk id="6" creationId="{E709673C-02A3-3250-17B6-43631D7F63D2}"/>
-          </ac:spMkLst>
-        </pc:spChg>
-        <pc:spChg chg="mod">
-          <ac:chgData name="劉　冠廷" userId="157cb8b2-10c8-4c98-be2a-24a6fef27960" providerId="ADAL" clId="{6622E921-AE26-46C1-AE4E-15D7C32E5AB6}" dt="2022-06-24T13:52:38.960" v="9176" actId="20577"/>
-          <ac:spMkLst>
-            <pc:docMk/>
-            <pc:sldMk cId="3083290222" sldId="301"/>
-            <ac:spMk id="19" creationId="{BBD1CAC7-CC03-AAFB-2FB3-4E83CAC42FD9}"/>
-          </ac:spMkLst>
-        </pc:spChg>
-        <pc:spChg chg="mod">
-          <ac:chgData name="劉　冠廷" userId="157cb8b2-10c8-4c98-be2a-24a6fef27960" providerId="ADAL" clId="{6622E921-AE26-46C1-AE4E-15D7C32E5AB6}" dt="2022-06-26T11:58:45.293" v="10509" actId="14100"/>
-          <ac:spMkLst>
-            <pc:docMk/>
-            <pc:sldMk cId="3083290222" sldId="301"/>
-            <ac:spMk id="111" creationId="{00000000-0000-0000-0000-000000000000}"/>
-          </ac:spMkLst>
-        </pc:spChg>
-        <pc:grpChg chg="mod">
-          <ac:chgData name="劉　冠廷" userId="157cb8b2-10c8-4c98-be2a-24a6fef27960" providerId="ADAL" clId="{6622E921-AE26-46C1-AE4E-15D7C32E5AB6}" dt="2022-06-26T11:58:40.008" v="10506" actId="20577"/>
-          <ac:grpSpMkLst>
-            <pc:docMk/>
-            <pc:sldMk cId="3083290222" sldId="301"/>
-            <ac:grpSpMk id="7" creationId="{0D67423B-6491-6D91-88ED-375EE86585DF}"/>
-          </ac:grpSpMkLst>
-        </pc:grpChg>
-        <pc:grpChg chg="mod">
-          <ac:chgData name="劉　冠廷" userId="157cb8b2-10c8-4c98-be2a-24a6fef27960" providerId="ADAL" clId="{6622E921-AE26-46C1-AE4E-15D7C32E5AB6}" dt="2022-06-26T11:58:46.888" v="10510" actId="14100"/>
-          <ac:grpSpMkLst>
-            <pc:docMk/>
-            <pc:sldMk cId="3083290222" sldId="301"/>
-            <ac:grpSpMk id="10" creationId="{5ACC5C0B-49E0-3459-9161-2591228F0573}"/>
-          </ac:grpSpMkLst>
-        </pc:grpChg>
-        <pc:picChg chg="del">
-          <ac:chgData name="劉　冠廷" userId="157cb8b2-10c8-4c98-be2a-24a6fef27960" providerId="ADAL" clId="{6622E921-AE26-46C1-AE4E-15D7C32E5AB6}" dt="2022-06-24T13:52:42.164" v="9177" actId="478"/>
-          <ac:picMkLst>
-            <pc:docMk/>
-            <pc:sldMk cId="3083290222" sldId="301"/>
-            <ac:picMk id="5" creationId="{023C8121-8960-0599-7C41-6307C48CE66B}"/>
-          </ac:picMkLst>
-        </pc:picChg>
-        <pc:picChg chg="add mod">
-          <ac:chgData name="劉　冠廷" userId="157cb8b2-10c8-4c98-be2a-24a6fef27960" providerId="ADAL" clId="{6622E921-AE26-46C1-AE4E-15D7C32E5AB6}" dt="2022-06-24T13:58:34.601" v="9365" actId="1076"/>
-          <ac:picMkLst>
-            <pc:docMk/>
-            <pc:sldMk cId="3083290222" sldId="301"/>
-            <ac:picMk id="8" creationId="{347E0739-0E72-CF86-DAE3-347C9E047CF6}"/>
-          </ac:picMkLst>
-        </pc:picChg>
-        <pc:picChg chg="add mod">
-          <ac:chgData name="劉　冠廷" userId="157cb8b2-10c8-4c98-be2a-24a6fef27960" providerId="ADAL" clId="{6622E921-AE26-46C1-AE4E-15D7C32E5AB6}" dt="2022-06-24T14:06:19.963" v="9652" actId="1076"/>
-          <ac:picMkLst>
-            <pc:docMk/>
-            <pc:sldMk cId="3083290222" sldId="301"/>
-            <ac:picMk id="11" creationId="{C612D15C-1B24-BBB3-DF78-9E79BA119C17}"/>
-          </ac:picMkLst>
-        </pc:picChg>
-        <pc:picChg chg="del">
-          <ac:chgData name="劉　冠廷" userId="157cb8b2-10c8-4c98-be2a-24a6fef27960" providerId="ADAL" clId="{6622E921-AE26-46C1-AE4E-15D7C32E5AB6}" dt="2022-06-24T13:52:43.632" v="9178" actId="478"/>
-          <ac:picMkLst>
-            <pc:docMk/>
-            <pc:sldMk cId="3083290222" sldId="301"/>
-            <ac:picMk id="12" creationId="{4E122E69-A677-3E4D-0E66-4D8C538191EE}"/>
-          </ac:picMkLst>
-        </pc:picChg>
       </pc:sldChg>
     </pc:docChg>
   </pc:docChgLst>
@@ -16773,7 +16797,7 @@
                   <a:schemeClr val="accent1"/>
                 </a:solidFill>
               </a:rPr>
-              <a:t>研究進捗報告</a:t>
+              <a:t>研究報告</a:t>
             </a:r>
             <a:endParaRPr sz="1800" b="1" i="0" u="none" strike="noStrike" cap="none" dirty="0">
               <a:solidFill>
@@ -19106,8 +19130,8 @@
             </p:txBody>
           </p:sp>
         </p:grpSp>
-        <mc:AlternateContent xmlns:mc="http://schemas.openxmlformats.org/markup-compatibility/2006">
-          <mc:Choice xmlns:a14="http://schemas.microsoft.com/office/drawing/2010/main" Requires="a14">
+        <mc:AlternateContent xmlns:mc="http://schemas.openxmlformats.org/markup-compatibility/2006" xmlns:a14="http://schemas.microsoft.com/office/drawing/2010/main">
+          <mc:Choice Requires="a14">
             <p:sp>
               <p:nvSpPr>
                 <p:cNvPr id="7" name="Google Shape;111;p3">
@@ -19859,7 +19883,7 @@
               </p:txBody>
             </p:sp>
           </mc:Choice>
-          <mc:Fallback>
+          <mc:Fallback xmlns="">
             <p:sp>
               <p:nvSpPr>
                 <p:cNvPr id="7" name="Google Shape;111;p3">
